--- a/PPT/PM处理流程(4).pptx
+++ b/PPT/PM处理流程(4).pptx
@@ -9,6 +9,9 @@
   </p:notesMasterIdLst>
   <p:sldIdLst>
     <p:sldId id="262" r:id="rId3"/>
+    <p:sldId id="263" r:id="rId5"/>
+    <p:sldId id="264" r:id="rId6"/>
+    <p:sldId id="265" r:id="rId7"/>
   </p:sldIdLst>
   <p:sldSz cx="12192000" cy="6858000"/>
   <p:notesSz cx="6858000" cy="9144000"/>
@@ -107,6 +110,24 @@
       </a:defRPr>
     </a:lvl9pPr>
   </p:defaultTextStyle>
+  <p:extLst>
+    <p:ext uri="{521415D9-36F7-43E2-AB2F-B90AF26B5E84}">
+      <p14:sectionLst xmlns:p14="http://schemas.microsoft.com/office/powerpoint/2010/main">
+        <p14:section name="PM处理流程" id="{f46a0d25-01e4-416b-bfec-b27395a31837}">
+          <p14:sldIdLst>
+            <p14:sldId id="262"/>
+            <p14:sldId id="263"/>
+          </p14:sldIdLst>
+        </p14:section>
+        <p14:section name="骨骼动画的处理" id="{d316e4bd-9c50-4cc3-a429-65450135cdbe}">
+          <p14:sldIdLst>
+            <p14:sldId id="264"/>
+            <p14:sldId id="265"/>
+          </p14:sldIdLst>
+        </p14:section>
+      </p14:sectionLst>
+    </p:ext>
+  </p:extLst>
 </p:presentation>
 </file>
 
@@ -464,6 +485,138 @@
 </file>
 
 <file path=ppt/notesSlides/notesSlide1.xml><?xml version="1.0" encoding="utf-8"?>
+<p:notes xmlns:a="http://schemas.openxmlformats.org/drawingml/2006/main" xmlns:r="http://schemas.openxmlformats.org/officeDocument/2006/relationships" xmlns:p="http://schemas.openxmlformats.org/presentationml/2006/main">
+  <p:cSld>
+    <p:spTree>
+      <p:nvGrpSpPr>
+        <p:cNvPr id="1" name=""/>
+        <p:cNvGrpSpPr/>
+        <p:nvPr/>
+      </p:nvGrpSpPr>
+      <p:grpSpPr/>
+      <p:sp>
+        <p:nvSpPr>
+          <p:cNvPr id="2" name="幻灯片图像占位符 1"/>
+          <p:cNvSpPr/>
+          <p:nvPr>
+            <p:ph type="sldImg" idx="2"/>
+          </p:nvPr>
+        </p:nvSpPr>
+        <p:spPr/>
+      </p:sp>
+      <p:sp>
+        <p:nvSpPr>
+          <p:cNvPr id="3" name="文本占位符 2"/>
+          <p:cNvSpPr/>
+          <p:nvPr>
+            <p:ph type="body" idx="3"/>
+          </p:nvPr>
+        </p:nvSpPr>
+        <p:spPr/>
+        <p:txBody>
+          <a:bodyPr/>
+          <a:p>
+            <a:endParaRPr lang="zh-CN" altLang="en-US"/>
+          </a:p>
+        </p:txBody>
+      </p:sp>
+    </p:spTree>
+  </p:cSld>
+  <p:clrMapOvr>
+    <a:masterClrMapping/>
+  </p:clrMapOvr>
+</p:notes>
+</file>
+
+<file path=ppt/notesSlides/notesSlide2.xml><?xml version="1.0" encoding="utf-8"?>
+<p:notes xmlns:a="http://schemas.openxmlformats.org/drawingml/2006/main" xmlns:r="http://schemas.openxmlformats.org/officeDocument/2006/relationships" xmlns:p="http://schemas.openxmlformats.org/presentationml/2006/main">
+  <p:cSld>
+    <p:spTree>
+      <p:nvGrpSpPr>
+        <p:cNvPr id="1" name=""/>
+        <p:cNvGrpSpPr/>
+        <p:nvPr/>
+      </p:nvGrpSpPr>
+      <p:grpSpPr/>
+      <p:sp>
+        <p:nvSpPr>
+          <p:cNvPr id="2" name="幻灯片图像占位符 1"/>
+          <p:cNvSpPr/>
+          <p:nvPr>
+            <p:ph type="sldImg" idx="2"/>
+          </p:nvPr>
+        </p:nvSpPr>
+        <p:spPr/>
+      </p:sp>
+      <p:sp>
+        <p:nvSpPr>
+          <p:cNvPr id="3" name="文本占位符 2"/>
+          <p:cNvSpPr/>
+          <p:nvPr>
+            <p:ph type="body" idx="3"/>
+          </p:nvPr>
+        </p:nvSpPr>
+        <p:spPr/>
+        <p:txBody>
+          <a:bodyPr/>
+          <a:p>
+            <a:endParaRPr lang="zh-CN" altLang="en-US"/>
+          </a:p>
+        </p:txBody>
+      </p:sp>
+    </p:spTree>
+  </p:cSld>
+  <p:clrMapOvr>
+    <a:masterClrMapping/>
+  </p:clrMapOvr>
+</p:notes>
+</file>
+
+<file path=ppt/notesSlides/notesSlide3.xml><?xml version="1.0" encoding="utf-8"?>
+<p:notes xmlns:a="http://schemas.openxmlformats.org/drawingml/2006/main" xmlns:r="http://schemas.openxmlformats.org/officeDocument/2006/relationships" xmlns:p="http://schemas.openxmlformats.org/presentationml/2006/main">
+  <p:cSld>
+    <p:spTree>
+      <p:nvGrpSpPr>
+        <p:cNvPr id="1" name=""/>
+        <p:cNvGrpSpPr/>
+        <p:nvPr/>
+      </p:nvGrpSpPr>
+      <p:grpSpPr/>
+      <p:sp>
+        <p:nvSpPr>
+          <p:cNvPr id="2" name="幻灯片图像占位符 1"/>
+          <p:cNvSpPr/>
+          <p:nvPr>
+            <p:ph type="sldImg" idx="2"/>
+          </p:nvPr>
+        </p:nvSpPr>
+        <p:spPr/>
+      </p:sp>
+      <p:sp>
+        <p:nvSpPr>
+          <p:cNvPr id="3" name="文本占位符 2"/>
+          <p:cNvSpPr/>
+          <p:nvPr>
+            <p:ph type="body" idx="3"/>
+          </p:nvPr>
+        </p:nvSpPr>
+        <p:spPr/>
+        <p:txBody>
+          <a:bodyPr/>
+          <a:p>
+            <a:endParaRPr lang="zh-CN" altLang="en-US"/>
+          </a:p>
+        </p:txBody>
+      </p:sp>
+    </p:spTree>
+  </p:cSld>
+  <p:clrMapOvr>
+    <a:masterClrMapping/>
+  </p:clrMapOvr>
+</p:notes>
+</file>
+
+<file path=ppt/notesSlides/notesSlide4.xml><?xml version="1.0" encoding="utf-8"?>
 <p:notes xmlns:a="http://schemas.openxmlformats.org/drawingml/2006/main" xmlns:r="http://schemas.openxmlformats.org/officeDocument/2006/relationships" xmlns:p="http://schemas.openxmlformats.org/presentationml/2006/main">
   <p:cSld>
     <p:spTree>
@@ -3459,7 +3612,7 @@
         </p:nvSpPr>
         <p:spPr>
           <a:xfrm>
-            <a:off x="5128260" y="410210"/>
+            <a:off x="5099685" y="410210"/>
             <a:ext cx="1876425" cy="2515870"/>
           </a:xfrm>
           <a:prstGeom prst="rect">
@@ -3503,7 +3656,7 @@
         </p:nvSpPr>
         <p:spPr>
           <a:xfrm>
-            <a:off x="5217160" y="673735"/>
+            <a:off x="5188585" y="673735"/>
             <a:ext cx="1664970" cy="2115185"/>
           </a:xfrm>
           <a:prstGeom prst="flowChartMagneticDisk">
@@ -3589,7 +3742,7 @@
         </p:nvSpPr>
         <p:spPr>
           <a:xfrm>
-            <a:off x="5596890" y="1537335"/>
+            <a:off x="5568315" y="1537335"/>
             <a:ext cx="947420" cy="225425"/>
           </a:xfrm>
           <a:prstGeom prst="roundRect">
@@ -3748,7 +3901,7 @@
         </p:nvSpPr>
         <p:spPr>
           <a:xfrm>
-            <a:off x="5198745" y="239395"/>
+            <a:off x="5170170" y="239395"/>
             <a:ext cx="1805940" cy="336550"/>
           </a:xfrm>
           <a:prstGeom prst="homePlate">
@@ -4174,135 +4327,6 @@
       </p:sp>
       <p:sp>
         <p:nvSpPr>
-          <p:cNvPr id="58" name="下弧形箭头 57"/>
-          <p:cNvSpPr/>
-          <p:nvPr/>
-        </p:nvSpPr>
-        <p:spPr>
-          <a:xfrm>
-            <a:off x="8098790" y="2241550"/>
-            <a:ext cx="946150" cy="250825"/>
-          </a:xfrm>
-          <a:prstGeom prst="curvedUpArrow">
-            <a:avLst/>
-          </a:prstGeom>
-        </p:spPr>
-        <p:style>
-          <a:lnRef idx="2">
-            <a:schemeClr val="accent1">
-              <a:shade val="50000"/>
-            </a:schemeClr>
-          </a:lnRef>
-          <a:fillRef idx="1">
-            <a:schemeClr val="accent1"/>
-          </a:fillRef>
-          <a:effectRef idx="0">
-            <a:schemeClr val="accent1"/>
-          </a:effectRef>
-          <a:fontRef idx="minor">
-            <a:schemeClr val="lt1"/>
-          </a:fontRef>
-        </p:style>
-        <p:txBody>
-          <a:bodyPr rtlCol="0" anchor="ctr"/>
-          <a:p>
-            <a:pPr algn="ctr"/>
-            <a:endParaRPr lang="zh-CN" altLang="en-US">
-              <a:solidFill>
-                <a:schemeClr val="tx1"/>
-              </a:solidFill>
-            </a:endParaRPr>
-          </a:p>
-        </p:txBody>
-      </p:sp>
-      <p:sp>
-        <p:nvSpPr>
-          <p:cNvPr id="68" name="下弧形箭头 67"/>
-          <p:cNvSpPr/>
-          <p:nvPr/>
-        </p:nvSpPr>
-        <p:spPr>
-          <a:xfrm>
-            <a:off x="9076690" y="2249170"/>
-            <a:ext cx="946150" cy="251460"/>
-          </a:xfrm>
-          <a:prstGeom prst="curvedUpArrow">
-            <a:avLst/>
-          </a:prstGeom>
-        </p:spPr>
-        <p:style>
-          <a:lnRef idx="2">
-            <a:schemeClr val="accent1">
-              <a:shade val="50000"/>
-            </a:schemeClr>
-          </a:lnRef>
-          <a:fillRef idx="1">
-            <a:schemeClr val="accent1"/>
-          </a:fillRef>
-          <a:effectRef idx="0">
-            <a:schemeClr val="accent1"/>
-          </a:effectRef>
-          <a:fontRef idx="minor">
-            <a:schemeClr val="lt1"/>
-          </a:fontRef>
-        </p:style>
-        <p:txBody>
-          <a:bodyPr rtlCol="0" anchor="ctr"/>
-          <a:p>
-            <a:pPr algn="ctr"/>
-            <a:endParaRPr lang="zh-CN" altLang="en-US">
-              <a:solidFill>
-                <a:schemeClr val="tx1"/>
-              </a:solidFill>
-            </a:endParaRPr>
-          </a:p>
-        </p:txBody>
-      </p:sp>
-      <p:sp>
-        <p:nvSpPr>
-          <p:cNvPr id="71" name="下弧形箭头 70"/>
-          <p:cNvSpPr/>
-          <p:nvPr/>
-        </p:nvSpPr>
-        <p:spPr>
-          <a:xfrm>
-            <a:off x="10022840" y="2249170"/>
-            <a:ext cx="946150" cy="251460"/>
-          </a:xfrm>
-          <a:prstGeom prst="curvedUpArrow">
-            <a:avLst/>
-          </a:prstGeom>
-        </p:spPr>
-        <p:style>
-          <a:lnRef idx="2">
-            <a:schemeClr val="accent1">
-              <a:shade val="50000"/>
-            </a:schemeClr>
-          </a:lnRef>
-          <a:fillRef idx="1">
-            <a:schemeClr val="accent1"/>
-          </a:fillRef>
-          <a:effectRef idx="0">
-            <a:schemeClr val="accent1"/>
-          </a:effectRef>
-          <a:fontRef idx="minor">
-            <a:schemeClr val="lt1"/>
-          </a:fontRef>
-        </p:style>
-        <p:txBody>
-          <a:bodyPr rtlCol="0" anchor="ctr"/>
-          <a:p>
-            <a:pPr algn="ctr"/>
-            <a:endParaRPr lang="zh-CN" altLang="en-US">
-              <a:solidFill>
-                <a:schemeClr val="tx1"/>
-              </a:solidFill>
-            </a:endParaRPr>
-          </a:p>
-        </p:txBody>
-      </p:sp>
-      <p:sp>
-        <p:nvSpPr>
           <p:cNvPr id="73" name="下弧形箭头 72"/>
           <p:cNvSpPr/>
           <p:nvPr/>
@@ -4449,7 +4473,7 @@
         </p:nvSpPr>
         <p:spPr>
           <a:xfrm>
-            <a:off x="5597525" y="1814830"/>
+            <a:off x="5568950" y="1814830"/>
             <a:ext cx="946785" cy="225425"/>
           </a:xfrm>
           <a:prstGeom prst="roundRect">
@@ -4510,7 +4534,7 @@
         </p:nvSpPr>
         <p:spPr>
           <a:xfrm>
-            <a:off x="5597525" y="2096135"/>
+            <a:off x="5568950" y="2096135"/>
             <a:ext cx="946785" cy="225425"/>
           </a:xfrm>
           <a:prstGeom prst="roundRect">
@@ -4571,7 +4595,7 @@
         </p:nvSpPr>
         <p:spPr>
           <a:xfrm>
-            <a:off x="5597525" y="2379980"/>
+            <a:off x="5568950" y="2379980"/>
             <a:ext cx="955040" cy="225425"/>
           </a:xfrm>
           <a:prstGeom prst="roundRect">
@@ -4632,7 +4656,7 @@
         </p:nvSpPr>
         <p:spPr>
           <a:xfrm>
-            <a:off x="5358765" y="785495"/>
+            <a:off x="5330190" y="785495"/>
             <a:ext cx="1542415" cy="368300"/>
           </a:xfrm>
           <a:prstGeom prst="rect">
@@ -4671,7 +4695,7 @@
         </p:nvSpPr>
         <p:spPr>
           <a:xfrm>
-            <a:off x="6604000" y="1671320"/>
+            <a:off x="6575425" y="1671320"/>
             <a:ext cx="109220" cy="236220"/>
           </a:xfrm>
           <a:prstGeom prst="curvedLeftArrow">
@@ -4725,7 +4749,7 @@
         </p:nvSpPr>
         <p:spPr>
           <a:xfrm flipH="1">
-            <a:off x="5456555" y="1964690"/>
+            <a:off x="5427980" y="1964690"/>
             <a:ext cx="92075" cy="236220"/>
           </a:xfrm>
           <a:prstGeom prst="curvedLeftArrow">
@@ -4768,7 +4792,7 @@
         </p:nvSpPr>
         <p:spPr>
           <a:xfrm>
-            <a:off x="6605270" y="2190750"/>
+            <a:off x="6576695" y="2190750"/>
             <a:ext cx="109220" cy="236220"/>
           </a:xfrm>
           <a:prstGeom prst="curvedLeftArrow">
@@ -4811,8 +4835,8 @@
         </p:nvSpPr>
         <p:spPr>
           <a:xfrm>
-            <a:off x="4377690" y="1537335"/>
-            <a:ext cx="1182370" cy="203200"/>
+            <a:off x="4501515" y="1537970"/>
+            <a:ext cx="535305" cy="202565"/>
           </a:xfrm>
           <a:prstGeom prst="rightArrow">
             <a:avLst/>
@@ -5141,16 +5165,267 @@
       </p:sp>
       <p:sp>
         <p:nvSpPr>
-          <p:cNvPr id="95" name="矩形 94"/>
+          <p:cNvPr id="101" name="文本框 100"/>
+          <p:cNvSpPr txBox="1"/>
+          <p:nvPr/>
+        </p:nvSpPr>
+        <p:spPr>
+          <a:xfrm>
+            <a:off x="7722870" y="2010410"/>
+            <a:ext cx="803275" cy="275590"/>
+          </a:xfrm>
+          <a:prstGeom prst="rect">
+            <a:avLst/>
+          </a:prstGeom>
+          <a:noFill/>
+        </p:spPr>
+        <p:txBody>
+          <a:bodyPr wrap="square" rtlCol="0">
+            <a:spAutoFit/>
+          </a:bodyPr>
+          <a:p>
+            <a:r>
+              <a:rPr lang="en-US" altLang="zh-CN" sz="1200" b="1"/>
+              <a:t>PM0:140</a:t>
+            </a:r>
+            <a:endParaRPr lang="en-US" altLang="zh-CN" sz="1200" b="1"/>
+          </a:p>
+        </p:txBody>
+      </p:sp>
+      <p:sp>
+        <p:nvSpPr>
+          <p:cNvPr id="102" name="文本框 101"/>
+          <p:cNvSpPr txBox="1"/>
+          <p:nvPr/>
+        </p:nvSpPr>
+        <p:spPr>
+          <a:xfrm>
+            <a:off x="8752840" y="2004060"/>
+            <a:ext cx="802005" cy="275590"/>
+          </a:xfrm>
+          <a:prstGeom prst="rect">
+            <a:avLst/>
+          </a:prstGeom>
+          <a:noFill/>
+        </p:spPr>
+        <p:txBody>
+          <a:bodyPr wrap="square" rtlCol="0">
+            <a:spAutoFit/>
+          </a:bodyPr>
+          <a:p>
+            <a:r>
+              <a:rPr lang="en-US" altLang="zh-CN" sz="1200" b="1"/>
+              <a:t>PM1:340</a:t>
+            </a:r>
+            <a:endParaRPr lang="en-US" altLang="zh-CN" sz="1200" b="1"/>
+          </a:p>
+        </p:txBody>
+      </p:sp>
+      <p:sp>
+        <p:nvSpPr>
+          <p:cNvPr id="103" name="文本框 102"/>
+          <p:cNvSpPr txBox="1"/>
+          <p:nvPr/>
+        </p:nvSpPr>
+        <p:spPr>
+          <a:xfrm>
+            <a:off x="9692005" y="2027555"/>
+            <a:ext cx="817245" cy="275590"/>
+          </a:xfrm>
+          <a:prstGeom prst="rect">
+            <a:avLst/>
+          </a:prstGeom>
+          <a:noFill/>
+        </p:spPr>
+        <p:txBody>
+          <a:bodyPr wrap="square" rtlCol="0">
+            <a:spAutoFit/>
+          </a:bodyPr>
+          <a:p>
+            <a:r>
+              <a:rPr lang="en-US" altLang="zh-CN" sz="1200" b="1"/>
+              <a:t>PM2:540</a:t>
+            </a:r>
+            <a:endParaRPr lang="en-US" altLang="zh-CN" sz="1200" b="1"/>
+          </a:p>
+        </p:txBody>
+      </p:sp>
+      <p:sp>
+        <p:nvSpPr>
+          <p:cNvPr id="104" name="文本框 103"/>
+          <p:cNvSpPr txBox="1"/>
+          <p:nvPr/>
+        </p:nvSpPr>
+        <p:spPr>
+          <a:xfrm>
+            <a:off x="10509250" y="2004060"/>
+            <a:ext cx="783590" cy="245110"/>
+          </a:xfrm>
+          <a:prstGeom prst="rect">
+            <a:avLst/>
+          </a:prstGeom>
+          <a:noFill/>
+        </p:spPr>
+        <p:txBody>
+          <a:bodyPr wrap="square" rtlCol="0">
+            <a:spAutoFit/>
+          </a:bodyPr>
+          <a:p>
+            <a:pPr algn="l">
+              <a:buClrTx/>
+              <a:buSzTx/>
+              <a:buFontTx/>
+            </a:pPr>
+            <a:r>
+              <a:rPr lang="en-US" altLang="zh-CN" sz="1200" b="1"/>
+              <a:t>PM3:592</a:t>
+            </a:r>
+            <a:endParaRPr lang="en-US" altLang="zh-CN" sz="1200" b="1"/>
+          </a:p>
+        </p:txBody>
+      </p:sp>
+      <p:pic>
+        <p:nvPicPr>
+          <p:cNvPr id="13" name="图片 12"/>
+          <p:cNvPicPr>
+            <a:picLocks noChangeAspect="1"/>
+          </p:cNvPicPr>
+          <p:nvPr/>
+        </p:nvPicPr>
+        <p:blipFill>
+          <a:blip r:embed="rId5"/>
+          <a:stretch>
+            <a:fillRect/>
+          </a:stretch>
+        </p:blipFill>
+        <p:spPr>
+          <a:xfrm>
+            <a:off x="8762365" y="4495800"/>
+            <a:ext cx="812800" cy="812800"/>
+          </a:xfrm>
+          <a:prstGeom prst="rect">
+            <a:avLst/>
+          </a:prstGeom>
+        </p:spPr>
+      </p:pic>
+      <p:pic>
+        <p:nvPicPr>
+          <p:cNvPr id="31" name="图片 30"/>
+          <p:cNvPicPr>
+            <a:picLocks noChangeAspect="1"/>
+          </p:cNvPicPr>
+          <p:nvPr/>
+        </p:nvPicPr>
+        <p:blipFill>
+          <a:blip r:embed="rId6"/>
+          <a:stretch>
+            <a:fillRect/>
+          </a:stretch>
+        </p:blipFill>
+        <p:spPr>
+          <a:xfrm>
+            <a:off x="9814560" y="4848860"/>
+            <a:ext cx="406400" cy="406400"/>
+          </a:xfrm>
+          <a:prstGeom prst="rect">
+            <a:avLst/>
+          </a:prstGeom>
+        </p:spPr>
+      </p:pic>
+      <p:sp>
+        <p:nvSpPr>
+          <p:cNvPr id="34" name="文本框 33"/>
+          <p:cNvSpPr txBox="1"/>
+          <p:nvPr/>
+        </p:nvSpPr>
+        <p:spPr>
+          <a:xfrm>
+            <a:off x="9771380" y="5408295"/>
+            <a:ext cx="542925" cy="245110"/>
+          </a:xfrm>
+          <a:prstGeom prst="rect">
+            <a:avLst/>
+          </a:prstGeom>
+          <a:noFill/>
+        </p:spPr>
+        <p:txBody>
+          <a:bodyPr wrap="square" rtlCol="0">
+            <a:spAutoFit/>
+          </a:bodyPr>
+          <a:p>
+            <a:r>
+              <a:rPr lang="en-US" sz="1000"/>
+              <a:t>level1</a:t>
+            </a:r>
+            <a:endParaRPr lang="en-US" sz="1000"/>
+          </a:p>
+        </p:txBody>
+      </p:sp>
+      <p:sp>
+        <p:nvSpPr>
+          <p:cNvPr id="43" name="文本框 42"/>
+          <p:cNvSpPr txBox="1"/>
+          <p:nvPr/>
+        </p:nvSpPr>
+        <p:spPr>
+          <a:xfrm>
+            <a:off x="10426700" y="5408295"/>
+            <a:ext cx="635635" cy="245110"/>
+          </a:xfrm>
+          <a:prstGeom prst="rect">
+            <a:avLst/>
+          </a:prstGeom>
+          <a:noFill/>
+        </p:spPr>
+        <p:txBody>
+          <a:bodyPr wrap="square" rtlCol="0">
+            <a:spAutoFit/>
+          </a:bodyPr>
+          <a:p>
+            <a:r>
+              <a:rPr lang="en-US" sz="1000"/>
+              <a:t>level0</a:t>
+            </a:r>
+            <a:endParaRPr lang="en-US" sz="1000"/>
+          </a:p>
+        </p:txBody>
+      </p:sp>
+      <p:pic>
+        <p:nvPicPr>
+          <p:cNvPr id="6" name="图片 5"/>
+          <p:cNvPicPr>
+            <a:picLocks noChangeAspect="1"/>
+          </p:cNvPicPr>
+          <p:nvPr/>
+        </p:nvPicPr>
+        <p:blipFill>
+          <a:blip r:embed="rId7"/>
+          <a:stretch>
+            <a:fillRect/>
+          </a:stretch>
+        </p:blipFill>
+        <p:spPr>
+          <a:xfrm>
+            <a:off x="10619740" y="5080000"/>
+            <a:ext cx="203200" cy="203200"/>
+          </a:xfrm>
+          <a:prstGeom prst="rect">
+            <a:avLst/>
+          </a:prstGeom>
+        </p:spPr>
+      </p:pic>
+      <p:sp>
+        <p:nvSpPr>
+          <p:cNvPr id="32" name="下箭头 31"/>
           <p:cNvSpPr/>
           <p:nvPr/>
         </p:nvSpPr>
         <p:spPr>
           <a:xfrm>
-            <a:off x="8218170" y="2517775"/>
-            <a:ext cx="678180" cy="176530"/>
-          </a:xfrm>
-          <a:prstGeom prst="rect">
+            <a:off x="9044940" y="3086735"/>
+            <a:ext cx="836930" cy="230505"/>
+          </a:xfrm>
+          <a:prstGeom prst="downArrow">
             <a:avLst/>
           </a:prstGeom>
         </p:spPr>
@@ -5174,24 +5449,270 @@
           <a:bodyPr rtlCol="0" anchor="ctr"/>
           <a:p>
             <a:pPr algn="ctr"/>
-            <a:r>
-              <a:rPr lang="en-US" altLang="zh-CN" sz="1000"/>
-              <a:t>record1</a:t>
-            </a:r>
-            <a:endParaRPr lang="en-US" altLang="zh-CN" sz="1000"/>
-          </a:p>
-        </p:txBody>
-      </p:sp>
-      <p:sp>
-        <p:nvSpPr>
-          <p:cNvPr id="96" name="椭圆 95"/>
+            <a:endParaRPr lang="zh-CN" altLang="en-US"/>
+          </a:p>
+        </p:txBody>
+      </p:sp>
+      <p:pic>
+        <p:nvPicPr>
+          <p:cNvPr id="33" name="图片 32"/>
+          <p:cNvPicPr>
+            <a:picLocks noChangeAspect="1"/>
+          </p:cNvPicPr>
+          <p:nvPr/>
+        </p:nvPicPr>
+        <p:blipFill>
+          <a:blip r:embed="rId8"/>
+          <a:stretch>
+            <a:fillRect/>
+          </a:stretch>
+        </p:blipFill>
+        <p:spPr>
+          <a:xfrm>
+            <a:off x="7395210" y="4378960"/>
+            <a:ext cx="998855" cy="1346200"/>
+          </a:xfrm>
+          <a:prstGeom prst="rect">
+            <a:avLst/>
+          </a:prstGeom>
+        </p:spPr>
+      </p:pic>
+      <p:sp>
+        <p:nvSpPr>
+          <p:cNvPr id="40" name="右箭头 39"/>
           <p:cNvSpPr/>
           <p:nvPr/>
         </p:nvSpPr>
         <p:spPr>
-          <a:xfrm>
-            <a:off x="8138795" y="2499360"/>
-            <a:ext cx="203200" cy="196850"/>
+          <a:xfrm flipH="1">
+            <a:off x="5935980" y="4632960"/>
+            <a:ext cx="1350645" cy="851535"/>
+          </a:xfrm>
+          <a:prstGeom prst="rightArrow">
+            <a:avLst/>
+          </a:prstGeom>
+        </p:spPr>
+        <p:style>
+          <a:lnRef idx="2">
+            <a:schemeClr val="accent1">
+              <a:shade val="50000"/>
+            </a:schemeClr>
+          </a:lnRef>
+          <a:fillRef idx="1">
+            <a:schemeClr val="accent1"/>
+          </a:fillRef>
+          <a:effectRef idx="0">
+            <a:schemeClr val="accent1"/>
+          </a:effectRef>
+          <a:fontRef idx="minor">
+            <a:schemeClr val="lt1"/>
+          </a:fontRef>
+        </p:style>
+        <p:txBody>
+          <a:bodyPr rtlCol="0" anchor="ctr"/>
+          <a:p>
+            <a:pPr algn="ctr">
+              <a:lnSpc>
+                <a:spcPct val="70000"/>
+              </a:lnSpc>
+              <a:buClrTx/>
+              <a:buSzTx/>
+              <a:buFontTx/>
+            </a:pPr>
+            <a:r>
+              <a:rPr lang="zh-CN" altLang="en-US" dirty="0">
+                <a:sym typeface="+mn-ea"/>
+              </a:rPr>
+              <a:t>skeleton  extraction</a:t>
+            </a:r>
+            <a:endParaRPr lang="zh-CN" altLang="en-US"/>
+          </a:p>
+        </p:txBody>
+      </p:sp>
+      <p:pic>
+        <p:nvPicPr>
+          <p:cNvPr id="51" name="图片 50"/>
+          <p:cNvPicPr>
+            <a:picLocks noChangeAspect="1"/>
+          </p:cNvPicPr>
+          <p:nvPr/>
+        </p:nvPicPr>
+        <p:blipFill>
+          <a:blip r:embed="rId9"/>
+          <a:stretch>
+            <a:fillRect/>
+          </a:stretch>
+        </p:blipFill>
+        <p:spPr>
+          <a:xfrm>
+            <a:off x="772160" y="4848860"/>
+            <a:ext cx="503555" cy="930275"/>
+          </a:xfrm>
+          <a:prstGeom prst="rect">
+            <a:avLst/>
+          </a:prstGeom>
+        </p:spPr>
+      </p:pic>
+      <p:pic>
+        <p:nvPicPr>
+          <p:cNvPr id="52" name="图片 51"/>
+          <p:cNvPicPr>
+            <a:picLocks noChangeAspect="1"/>
+          </p:cNvPicPr>
+          <p:nvPr/>
+        </p:nvPicPr>
+        <p:blipFill>
+          <a:blip r:embed="rId10"/>
+          <a:stretch>
+            <a:fillRect/>
+          </a:stretch>
+        </p:blipFill>
+        <p:spPr>
+          <a:xfrm>
+            <a:off x="772160" y="3777615"/>
+            <a:ext cx="581025" cy="891540"/>
+          </a:xfrm>
+          <a:prstGeom prst="rect">
+            <a:avLst/>
+          </a:prstGeom>
+        </p:spPr>
+      </p:pic>
+      <p:sp>
+        <p:nvSpPr>
+          <p:cNvPr id="53" name="文本框 52"/>
+          <p:cNvSpPr txBox="1"/>
+          <p:nvPr/>
+        </p:nvSpPr>
+        <p:spPr>
+          <a:xfrm>
+            <a:off x="2836545" y="4290060"/>
+            <a:ext cx="774700" cy="398780"/>
+          </a:xfrm>
+          <a:prstGeom prst="rect">
+            <a:avLst/>
+          </a:prstGeom>
+          <a:noFill/>
+        </p:spPr>
+        <p:txBody>
+          <a:bodyPr wrap="square" rtlCol="0">
+            <a:spAutoFit/>
+          </a:bodyPr>
+          <a:p>
+            <a:r>
+              <a:rPr lang="zh-CN" altLang="en-US" sz="1000"/>
+              <a:t>Parameter adjustment</a:t>
+            </a:r>
+            <a:endParaRPr lang="zh-CN" altLang="en-US" sz="1000"/>
+          </a:p>
+        </p:txBody>
+      </p:sp>
+      <p:pic>
+        <p:nvPicPr>
+          <p:cNvPr id="5" name="图片 4" descr="图片1"/>
+          <p:cNvPicPr>
+            <a:picLocks noChangeAspect="1"/>
+          </p:cNvPicPr>
+          <p:nvPr/>
+        </p:nvPicPr>
+        <p:blipFill>
+          <a:blip r:embed="rId11"/>
+          <a:stretch>
+            <a:fillRect/>
+          </a:stretch>
+        </p:blipFill>
+        <p:spPr>
+          <a:xfrm>
+            <a:off x="3292475" y="3843020"/>
+            <a:ext cx="1166495" cy="2118360"/>
+          </a:xfrm>
+          <a:prstGeom prst="rect">
+            <a:avLst/>
+          </a:prstGeom>
+        </p:spPr>
+      </p:pic>
+      <p:cxnSp>
+        <p:nvCxnSpPr>
+          <p:cNvPr id="9" name="肘形连接符 8"/>
+          <p:cNvCxnSpPr>
+            <a:stCxn id="5" idx="1"/>
+            <a:endCxn id="54" idx="3"/>
+          </p:cNvCxnSpPr>
+          <p:nvPr/>
+        </p:nvCxnSpPr>
+        <p:spPr>
+          <a:xfrm rot="10800000">
+            <a:off x="2186305" y="4203700"/>
+            <a:ext cx="1106170" cy="698500"/>
+          </a:xfrm>
+          <a:prstGeom prst="bentConnector3">
+            <a:avLst>
+              <a:gd name="adj1" fmla="val 50000"/>
+            </a:avLst>
+          </a:prstGeom>
+          <a:ln>
+            <a:tailEnd type="arrow"/>
+          </a:ln>
+        </p:spPr>
+        <p:style>
+          <a:lnRef idx="1">
+            <a:schemeClr val="accent1"/>
+          </a:lnRef>
+          <a:fillRef idx="0">
+            <a:schemeClr val="accent1"/>
+          </a:fillRef>
+          <a:effectRef idx="0">
+            <a:schemeClr val="accent1"/>
+          </a:effectRef>
+          <a:fontRef idx="minor">
+            <a:schemeClr val="tx1"/>
+          </a:fontRef>
+        </p:style>
+      </p:cxnSp>
+      <p:cxnSp>
+        <p:nvCxnSpPr>
+          <p:cNvPr id="10" name="肘形连接符 9"/>
+          <p:cNvCxnSpPr/>
+          <p:nvPr/>
+        </p:nvCxnSpPr>
+        <p:spPr>
+          <a:xfrm rot="10800000" flipV="1">
+            <a:off x="2164715" y="4775200"/>
+            <a:ext cx="1286510" cy="516890"/>
+          </a:xfrm>
+          <a:prstGeom prst="bentConnector3">
+            <a:avLst>
+              <a:gd name="adj1" fmla="val 50000"/>
+            </a:avLst>
+          </a:prstGeom>
+          <a:ln>
+            <a:tailEnd type="arrow"/>
+          </a:ln>
+        </p:spPr>
+        <p:style>
+          <a:lnRef idx="1">
+            <a:schemeClr val="accent1"/>
+          </a:lnRef>
+          <a:fillRef idx="0">
+            <a:schemeClr val="accent1"/>
+          </a:fillRef>
+          <a:effectRef idx="0">
+            <a:schemeClr val="accent1"/>
+          </a:effectRef>
+          <a:fontRef idx="minor">
+            <a:schemeClr val="tx1"/>
+          </a:fontRef>
+        </p:style>
+      </p:cxnSp>
+      <p:sp>
+        <p:nvSpPr>
+          <p:cNvPr id="12" name="椭圆 11"/>
+          <p:cNvSpPr/>
+          <p:nvPr/>
+        </p:nvSpPr>
+        <p:spPr>
+          <a:xfrm>
+            <a:off x="2291080" y="2463165"/>
+            <a:ext cx="317500" cy="233680"/>
           </a:xfrm>
           <a:prstGeom prst="ellipse">
             <a:avLst/>
@@ -5216,68 +5737,29 @@
         <p:txBody>
           <a:bodyPr rtlCol="0" anchor="ctr"/>
           <a:p>
-            <a:pPr algn="ctr"/>
-            <a:r>
-              <a:rPr lang="en-US" altLang="zh-CN"/>
-              <a:t>+</a:t>
-            </a:r>
-            <a:endParaRPr lang="en-US" altLang="zh-CN"/>
-          </a:p>
-        </p:txBody>
-      </p:sp>
-      <p:sp>
-        <p:nvSpPr>
-          <p:cNvPr id="97" name="矩形 96"/>
+            <a:pPr algn="ctr">
+              <a:lnSpc>
+                <a:spcPct val="90000"/>
+              </a:lnSpc>
+            </a:pPr>
+            <a:r>
+              <a:rPr lang="en-US" altLang="zh-CN" sz="4000" b="1"/>
+              <a:t>-</a:t>
+            </a:r>
+            <a:endParaRPr lang="en-US" altLang="zh-CN" sz="4000" b="1"/>
+          </a:p>
+        </p:txBody>
+      </p:sp>
+      <p:sp>
+        <p:nvSpPr>
+          <p:cNvPr id="16" name="椭圆 15"/>
           <p:cNvSpPr/>
           <p:nvPr/>
         </p:nvSpPr>
         <p:spPr>
           <a:xfrm>
-            <a:off x="9196070" y="2536190"/>
-            <a:ext cx="678180" cy="176530"/>
-          </a:xfrm>
-          <a:prstGeom prst="rect">
-            <a:avLst/>
-          </a:prstGeom>
-        </p:spPr>
-        <p:style>
-          <a:lnRef idx="2">
-            <a:schemeClr val="accent1">
-              <a:shade val="50000"/>
-            </a:schemeClr>
-          </a:lnRef>
-          <a:fillRef idx="1">
-            <a:schemeClr val="accent1"/>
-          </a:fillRef>
-          <a:effectRef idx="0">
-            <a:schemeClr val="accent1"/>
-          </a:effectRef>
-          <a:fontRef idx="minor">
-            <a:schemeClr val="lt1"/>
-          </a:fontRef>
-        </p:style>
-        <p:txBody>
-          <a:bodyPr rtlCol="0" anchor="ctr"/>
-          <a:p>
-            <a:pPr algn="ctr"/>
-            <a:r>
-              <a:rPr lang="en-US" altLang="zh-CN" sz="1000"/>
-              <a:t>record2</a:t>
-            </a:r>
-            <a:endParaRPr lang="en-US" altLang="zh-CN" sz="1000"/>
-          </a:p>
-        </p:txBody>
-      </p:sp>
-      <p:sp>
-        <p:nvSpPr>
-          <p:cNvPr id="98" name="椭圆 97"/>
-          <p:cNvSpPr/>
-          <p:nvPr/>
-        </p:nvSpPr>
-        <p:spPr>
-          <a:xfrm>
-            <a:off x="9105265" y="2517775"/>
-            <a:ext cx="203200" cy="196850"/>
+            <a:off x="1181100" y="2463165"/>
+            <a:ext cx="321310" cy="212090"/>
           </a:xfrm>
           <a:prstGeom prst="ellipse">
             <a:avLst/>
@@ -5302,25 +5784,29 @@
         <p:txBody>
           <a:bodyPr rtlCol="0" anchor="ctr"/>
           <a:p>
-            <a:pPr algn="ctr"/>
-            <a:r>
-              <a:rPr lang="en-US" altLang="zh-CN"/>
-              <a:t>+</a:t>
-            </a:r>
-            <a:endParaRPr lang="en-US" altLang="zh-CN"/>
-          </a:p>
-        </p:txBody>
-      </p:sp>
-      <p:sp>
-        <p:nvSpPr>
-          <p:cNvPr id="99" name="矩形 98"/>
+            <a:pPr algn="ctr">
+              <a:lnSpc>
+                <a:spcPct val="90000"/>
+              </a:lnSpc>
+            </a:pPr>
+            <a:r>
+              <a:rPr lang="en-US" altLang="zh-CN" sz="4000" b="1"/>
+              <a:t>-</a:t>
+            </a:r>
+            <a:endParaRPr lang="en-US" altLang="zh-CN" sz="4000" b="1"/>
+          </a:p>
+        </p:txBody>
+      </p:sp>
+      <p:sp>
+        <p:nvSpPr>
+          <p:cNvPr id="20" name="矩形 19"/>
           <p:cNvSpPr/>
           <p:nvPr/>
         </p:nvSpPr>
         <p:spPr>
           <a:xfrm>
-            <a:off x="10220960" y="2538095"/>
-            <a:ext cx="678180" cy="176530"/>
+            <a:off x="2146300" y="2267585"/>
+            <a:ext cx="621665" cy="176530"/>
           </a:xfrm>
           <a:prstGeom prst="rect">
             <a:avLst/>
@@ -5347,23 +5833,363 @@
           <a:p>
             <a:pPr algn="ctr"/>
             <a:r>
-              <a:rPr lang="en-US" altLang="zh-CN" sz="1000"/>
-              <a:t>record3</a:t>
-            </a:r>
-            <a:endParaRPr lang="en-US" altLang="zh-CN" sz="1000"/>
-          </a:p>
-        </p:txBody>
-      </p:sp>
-      <p:sp>
-        <p:nvSpPr>
-          <p:cNvPr id="100" name="椭圆 99"/>
+              <a:rPr lang="en-US" altLang="zh-CN" sz="1000" b="1"/>
+              <a:t>Record</a:t>
+            </a:r>
+            <a:r>
+              <a:rPr lang="en-US" altLang="zh-CN" sz="1000" b="1" baseline="-25000"/>
+              <a:t>2</a:t>
+            </a:r>
+            <a:endParaRPr lang="en-US" altLang="zh-CN" sz="1000" b="1" baseline="-25000"/>
+          </a:p>
+        </p:txBody>
+      </p:sp>
+      <p:sp>
+        <p:nvSpPr>
+          <p:cNvPr id="23" name="矩形 22"/>
           <p:cNvSpPr/>
           <p:nvPr/>
         </p:nvSpPr>
         <p:spPr>
           <a:xfrm>
-            <a:off x="10133965" y="2519680"/>
-            <a:ext cx="203200" cy="196850"/>
+            <a:off x="1005840" y="2270125"/>
+            <a:ext cx="621665" cy="176530"/>
+          </a:xfrm>
+          <a:prstGeom prst="rect">
+            <a:avLst/>
+          </a:prstGeom>
+        </p:spPr>
+        <p:style>
+          <a:lnRef idx="2">
+            <a:schemeClr val="accent1">
+              <a:shade val="50000"/>
+            </a:schemeClr>
+          </a:lnRef>
+          <a:fillRef idx="1">
+            <a:schemeClr val="accent1"/>
+          </a:fillRef>
+          <a:effectRef idx="0">
+            <a:schemeClr val="accent1"/>
+          </a:effectRef>
+          <a:fontRef idx="minor">
+            <a:schemeClr val="lt1"/>
+          </a:fontRef>
+        </p:style>
+        <p:txBody>
+          <a:bodyPr rtlCol="0" anchor="ctr"/>
+          <a:p>
+            <a:pPr algn="ctr"/>
+            <a:r>
+              <a:rPr lang="en-US" altLang="zh-CN" sz="1000" b="1"/>
+              <a:t>Record</a:t>
+            </a:r>
+            <a:r>
+              <a:rPr lang="en-US" altLang="zh-CN" sz="1000" b="1" baseline="-25000"/>
+              <a:t>3</a:t>
+            </a:r>
+            <a:endParaRPr lang="en-US" altLang="zh-CN" sz="1000" b="1" baseline="-25000"/>
+          </a:p>
+        </p:txBody>
+      </p:sp>
+      <p:sp>
+        <p:nvSpPr>
+          <p:cNvPr id="27" name="右箭头 26"/>
+          <p:cNvSpPr/>
+          <p:nvPr/>
+        </p:nvSpPr>
+        <p:spPr>
+          <a:xfrm flipH="1">
+            <a:off x="4170045" y="4617720"/>
+            <a:ext cx="1350645" cy="851535"/>
+          </a:xfrm>
+          <a:prstGeom prst="rightArrow">
+            <a:avLst/>
+          </a:prstGeom>
+        </p:spPr>
+        <p:style>
+          <a:lnRef idx="2">
+            <a:schemeClr val="accent1">
+              <a:shade val="50000"/>
+            </a:schemeClr>
+          </a:lnRef>
+          <a:fillRef idx="1">
+            <a:schemeClr val="accent1"/>
+          </a:fillRef>
+          <a:effectRef idx="0">
+            <a:schemeClr val="accent1"/>
+          </a:effectRef>
+          <a:fontRef idx="minor">
+            <a:schemeClr val="lt1"/>
+          </a:fontRef>
+        </p:style>
+        <p:txBody>
+          <a:bodyPr rtlCol="0" anchor="ctr"/>
+          <a:p>
+            <a:pPr algn="ctr">
+              <a:lnSpc>
+                <a:spcPct val="70000"/>
+              </a:lnSpc>
+              <a:buClrTx/>
+              <a:buSzTx/>
+              <a:buFontTx/>
+            </a:pPr>
+            <a:r>
+              <a:rPr lang="zh-CN" altLang="en-US" dirty="0">
+                <a:sym typeface="+mn-ea"/>
+              </a:rPr>
+              <a:t>skeleton  extraction</a:t>
+            </a:r>
+            <a:endParaRPr lang="zh-CN" altLang="en-US"/>
+          </a:p>
+        </p:txBody>
+      </p:sp>
+      <p:sp>
+        <p:nvSpPr>
+          <p:cNvPr id="24" name="右箭头 23"/>
+          <p:cNvSpPr/>
+          <p:nvPr/>
+        </p:nvSpPr>
+        <p:spPr>
+          <a:xfrm>
+            <a:off x="7004685" y="1537335"/>
+            <a:ext cx="535305" cy="202565"/>
+          </a:xfrm>
+          <a:prstGeom prst="rightArrow">
+            <a:avLst/>
+          </a:prstGeom>
+          <a:gradFill>
+            <a:gsLst>
+              <a:gs pos="0">
+                <a:srgbClr val="14CD68"/>
+              </a:gs>
+              <a:gs pos="100000">
+                <a:srgbClr val="0B6E38"/>
+              </a:gs>
+            </a:gsLst>
+            <a:lin ang="5400000" scaled="0"/>
+          </a:gradFill>
+        </p:spPr>
+        <p:style>
+          <a:lnRef idx="2">
+            <a:schemeClr val="accent1">
+              <a:shade val="50000"/>
+            </a:schemeClr>
+          </a:lnRef>
+          <a:fillRef idx="1">
+            <a:schemeClr val="accent1"/>
+          </a:fillRef>
+          <a:effectRef idx="0">
+            <a:schemeClr val="accent1"/>
+          </a:effectRef>
+          <a:fontRef idx="minor">
+            <a:schemeClr val="lt1"/>
+          </a:fontRef>
+        </p:style>
+        <p:txBody>
+          <a:bodyPr rtlCol="0" anchor="ctr"/>
+          <a:p>
+            <a:pPr algn="ctr"/>
+            <a:endParaRPr lang="zh-CN" altLang="en-US"/>
+          </a:p>
+        </p:txBody>
+      </p:sp>
+      <p:sp>
+        <p:nvSpPr>
+          <p:cNvPr id="61" name="下弧形箭头 60"/>
+          <p:cNvSpPr/>
+          <p:nvPr/>
+        </p:nvSpPr>
+        <p:spPr>
+          <a:xfrm>
+            <a:off x="7802245" y="2293620"/>
+            <a:ext cx="1052830" cy="250825"/>
+          </a:xfrm>
+          <a:prstGeom prst="curvedUpArrow">
+            <a:avLst/>
+          </a:prstGeom>
+        </p:spPr>
+        <p:style>
+          <a:lnRef idx="2">
+            <a:schemeClr val="accent1">
+              <a:shade val="50000"/>
+            </a:schemeClr>
+          </a:lnRef>
+          <a:fillRef idx="1">
+            <a:schemeClr val="accent1"/>
+          </a:fillRef>
+          <a:effectRef idx="0">
+            <a:schemeClr val="accent1"/>
+          </a:effectRef>
+          <a:fontRef idx="minor">
+            <a:schemeClr val="lt1"/>
+          </a:fontRef>
+        </p:style>
+        <p:txBody>
+          <a:bodyPr rtlCol="0" anchor="ctr"/>
+          <a:p>
+            <a:pPr algn="ctr"/>
+            <a:endParaRPr lang="zh-CN" altLang="en-US">
+              <a:solidFill>
+                <a:schemeClr val="tx1"/>
+              </a:solidFill>
+            </a:endParaRPr>
+          </a:p>
+        </p:txBody>
+      </p:sp>
+      <p:sp>
+        <p:nvSpPr>
+          <p:cNvPr id="62" name="下弧形箭头 61"/>
+          <p:cNvSpPr/>
+          <p:nvPr/>
+        </p:nvSpPr>
+        <p:spPr>
+          <a:xfrm>
+            <a:off x="8855710" y="2293620"/>
+            <a:ext cx="1106170" cy="250825"/>
+          </a:xfrm>
+          <a:prstGeom prst="curvedUpArrow">
+            <a:avLst/>
+          </a:prstGeom>
+        </p:spPr>
+        <p:style>
+          <a:lnRef idx="2">
+            <a:schemeClr val="accent1">
+              <a:shade val="50000"/>
+            </a:schemeClr>
+          </a:lnRef>
+          <a:fillRef idx="1">
+            <a:schemeClr val="accent1"/>
+          </a:fillRef>
+          <a:effectRef idx="0">
+            <a:schemeClr val="accent1"/>
+          </a:effectRef>
+          <a:fontRef idx="minor">
+            <a:schemeClr val="lt1"/>
+          </a:fontRef>
+        </p:style>
+        <p:txBody>
+          <a:bodyPr rtlCol="0" anchor="ctr"/>
+          <a:p>
+            <a:pPr algn="ctr"/>
+            <a:endParaRPr lang="zh-CN" altLang="en-US">
+              <a:solidFill>
+                <a:schemeClr val="tx1"/>
+              </a:solidFill>
+            </a:endParaRPr>
+          </a:p>
+        </p:txBody>
+      </p:sp>
+      <p:sp>
+        <p:nvSpPr>
+          <p:cNvPr id="63" name="下弧形箭头 62"/>
+          <p:cNvSpPr/>
+          <p:nvPr/>
+        </p:nvSpPr>
+        <p:spPr>
+          <a:xfrm>
+            <a:off x="9961880" y="2293620"/>
+            <a:ext cx="1120775" cy="250825"/>
+          </a:xfrm>
+          <a:prstGeom prst="curvedUpArrow">
+            <a:avLst/>
+          </a:prstGeom>
+          <a:gradFill>
+            <a:gsLst>
+              <a:gs pos="0">
+                <a:srgbClr val="7B32B2"/>
+              </a:gs>
+              <a:gs pos="100000">
+                <a:srgbClr val="401A5D"/>
+              </a:gs>
+            </a:gsLst>
+            <a:lin ang="5400000" scaled="0"/>
+          </a:gradFill>
+        </p:spPr>
+        <p:style>
+          <a:lnRef idx="2">
+            <a:schemeClr val="accent1">
+              <a:shade val="50000"/>
+            </a:schemeClr>
+          </a:lnRef>
+          <a:fillRef idx="1">
+            <a:schemeClr val="accent1"/>
+          </a:fillRef>
+          <a:effectRef idx="0">
+            <a:schemeClr val="accent1"/>
+          </a:effectRef>
+          <a:fontRef idx="minor">
+            <a:schemeClr val="lt1"/>
+          </a:fontRef>
+        </p:style>
+        <p:txBody>
+          <a:bodyPr rtlCol="0" anchor="ctr"/>
+          <a:p>
+            <a:pPr algn="ctr"/>
+            <a:endParaRPr lang="zh-CN" altLang="en-US">
+              <a:solidFill>
+                <a:schemeClr val="tx1"/>
+              </a:solidFill>
+            </a:endParaRPr>
+          </a:p>
+        </p:txBody>
+      </p:sp>
+      <p:sp>
+        <p:nvSpPr>
+          <p:cNvPr id="64" name="矩形 63"/>
+          <p:cNvSpPr/>
+          <p:nvPr/>
+        </p:nvSpPr>
+        <p:spPr>
+          <a:xfrm>
+            <a:off x="8006715" y="2266950"/>
+            <a:ext cx="621665" cy="176530"/>
+          </a:xfrm>
+          <a:prstGeom prst="rect">
+            <a:avLst/>
+          </a:prstGeom>
+        </p:spPr>
+        <p:style>
+          <a:lnRef idx="2">
+            <a:schemeClr val="accent1">
+              <a:shade val="50000"/>
+            </a:schemeClr>
+          </a:lnRef>
+          <a:fillRef idx="1">
+            <a:schemeClr val="accent1"/>
+          </a:fillRef>
+          <a:effectRef idx="0">
+            <a:schemeClr val="accent1"/>
+          </a:effectRef>
+          <a:fontRef idx="minor">
+            <a:schemeClr val="lt1"/>
+          </a:fontRef>
+        </p:style>
+        <p:txBody>
+          <a:bodyPr rtlCol="0" anchor="ctr"/>
+          <a:p>
+            <a:pPr algn="ctr"/>
+            <a:r>
+              <a:rPr lang="en-US" altLang="zh-CN" sz="1000" b="1"/>
+              <a:t>Record</a:t>
+            </a:r>
+            <a:r>
+              <a:rPr lang="en-US" altLang="zh-CN" sz="1000" b="1" baseline="-25000"/>
+              <a:t>1</a:t>
+            </a:r>
+            <a:endParaRPr lang="en-US" altLang="zh-CN" sz="1000" b="1" baseline="-25000"/>
+          </a:p>
+        </p:txBody>
+      </p:sp>
+      <p:sp>
+        <p:nvSpPr>
+          <p:cNvPr id="69" name="椭圆 68"/>
+          <p:cNvSpPr/>
+          <p:nvPr/>
+        </p:nvSpPr>
+        <p:spPr>
+          <a:xfrm>
+            <a:off x="10314305" y="2472690"/>
+            <a:ext cx="340360" cy="224155"/>
           </a:xfrm>
           <a:prstGeom prst="ellipse">
             <a:avLst/>
@@ -5388,619 +6214,28 @@
         <p:txBody>
           <a:bodyPr rtlCol="0" anchor="ctr"/>
           <a:p>
-            <a:pPr algn="ctr"/>
-            <a:r>
-              <a:rPr lang="en-US" altLang="zh-CN"/>
-              <a:t>+</a:t>
-            </a:r>
-            <a:endParaRPr lang="en-US" altLang="zh-CN"/>
-          </a:p>
-        </p:txBody>
-      </p:sp>
-      <p:sp>
-        <p:nvSpPr>
-          <p:cNvPr id="101" name="文本框 100"/>
-          <p:cNvSpPr txBox="1"/>
-          <p:nvPr/>
-        </p:nvSpPr>
-        <p:spPr>
-          <a:xfrm>
-            <a:off x="7722870" y="2010410"/>
-            <a:ext cx="803275" cy="245110"/>
-          </a:xfrm>
-          <a:prstGeom prst="rect">
-            <a:avLst/>
-          </a:prstGeom>
-          <a:noFill/>
-        </p:spPr>
-        <p:txBody>
-          <a:bodyPr wrap="square" rtlCol="0">
-            <a:spAutoFit/>
-          </a:bodyPr>
-          <a:p>
-            <a:r>
-              <a:rPr lang="en-US" altLang="zh-CN" sz="1000"/>
-              <a:t>PM0:1</a:t>
-            </a:r>
-            <a:r>
-              <a:rPr lang="en-US" altLang="zh-CN" sz="1000"/>
-              <a:t>40</a:t>
-            </a:r>
-            <a:endParaRPr lang="en-US" altLang="zh-CN" sz="1000"/>
-          </a:p>
-        </p:txBody>
-      </p:sp>
-      <p:sp>
-        <p:nvSpPr>
-          <p:cNvPr id="102" name="文本框 101"/>
-          <p:cNvSpPr txBox="1"/>
-          <p:nvPr/>
-        </p:nvSpPr>
-        <p:spPr>
-          <a:xfrm>
-            <a:off x="8752840" y="2004060"/>
-            <a:ext cx="802005" cy="245110"/>
-          </a:xfrm>
-          <a:prstGeom prst="rect">
-            <a:avLst/>
-          </a:prstGeom>
-          <a:noFill/>
-        </p:spPr>
-        <p:txBody>
-          <a:bodyPr wrap="square" rtlCol="0">
-            <a:spAutoFit/>
-          </a:bodyPr>
-          <a:p>
-            <a:r>
-              <a:rPr lang="en-US" altLang="zh-CN" sz="1000"/>
-              <a:t>PM1:3</a:t>
-            </a:r>
-            <a:r>
-              <a:rPr lang="en-US" altLang="zh-CN" sz="1000"/>
-              <a:t>40</a:t>
-            </a:r>
-            <a:endParaRPr lang="en-US" altLang="zh-CN" sz="1000"/>
-          </a:p>
-        </p:txBody>
-      </p:sp>
-      <p:sp>
-        <p:nvSpPr>
-          <p:cNvPr id="103" name="文本框 102"/>
-          <p:cNvSpPr txBox="1"/>
-          <p:nvPr/>
-        </p:nvSpPr>
-        <p:spPr>
-          <a:xfrm>
-            <a:off x="9692005" y="2027555"/>
-            <a:ext cx="817245" cy="245110"/>
-          </a:xfrm>
-          <a:prstGeom prst="rect">
-            <a:avLst/>
-          </a:prstGeom>
-          <a:noFill/>
-        </p:spPr>
-        <p:txBody>
-          <a:bodyPr wrap="square" rtlCol="0">
-            <a:spAutoFit/>
-          </a:bodyPr>
-          <a:p>
-            <a:r>
-              <a:rPr lang="en-US" altLang="zh-CN" sz="1000"/>
-              <a:t>PM2:540</a:t>
-            </a:r>
-            <a:endParaRPr lang="en-US" altLang="zh-CN" sz="1000"/>
-          </a:p>
-        </p:txBody>
-      </p:sp>
-      <p:sp>
-        <p:nvSpPr>
-          <p:cNvPr id="104" name="文本框 103"/>
-          <p:cNvSpPr txBox="1"/>
-          <p:nvPr/>
-        </p:nvSpPr>
-        <p:spPr>
-          <a:xfrm>
-            <a:off x="10509250" y="2004060"/>
-            <a:ext cx="783590" cy="245110"/>
-          </a:xfrm>
-          <a:prstGeom prst="rect">
-            <a:avLst/>
-          </a:prstGeom>
-          <a:noFill/>
-        </p:spPr>
-        <p:txBody>
-          <a:bodyPr wrap="square" rtlCol="0">
-            <a:spAutoFit/>
-          </a:bodyPr>
-          <a:p>
-            <a:r>
-              <a:rPr lang="en-US" altLang="zh-CN" sz="1000"/>
-              <a:t>PM3:</a:t>
-            </a:r>
-            <a:r>
-              <a:rPr lang="en-US" altLang="zh-CN" sz="1000"/>
-              <a:t>592</a:t>
-            </a:r>
-            <a:endParaRPr lang="en-US" altLang="zh-CN" sz="1000"/>
-          </a:p>
-        </p:txBody>
-      </p:sp>
-      <p:pic>
-        <p:nvPicPr>
-          <p:cNvPr id="13" name="图片 12"/>
-          <p:cNvPicPr>
-            <a:picLocks noChangeAspect="1"/>
-          </p:cNvPicPr>
-          <p:nvPr/>
-        </p:nvPicPr>
-        <p:blipFill>
-          <a:blip r:embed="rId5"/>
-          <a:stretch>
-            <a:fillRect/>
-          </a:stretch>
-        </p:blipFill>
-        <p:spPr>
-          <a:xfrm>
-            <a:off x="8762365" y="4495800"/>
-            <a:ext cx="812800" cy="812800"/>
-          </a:xfrm>
-          <a:prstGeom prst="rect">
-            <a:avLst/>
-          </a:prstGeom>
-        </p:spPr>
-      </p:pic>
-      <p:pic>
-        <p:nvPicPr>
-          <p:cNvPr id="31" name="图片 30"/>
-          <p:cNvPicPr>
-            <a:picLocks noChangeAspect="1"/>
-          </p:cNvPicPr>
-          <p:nvPr/>
-        </p:nvPicPr>
-        <p:blipFill>
-          <a:blip r:embed="rId6"/>
-          <a:stretch>
-            <a:fillRect/>
-          </a:stretch>
-        </p:blipFill>
-        <p:spPr>
-          <a:xfrm>
-            <a:off x="9814560" y="4848860"/>
-            <a:ext cx="406400" cy="406400"/>
-          </a:xfrm>
-          <a:prstGeom prst="rect">
-            <a:avLst/>
-          </a:prstGeom>
-        </p:spPr>
-      </p:pic>
-      <p:sp>
-        <p:nvSpPr>
-          <p:cNvPr id="34" name="文本框 33"/>
-          <p:cNvSpPr txBox="1"/>
-          <p:nvPr/>
-        </p:nvSpPr>
-        <p:spPr>
-          <a:xfrm>
-            <a:off x="9771380" y="5408295"/>
-            <a:ext cx="542925" cy="245110"/>
-          </a:xfrm>
-          <a:prstGeom prst="rect">
-            <a:avLst/>
-          </a:prstGeom>
-          <a:noFill/>
-        </p:spPr>
-        <p:txBody>
-          <a:bodyPr wrap="square" rtlCol="0">
-            <a:spAutoFit/>
-          </a:bodyPr>
-          <a:p>
-            <a:r>
-              <a:rPr lang="en-US" sz="1000"/>
-              <a:t>level1</a:t>
-            </a:r>
-            <a:endParaRPr lang="en-US" sz="1000"/>
-          </a:p>
-        </p:txBody>
-      </p:sp>
-      <p:sp>
-        <p:nvSpPr>
-          <p:cNvPr id="43" name="文本框 42"/>
-          <p:cNvSpPr txBox="1"/>
-          <p:nvPr/>
-        </p:nvSpPr>
-        <p:spPr>
-          <a:xfrm>
-            <a:off x="10426700" y="5408295"/>
-            <a:ext cx="635635" cy="245110"/>
-          </a:xfrm>
-          <a:prstGeom prst="rect">
-            <a:avLst/>
-          </a:prstGeom>
-          <a:noFill/>
-        </p:spPr>
-        <p:txBody>
-          <a:bodyPr wrap="square" rtlCol="0">
-            <a:spAutoFit/>
-          </a:bodyPr>
-          <a:p>
-            <a:r>
-              <a:rPr lang="en-US" sz="1000"/>
-              <a:t>level0</a:t>
-            </a:r>
-            <a:endParaRPr lang="en-US" sz="1000"/>
-          </a:p>
-        </p:txBody>
-      </p:sp>
-      <p:pic>
-        <p:nvPicPr>
-          <p:cNvPr id="6" name="图片 5"/>
-          <p:cNvPicPr>
-            <a:picLocks noChangeAspect="1"/>
-          </p:cNvPicPr>
-          <p:nvPr/>
-        </p:nvPicPr>
-        <p:blipFill>
-          <a:blip r:embed="rId7"/>
-          <a:stretch>
-            <a:fillRect/>
-          </a:stretch>
-        </p:blipFill>
-        <p:spPr>
-          <a:xfrm>
-            <a:off x="10619740" y="5080000"/>
-            <a:ext cx="203200" cy="203200"/>
-          </a:xfrm>
-          <a:prstGeom prst="rect">
-            <a:avLst/>
-          </a:prstGeom>
-        </p:spPr>
-      </p:pic>
-      <p:sp>
-        <p:nvSpPr>
-          <p:cNvPr id="32" name="下箭头 31"/>
-          <p:cNvSpPr/>
-          <p:nvPr/>
-        </p:nvSpPr>
-        <p:spPr>
-          <a:xfrm>
-            <a:off x="9044940" y="3086735"/>
-            <a:ext cx="836930" cy="230505"/>
-          </a:xfrm>
-          <a:prstGeom prst="downArrow">
-            <a:avLst/>
-          </a:prstGeom>
-        </p:spPr>
-        <p:style>
-          <a:lnRef idx="2">
-            <a:schemeClr val="accent1">
-              <a:shade val="50000"/>
-            </a:schemeClr>
-          </a:lnRef>
-          <a:fillRef idx="1">
-            <a:schemeClr val="accent1"/>
-          </a:fillRef>
-          <a:effectRef idx="0">
-            <a:schemeClr val="accent1"/>
-          </a:effectRef>
-          <a:fontRef idx="minor">
-            <a:schemeClr val="lt1"/>
-          </a:fontRef>
-        </p:style>
-        <p:txBody>
-          <a:bodyPr rtlCol="0" anchor="ctr"/>
-          <a:p>
-            <a:pPr algn="ctr"/>
-            <a:endParaRPr lang="zh-CN" altLang="en-US"/>
-          </a:p>
-        </p:txBody>
-      </p:sp>
-      <p:pic>
-        <p:nvPicPr>
-          <p:cNvPr id="33" name="图片 32"/>
-          <p:cNvPicPr>
-            <a:picLocks noChangeAspect="1"/>
-          </p:cNvPicPr>
-          <p:nvPr/>
-        </p:nvPicPr>
-        <p:blipFill>
-          <a:blip r:embed="rId8"/>
-          <a:stretch>
-            <a:fillRect/>
-          </a:stretch>
-        </p:blipFill>
-        <p:spPr>
-          <a:xfrm>
-            <a:off x="7395210" y="4378960"/>
-            <a:ext cx="998855" cy="1346200"/>
-          </a:xfrm>
-          <a:prstGeom prst="rect">
-            <a:avLst/>
-          </a:prstGeom>
-        </p:spPr>
-      </p:pic>
-      <p:sp>
-        <p:nvSpPr>
-          <p:cNvPr id="40" name="右箭头 39"/>
-          <p:cNvSpPr/>
-          <p:nvPr/>
-        </p:nvSpPr>
-        <p:spPr>
-          <a:xfrm flipH="1">
-            <a:off x="5935980" y="4632960"/>
-            <a:ext cx="1350645" cy="851535"/>
-          </a:xfrm>
-          <a:prstGeom prst="rightArrow">
-            <a:avLst/>
-          </a:prstGeom>
-        </p:spPr>
-        <p:style>
-          <a:lnRef idx="2">
-            <a:schemeClr val="accent1">
-              <a:shade val="50000"/>
-            </a:schemeClr>
-          </a:lnRef>
-          <a:fillRef idx="1">
-            <a:schemeClr val="accent1"/>
-          </a:fillRef>
-          <a:effectRef idx="0">
-            <a:schemeClr val="accent1"/>
-          </a:effectRef>
-          <a:fontRef idx="minor">
-            <a:schemeClr val="lt1"/>
-          </a:fontRef>
-        </p:style>
-        <p:txBody>
-          <a:bodyPr rtlCol="0" anchor="ctr"/>
-          <a:p>
             <a:pPr algn="ctr">
               <a:lnSpc>
-                <a:spcPct val="70000"/>
+                <a:spcPct val="90000"/>
               </a:lnSpc>
-              <a:buClrTx/>
-              <a:buSzTx/>
-              <a:buFontTx/>
             </a:pPr>
             <a:r>
-              <a:rPr lang="zh-CN" altLang="en-US" dirty="0">
-                <a:sym typeface="+mn-ea"/>
-              </a:rPr>
-              <a:t>skeleton  extraction</a:t>
-            </a:r>
-            <a:endParaRPr lang="zh-CN" altLang="en-US"/>
-          </a:p>
-        </p:txBody>
-      </p:sp>
-      <p:pic>
-        <p:nvPicPr>
-          <p:cNvPr id="51" name="图片 50"/>
-          <p:cNvPicPr>
-            <a:picLocks noChangeAspect="1"/>
-          </p:cNvPicPr>
-          <p:nvPr/>
-        </p:nvPicPr>
-        <p:blipFill>
-          <a:blip r:embed="rId9"/>
-          <a:stretch>
-            <a:fillRect/>
-          </a:stretch>
-        </p:blipFill>
-        <p:spPr>
-          <a:xfrm>
-            <a:off x="772160" y="4848860"/>
-            <a:ext cx="503555" cy="930275"/>
-          </a:xfrm>
-          <a:prstGeom prst="rect">
-            <a:avLst/>
-          </a:prstGeom>
-        </p:spPr>
-      </p:pic>
-      <p:pic>
-        <p:nvPicPr>
-          <p:cNvPr id="52" name="图片 51"/>
-          <p:cNvPicPr>
-            <a:picLocks noChangeAspect="1"/>
-          </p:cNvPicPr>
-          <p:nvPr/>
-        </p:nvPicPr>
-        <p:blipFill>
-          <a:blip r:embed="rId10"/>
-          <a:stretch>
-            <a:fillRect/>
-          </a:stretch>
-        </p:blipFill>
-        <p:spPr>
-          <a:xfrm>
-            <a:off x="772160" y="3777615"/>
-            <a:ext cx="581025" cy="891540"/>
-          </a:xfrm>
-          <a:prstGeom prst="rect">
-            <a:avLst/>
-          </a:prstGeom>
-        </p:spPr>
-      </p:pic>
-      <p:sp>
-        <p:nvSpPr>
-          <p:cNvPr id="53" name="文本框 52"/>
-          <p:cNvSpPr txBox="1"/>
-          <p:nvPr/>
-        </p:nvSpPr>
-        <p:spPr>
-          <a:xfrm>
-            <a:off x="2836545" y="4290060"/>
-            <a:ext cx="774700" cy="398780"/>
-          </a:xfrm>
-          <a:prstGeom prst="rect">
-            <a:avLst/>
-          </a:prstGeom>
-          <a:noFill/>
-        </p:spPr>
-        <p:txBody>
-          <a:bodyPr wrap="square" rtlCol="0">
-            <a:spAutoFit/>
-          </a:bodyPr>
-          <a:p>
-            <a:r>
-              <a:rPr lang="zh-CN" altLang="en-US" sz="1000"/>
-              <a:t>Parameter adjustment</a:t>
-            </a:r>
-            <a:endParaRPr lang="zh-CN" altLang="en-US" sz="1000"/>
-          </a:p>
-        </p:txBody>
-      </p:sp>
-      <p:pic>
-        <p:nvPicPr>
-          <p:cNvPr id="54" name="图片 53"/>
-          <p:cNvPicPr>
-            <a:picLocks noChangeAspect="1"/>
-          </p:cNvPicPr>
-          <p:nvPr/>
-        </p:nvPicPr>
-        <p:blipFill>
-          <a:blip r:embed="rId11"/>
-          <a:stretch>
-            <a:fillRect/>
-          </a:stretch>
-        </p:blipFill>
-        <p:spPr>
-          <a:xfrm>
-            <a:off x="1708150" y="3777615"/>
-            <a:ext cx="478155" cy="852170"/>
-          </a:xfrm>
-          <a:prstGeom prst="rect">
-            <a:avLst/>
-          </a:prstGeom>
-        </p:spPr>
-      </p:pic>
-      <p:pic>
-        <p:nvPicPr>
-          <p:cNvPr id="55" name="图片 54"/>
-          <p:cNvPicPr>
-            <a:picLocks noChangeAspect="1"/>
-          </p:cNvPicPr>
-          <p:nvPr/>
-        </p:nvPicPr>
-        <p:blipFill>
-          <a:blip r:embed="rId12"/>
-          <a:stretch>
-            <a:fillRect/>
-          </a:stretch>
-        </p:blipFill>
-        <p:spPr>
-          <a:xfrm>
-            <a:off x="1659890" y="4763770"/>
-            <a:ext cx="495300" cy="1056005"/>
-          </a:xfrm>
-          <a:prstGeom prst="rect">
-            <a:avLst/>
-          </a:prstGeom>
-        </p:spPr>
-      </p:pic>
-      <p:pic>
-        <p:nvPicPr>
-          <p:cNvPr id="5" name="图片 4" descr="图片1"/>
-          <p:cNvPicPr>
-            <a:picLocks noChangeAspect="1"/>
-          </p:cNvPicPr>
-          <p:nvPr/>
-        </p:nvPicPr>
-        <p:blipFill>
-          <a:blip r:embed="rId13"/>
-          <a:stretch>
-            <a:fillRect/>
-          </a:stretch>
-        </p:blipFill>
-        <p:spPr>
-          <a:xfrm>
-            <a:off x="3292475" y="3843020"/>
-            <a:ext cx="1166495" cy="2118360"/>
-          </a:xfrm>
-          <a:prstGeom prst="rect">
-            <a:avLst/>
-          </a:prstGeom>
-        </p:spPr>
-      </p:pic>
-      <p:cxnSp>
-        <p:nvCxnSpPr>
-          <p:cNvPr id="9" name="肘形连接符 8"/>
-          <p:cNvCxnSpPr>
-            <a:stCxn id="5" idx="1"/>
-            <a:endCxn id="54" idx="3"/>
-          </p:cNvCxnSpPr>
-          <p:nvPr/>
-        </p:nvCxnSpPr>
-        <p:spPr>
-          <a:xfrm rot="10800000">
-            <a:off x="2186305" y="4203700"/>
-            <a:ext cx="1106170" cy="698500"/>
-          </a:xfrm>
-          <a:prstGeom prst="bentConnector3">
-            <a:avLst>
-              <a:gd name="adj1" fmla="val 50000"/>
-            </a:avLst>
-          </a:prstGeom>
-          <a:ln>
-            <a:tailEnd type="arrow"/>
-          </a:ln>
-        </p:spPr>
-        <p:style>
-          <a:lnRef idx="1">
-            <a:schemeClr val="accent1"/>
-          </a:lnRef>
-          <a:fillRef idx="0">
-            <a:schemeClr val="accent1"/>
-          </a:fillRef>
-          <a:effectRef idx="0">
-            <a:schemeClr val="accent1"/>
-          </a:effectRef>
-          <a:fontRef idx="minor">
-            <a:schemeClr val="tx1"/>
-          </a:fontRef>
-        </p:style>
-      </p:cxnSp>
-      <p:cxnSp>
-        <p:nvCxnSpPr>
-          <p:cNvPr id="10" name="肘形连接符 9"/>
-          <p:cNvCxnSpPr/>
-          <p:nvPr/>
-        </p:nvCxnSpPr>
-        <p:spPr>
-          <a:xfrm rot="10800000" flipV="1">
-            <a:off x="2164715" y="4775200"/>
-            <a:ext cx="1286510" cy="516890"/>
-          </a:xfrm>
-          <a:prstGeom prst="bentConnector3">
-            <a:avLst>
-              <a:gd name="adj1" fmla="val 50000"/>
-            </a:avLst>
-          </a:prstGeom>
-          <a:ln>
-            <a:tailEnd type="arrow"/>
-          </a:ln>
-        </p:spPr>
-        <p:style>
-          <a:lnRef idx="1">
-            <a:schemeClr val="accent1"/>
-          </a:lnRef>
-          <a:fillRef idx="0">
-            <a:schemeClr val="accent1"/>
-          </a:fillRef>
-          <a:effectRef idx="0">
-            <a:schemeClr val="accent1"/>
-          </a:effectRef>
-          <a:fontRef idx="minor">
-            <a:schemeClr val="tx1"/>
-          </a:fontRef>
-        </p:style>
-      </p:cxnSp>
-      <p:sp>
-        <p:nvSpPr>
-          <p:cNvPr id="12" name="椭圆 11"/>
+              <a:rPr lang="en-US" altLang="zh-CN" sz="2800" b="1"/>
+              <a:t>+</a:t>
+            </a:r>
+            <a:endParaRPr lang="en-US" altLang="zh-CN" sz="2800" b="1"/>
+          </a:p>
+        </p:txBody>
+      </p:sp>
+      <p:sp>
+        <p:nvSpPr>
+          <p:cNvPr id="72" name="椭圆 71"/>
           <p:cNvSpPr/>
           <p:nvPr/>
         </p:nvSpPr>
         <p:spPr>
           <a:xfrm>
-            <a:off x="2291080" y="2463165"/>
+            <a:off x="9266555" y="2443480"/>
             <a:ext cx="317500" cy="233680"/>
           </a:xfrm>
           <a:prstGeom prst="ellipse">
@@ -6032,22 +6267,22 @@
               </a:lnSpc>
             </a:pPr>
             <a:r>
-              <a:rPr lang="en-US" altLang="zh-CN" sz="4000" b="1"/>
-              <a:t>-</a:t>
-            </a:r>
-            <a:endParaRPr lang="en-US" altLang="zh-CN" sz="4000" b="1"/>
-          </a:p>
-        </p:txBody>
-      </p:sp>
-      <p:sp>
-        <p:nvSpPr>
-          <p:cNvPr id="16" name="椭圆 15"/>
+              <a:rPr lang="en-US" altLang="zh-CN" sz="2800" b="1"/>
+              <a:t>+</a:t>
+            </a:r>
+            <a:endParaRPr lang="en-US" altLang="zh-CN" sz="2800" b="1"/>
+          </a:p>
+        </p:txBody>
+      </p:sp>
+      <p:sp>
+        <p:nvSpPr>
+          <p:cNvPr id="77" name="椭圆 76"/>
           <p:cNvSpPr/>
           <p:nvPr/>
         </p:nvSpPr>
         <p:spPr>
           <a:xfrm>
-            <a:off x="1181100" y="2463165"/>
+            <a:off x="8156575" y="2443480"/>
             <a:ext cx="321310" cy="212090"/>
           </a:xfrm>
           <a:prstGeom prst="ellipse">
@@ -6079,22 +6314,22 @@
               </a:lnSpc>
             </a:pPr>
             <a:r>
-              <a:rPr lang="en-US" altLang="zh-CN" sz="4000" b="1"/>
-              <a:t>-</a:t>
-            </a:r>
-            <a:endParaRPr lang="en-US" altLang="zh-CN" sz="4000" b="1"/>
-          </a:p>
-        </p:txBody>
-      </p:sp>
-      <p:sp>
-        <p:nvSpPr>
-          <p:cNvPr id="20" name="矩形 19"/>
+              <a:rPr lang="en-US" altLang="zh-CN" sz="2800" b="1"/>
+              <a:t>+</a:t>
+            </a:r>
+            <a:endParaRPr lang="en-US" altLang="zh-CN" sz="2800" b="1"/>
+          </a:p>
+        </p:txBody>
+      </p:sp>
+      <p:sp>
+        <p:nvSpPr>
+          <p:cNvPr id="78" name="矩形 77"/>
           <p:cNvSpPr/>
           <p:nvPr/>
         </p:nvSpPr>
         <p:spPr>
           <a:xfrm>
-            <a:off x="2146300" y="2267585"/>
+            <a:off x="9102725" y="2266950"/>
             <a:ext cx="621665" cy="176530"/>
           </a:xfrm>
           <a:prstGeom prst="rect">
@@ -6135,13 +6370,13 @@
       </p:sp>
       <p:sp>
         <p:nvSpPr>
-          <p:cNvPr id="23" name="矩形 22"/>
+          <p:cNvPr id="79" name="矩形 78"/>
           <p:cNvSpPr/>
           <p:nvPr/>
         </p:nvSpPr>
         <p:spPr>
           <a:xfrm>
-            <a:off x="1005840" y="2270125"/>
+            <a:off x="10220960" y="2266950"/>
             <a:ext cx="621665" cy="176530"/>
           </a:xfrm>
           <a:prstGeom prst="rect">
@@ -6180,20 +6415,354 @@
           </a:p>
         </p:txBody>
       </p:sp>
-      <p:sp>
-        <p:nvSpPr>
-          <p:cNvPr id="25" name="下箭头 24"/>
+      <p:pic>
+        <p:nvPicPr>
+          <p:cNvPr id="85" name="图片 84"/>
+          <p:cNvPicPr>
+            <a:picLocks noChangeAspect="1"/>
+          </p:cNvPicPr>
+          <p:nvPr/>
+        </p:nvPicPr>
+        <p:blipFill>
+          <a:blip r:embed="rId12">
+            <a:clrChange>
+              <a:clrFrom>
+                <a:srgbClr val="3C3C3C">
+                  <a:alpha val="100000"/>
+                </a:srgbClr>
+              </a:clrFrom>
+              <a:clrTo>
+                <a:srgbClr val="3C3C3C">
+                  <a:alpha val="100000"/>
+                  <a:alpha val="0"/>
+                </a:srgbClr>
+              </a:clrTo>
+            </a:clrChange>
+          </a:blip>
+          <a:stretch>
+            <a:fillRect/>
+          </a:stretch>
+        </p:blipFill>
+        <p:spPr>
+          <a:xfrm>
+            <a:off x="1548765" y="4850765"/>
+            <a:ext cx="658495" cy="1110615"/>
+          </a:xfrm>
+          <a:prstGeom prst="rect">
+            <a:avLst/>
+          </a:prstGeom>
+          <a:noFill/>
+          <a:ln w="9525">
+            <a:noFill/>
+          </a:ln>
+        </p:spPr>
+      </p:pic>
+      <p:pic>
+        <p:nvPicPr>
+          <p:cNvPr id="86" name="图片 85"/>
+          <p:cNvPicPr>
+            <a:picLocks noChangeAspect="1"/>
+          </p:cNvPicPr>
+          <p:nvPr/>
+        </p:nvPicPr>
+        <p:blipFill>
+          <a:blip r:embed="rId13">
+            <a:clrChange>
+              <a:clrFrom>
+                <a:srgbClr val="3C3C3C">
+                  <a:alpha val="100000"/>
+                </a:srgbClr>
+              </a:clrFrom>
+              <a:clrTo>
+                <a:srgbClr val="3C3C3C">
+                  <a:alpha val="100000"/>
+                  <a:alpha val="0"/>
+                </a:srgbClr>
+              </a:clrTo>
+            </a:clrChange>
+          </a:blip>
+          <a:stretch>
+            <a:fillRect/>
+          </a:stretch>
+        </p:blipFill>
+        <p:spPr>
+          <a:xfrm>
+            <a:off x="1548765" y="3768725"/>
+            <a:ext cx="524510" cy="1006475"/>
+          </a:xfrm>
+          <a:prstGeom prst="rect">
+            <a:avLst/>
+          </a:prstGeom>
+          <a:noFill/>
+          <a:ln w="9525">
+            <a:noFill/>
+          </a:ln>
+        </p:spPr>
+      </p:pic>
+    </p:spTree>
+  </p:cSld>
+  <p:clrMapOvr>
+    <a:masterClrMapping/>
+  </p:clrMapOvr>
+</p:sld>
+</file>
+
+<file path=ppt/slides/slide2.xml><?xml version="1.0" encoding="utf-8"?>
+<p:sld xmlns:a="http://schemas.openxmlformats.org/drawingml/2006/main" xmlns:r="http://schemas.openxmlformats.org/officeDocument/2006/relationships" xmlns:p="http://schemas.openxmlformats.org/presentationml/2006/main">
+  <p:cSld>
+    <p:spTree>
+      <p:nvGrpSpPr>
+        <p:cNvPr id="1" name=""/>
+        <p:cNvGrpSpPr/>
+        <p:nvPr/>
+      </p:nvGrpSpPr>
+      <p:grpSpPr>
+        <a:xfrm>
+          <a:off x="0" y="0"/>
+          <a:ext cx="0" cy="0"/>
+          <a:chOff x="0" y="0"/>
+          <a:chExt cx="0" cy="0"/>
+        </a:xfrm>
+      </p:grpSpPr>
+      <p:sp>
+        <p:nvSpPr>
+          <p:cNvPr id="8" name="矩形 7"/>
           <p:cNvSpPr/>
           <p:nvPr/>
         </p:nvSpPr>
         <p:spPr>
-          <a:xfrm rot="16200000">
-            <a:off x="6822440" y="1643380"/>
-            <a:ext cx="836930" cy="384175"/>
-          </a:xfrm>
-          <a:prstGeom prst="downArrow">
-            <a:avLst/>
-          </a:prstGeom>
+          <a:xfrm>
+            <a:off x="409575" y="3482975"/>
+            <a:ext cx="11222990" cy="2516505"/>
+          </a:xfrm>
+          <a:prstGeom prst="rect">
+            <a:avLst/>
+          </a:prstGeom>
+          <a:solidFill>
+            <a:schemeClr val="accent1">
+              <a:lumMod val="20000"/>
+              <a:lumOff val="80000"/>
+            </a:schemeClr>
+          </a:solidFill>
+        </p:spPr>
+        <p:style>
+          <a:lnRef idx="1">
+            <a:schemeClr val="accent3"/>
+          </a:lnRef>
+          <a:fillRef idx="2">
+            <a:schemeClr val="accent3"/>
+          </a:fillRef>
+          <a:effectRef idx="1">
+            <a:schemeClr val="accent3"/>
+          </a:effectRef>
+          <a:fontRef idx="minor">
+            <a:schemeClr val="dk1"/>
+          </a:fontRef>
+        </p:style>
+        <p:txBody>
+          <a:bodyPr rtlCol="0" anchor="ctr"/>
+          <a:p>
+            <a:pPr algn="ctr"/>
+            <a:endParaRPr lang="zh-CN" altLang="en-US"/>
+          </a:p>
+        </p:txBody>
+      </p:sp>
+      <p:sp>
+        <p:nvSpPr>
+          <p:cNvPr id="4" name="矩形 3"/>
+          <p:cNvSpPr/>
+          <p:nvPr/>
+        </p:nvSpPr>
+        <p:spPr>
+          <a:xfrm>
+            <a:off x="7463790" y="410210"/>
+            <a:ext cx="3997325" cy="2516505"/>
+          </a:xfrm>
+          <a:prstGeom prst="rect">
+            <a:avLst/>
+          </a:prstGeom>
+          <a:solidFill>
+            <a:schemeClr val="accent1">
+              <a:lumMod val="20000"/>
+              <a:lumOff val="80000"/>
+            </a:schemeClr>
+          </a:solidFill>
+        </p:spPr>
+        <p:style>
+          <a:lnRef idx="1">
+            <a:schemeClr val="accent3"/>
+          </a:lnRef>
+          <a:fillRef idx="2">
+            <a:schemeClr val="accent3"/>
+          </a:fillRef>
+          <a:effectRef idx="1">
+            <a:schemeClr val="accent3"/>
+          </a:effectRef>
+          <a:fontRef idx="minor">
+            <a:schemeClr val="dk1"/>
+          </a:fontRef>
+        </p:style>
+        <p:txBody>
+          <a:bodyPr rtlCol="0" anchor="ctr"/>
+          <a:lstStyle/>
+          <a:p>
+            <a:pPr algn="ctr"/>
+            <a:endParaRPr lang="zh-CN" altLang="en-US"/>
+          </a:p>
+        </p:txBody>
+      </p:sp>
+      <p:sp>
+        <p:nvSpPr>
+          <p:cNvPr id="3" name="矩形 2"/>
+          <p:cNvSpPr/>
+          <p:nvPr/>
+        </p:nvSpPr>
+        <p:spPr>
+          <a:xfrm>
+            <a:off x="5099685" y="410210"/>
+            <a:ext cx="1876425" cy="2515870"/>
+          </a:xfrm>
+          <a:prstGeom prst="rect">
+            <a:avLst/>
+          </a:prstGeom>
+          <a:solidFill>
+            <a:schemeClr val="accent1">
+              <a:lumMod val="20000"/>
+              <a:lumOff val="80000"/>
+            </a:schemeClr>
+          </a:solidFill>
+        </p:spPr>
+        <p:style>
+          <a:lnRef idx="1">
+            <a:schemeClr val="accent3"/>
+          </a:lnRef>
+          <a:fillRef idx="2">
+            <a:schemeClr val="accent3"/>
+          </a:fillRef>
+          <a:effectRef idx="1">
+            <a:schemeClr val="accent3"/>
+          </a:effectRef>
+          <a:fontRef idx="minor">
+            <a:schemeClr val="dk1"/>
+          </a:fontRef>
+        </p:style>
+        <p:txBody>
+          <a:bodyPr rtlCol="0" anchor="ctr"/>
+          <a:lstStyle/>
+          <a:p>
+            <a:pPr algn="ctr"/>
+            <a:endParaRPr lang="zh-CN" altLang="en-US"/>
+          </a:p>
+        </p:txBody>
+      </p:sp>
+      <p:sp>
+        <p:nvSpPr>
+          <p:cNvPr id="19" name="流程图: 磁盘 18"/>
+          <p:cNvSpPr/>
+          <p:nvPr/>
+        </p:nvSpPr>
+        <p:spPr>
+          <a:xfrm>
+            <a:off x="5188585" y="673735"/>
+            <a:ext cx="1664970" cy="2115185"/>
+          </a:xfrm>
+          <a:prstGeom prst="flowChartMagneticDisk">
+            <a:avLst/>
+          </a:prstGeom>
+          <a:solidFill>
+            <a:schemeClr val="bg2"/>
+          </a:solidFill>
+        </p:spPr>
+        <p:style>
+          <a:lnRef idx="2">
+            <a:schemeClr val="accent3">
+              <a:shade val="50000"/>
+            </a:schemeClr>
+          </a:lnRef>
+          <a:fillRef idx="1">
+            <a:schemeClr val="accent3"/>
+          </a:fillRef>
+          <a:effectRef idx="0">
+            <a:schemeClr val="accent3"/>
+          </a:effectRef>
+          <a:fontRef idx="minor">
+            <a:schemeClr val="lt1"/>
+          </a:fontRef>
+        </p:style>
+        <p:txBody>
+          <a:bodyPr rtlCol="0" anchor="ctr"/>
+          <a:p>
+            <a:pPr algn="ctr"/>
+            <a:endParaRPr lang="zh-CN" altLang="en-US"/>
+          </a:p>
+        </p:txBody>
+      </p:sp>
+      <p:sp>
+        <p:nvSpPr>
+          <p:cNvPr id="2" name="矩形 1"/>
+          <p:cNvSpPr/>
+          <p:nvPr/>
+        </p:nvSpPr>
+        <p:spPr>
+          <a:xfrm>
+            <a:off x="457835" y="410210"/>
+            <a:ext cx="4199890" cy="2515235"/>
+          </a:xfrm>
+          <a:prstGeom prst="rect">
+            <a:avLst/>
+          </a:prstGeom>
+          <a:solidFill>
+            <a:schemeClr val="accent1">
+              <a:lumMod val="20000"/>
+              <a:lumOff val="80000"/>
+            </a:schemeClr>
+          </a:solidFill>
+        </p:spPr>
+        <p:style>
+          <a:lnRef idx="1">
+            <a:schemeClr val="accent3"/>
+          </a:lnRef>
+          <a:fillRef idx="2">
+            <a:schemeClr val="accent3"/>
+          </a:fillRef>
+          <a:effectRef idx="1">
+            <a:schemeClr val="accent3"/>
+          </a:effectRef>
+          <a:fontRef idx="minor">
+            <a:schemeClr val="dk1"/>
+          </a:fontRef>
+        </p:style>
+        <p:txBody>
+          <a:bodyPr rtlCol="0" anchor="ctr"/>
+          <a:lstStyle/>
+          <a:p>
+            <a:pPr algn="ctr"/>
+            <a:endParaRPr lang="zh-CN" altLang="en-US"/>
+          </a:p>
+        </p:txBody>
+      </p:sp>
+      <p:sp>
+        <p:nvSpPr>
+          <p:cNvPr id="30" name="圆角矩形 29"/>
+          <p:cNvSpPr/>
+          <p:nvPr/>
+        </p:nvSpPr>
+        <p:spPr>
+          <a:xfrm>
+            <a:off x="5568315" y="1537335"/>
+            <a:ext cx="947420" cy="225425"/>
+          </a:xfrm>
+          <a:prstGeom prst="roundRect">
+            <a:avLst/>
+          </a:prstGeom>
+          <a:effectLst>
+            <a:outerShdw blurRad="50800" dist="38100" dir="18900000" algn="bl" rotWithShape="0">
+              <a:prstClr val="black">
+                <a:alpha val="40000"/>
+              </a:prstClr>
+            </a:outerShdw>
+            <a:reflection stA="45000" endPos="0" dir="5400000" sy="-100000" algn="bl" rotWithShape="0"/>
+          </a:effectLst>
         </p:spPr>
         <p:style>
           <a:lnRef idx="2">
@@ -6213,6 +6782,65 @@
         </p:style>
         <p:txBody>
           <a:bodyPr rtlCol="0" anchor="ctr"/>
+          <a:lstStyle/>
+          <a:p>
+            <a:pPr algn="ctr"/>
+            <a:r>
+              <a:rPr lang="en-US" altLang="zh-CN">
+                <a:sym typeface="+mn-ea"/>
+              </a:rPr>
+              <a:t>BM</a:t>
+            </a:r>
+            <a:endParaRPr lang="en-US" altLang="zh-CN">
+              <a:sym typeface="+mn-ea"/>
+            </a:endParaRPr>
+          </a:p>
+        </p:txBody>
+      </p:sp>
+      <p:sp>
+        <p:nvSpPr>
+          <p:cNvPr id="70" name="矩形 69"/>
+          <p:cNvSpPr/>
+          <p:nvPr/>
+        </p:nvSpPr>
+        <p:spPr>
+          <a:xfrm>
+            <a:off x="299085" y="94615"/>
+            <a:ext cx="11783695" cy="6321425"/>
+          </a:xfrm>
+          <a:prstGeom prst="rect">
+            <a:avLst/>
+          </a:prstGeom>
+          <a:noFill/>
+          <a:ln w="28575">
+            <a:solidFill>
+              <a:schemeClr val="accent1">
+                <a:lumMod val="40000"/>
+                <a:lumOff val="60000"/>
+              </a:schemeClr>
+            </a:solidFill>
+            <a:prstDash val="sysDash"/>
+          </a:ln>
+        </p:spPr>
+        <p:style>
+          <a:lnRef idx="2">
+            <a:schemeClr val="accent1">
+              <a:shade val="50000"/>
+            </a:schemeClr>
+          </a:lnRef>
+          <a:fillRef idx="1">
+            <a:schemeClr val="accent1"/>
+          </a:fillRef>
+          <a:effectRef idx="0">
+            <a:schemeClr val="accent1"/>
+          </a:effectRef>
+          <a:fontRef idx="minor">
+            <a:schemeClr val="lt1"/>
+          </a:fontRef>
+        </p:style>
+        <p:txBody>
+          <a:bodyPr rtlCol="0" anchor="ctr"/>
+          <a:lstStyle/>
           <a:p>
             <a:pPr algn="ctr"/>
             <a:endParaRPr lang="zh-CN" altLang="en-US"/>
@@ -6221,16 +6849,2379 @@
       </p:sp>
       <p:sp>
         <p:nvSpPr>
-          <p:cNvPr id="27" name="右箭头 26"/>
+          <p:cNvPr id="45" name="五边形 44"/>
           <p:cNvSpPr/>
           <p:nvPr/>
         </p:nvSpPr>
         <p:spPr>
+          <a:xfrm>
+            <a:off x="1627505" y="239395"/>
+            <a:ext cx="2040255" cy="336550"/>
+          </a:xfrm>
+          <a:prstGeom prst="homePlate">
+            <a:avLst/>
+          </a:prstGeom>
+          <a:effectLst>
+            <a:outerShdw blurRad="88900" dir="19140000" algn="bl" rotWithShape="0">
+              <a:prstClr val="black">
+                <a:alpha val="40000"/>
+              </a:prstClr>
+            </a:outerShdw>
+          </a:effectLst>
+        </p:spPr>
+        <p:style>
+          <a:lnRef idx="3">
+            <a:schemeClr val="lt1"/>
+          </a:lnRef>
+          <a:fillRef idx="1">
+            <a:schemeClr val="accent6"/>
+          </a:fillRef>
+          <a:effectRef idx="1">
+            <a:schemeClr val="accent6"/>
+          </a:effectRef>
+          <a:fontRef idx="minor">
+            <a:schemeClr val="lt1"/>
+          </a:fontRef>
+        </p:style>
+        <p:txBody>
+          <a:bodyPr rtlCol="0" anchor="ctr"/>
+          <a:lstStyle/>
+          <a:p>
+            <a:pPr algn="ctr"/>
+            <a:r>
+              <a:rPr lang="en-US" altLang="zh-CN" b="1"/>
+              <a:t>S</a:t>
+            </a:r>
+            <a:r>
+              <a:rPr lang="zh-CN" altLang="en-US" b="1"/>
+              <a:t>erver</a:t>
+            </a:r>
+            <a:endParaRPr lang="zh-CN" altLang="en-US" b="1"/>
+          </a:p>
+        </p:txBody>
+      </p:sp>
+      <p:sp>
+        <p:nvSpPr>
+          <p:cNvPr id="49" name="五边形 48"/>
+          <p:cNvSpPr/>
+          <p:nvPr/>
+        </p:nvSpPr>
+        <p:spPr>
+          <a:xfrm>
+            <a:off x="5170170" y="239395"/>
+            <a:ext cx="1805940" cy="336550"/>
+          </a:xfrm>
+          <a:prstGeom prst="homePlate">
+            <a:avLst/>
+          </a:prstGeom>
+          <a:effectLst>
+            <a:outerShdw blurRad="88900" dir="19140000" algn="bl" rotWithShape="0">
+              <a:prstClr val="black">
+                <a:alpha val="40000"/>
+              </a:prstClr>
+            </a:outerShdw>
+          </a:effectLst>
+        </p:spPr>
+        <p:style>
+          <a:lnRef idx="3">
+            <a:schemeClr val="lt1"/>
+          </a:lnRef>
+          <a:fillRef idx="1">
+            <a:schemeClr val="accent6"/>
+          </a:fillRef>
+          <a:effectRef idx="1">
+            <a:schemeClr val="accent6"/>
+          </a:effectRef>
+          <a:fontRef idx="minor">
+            <a:schemeClr val="lt1"/>
+          </a:fontRef>
+        </p:style>
+        <p:txBody>
+          <a:bodyPr rtlCol="0" anchor="ctr"/>
+          <a:lstStyle/>
+          <a:p>
+            <a:pPr algn="ctr"/>
+            <a:r>
+              <a:rPr lang="en-US" altLang="zh-CN" b="1"/>
+              <a:t>T</a:t>
+            </a:r>
+            <a:r>
+              <a:rPr lang="zh-CN" altLang="en-US" b="1"/>
+              <a:t>ransmission</a:t>
+            </a:r>
+            <a:endParaRPr lang="zh-CN" altLang="en-US" b="1"/>
+          </a:p>
+        </p:txBody>
+      </p:sp>
+      <p:sp>
+        <p:nvSpPr>
+          <p:cNvPr id="50" name="五边形 49"/>
+          <p:cNvSpPr/>
+          <p:nvPr/>
+        </p:nvSpPr>
+        <p:spPr>
+          <a:xfrm>
+            <a:off x="8762365" y="239395"/>
+            <a:ext cx="2060575" cy="336550"/>
+          </a:xfrm>
+          <a:prstGeom prst="homePlate">
+            <a:avLst/>
+          </a:prstGeom>
+          <a:effectLst>
+            <a:outerShdw blurRad="88900" dir="19140000" algn="bl" rotWithShape="0">
+              <a:prstClr val="black">
+                <a:alpha val="40000"/>
+              </a:prstClr>
+            </a:outerShdw>
+          </a:effectLst>
+        </p:spPr>
+        <p:style>
+          <a:lnRef idx="3">
+            <a:schemeClr val="lt1"/>
+          </a:lnRef>
+          <a:fillRef idx="1">
+            <a:schemeClr val="accent6"/>
+          </a:fillRef>
+          <a:effectRef idx="1">
+            <a:schemeClr val="accent6"/>
+          </a:effectRef>
+          <a:fontRef idx="minor">
+            <a:schemeClr val="lt1"/>
+          </a:fontRef>
+        </p:style>
+        <p:txBody>
+          <a:bodyPr rtlCol="0" anchor="ctr"/>
+          <a:lstStyle/>
+          <a:p>
+            <a:pPr algn="ctr"/>
+            <a:r>
+              <a:rPr lang="en-US" altLang="zh-CN" b="1"/>
+              <a:t>B</a:t>
+            </a:r>
+            <a:r>
+              <a:rPr lang="zh-CN" altLang="en-US" b="1"/>
+              <a:t>rowser</a:t>
+            </a:r>
+            <a:endParaRPr lang="zh-CN" altLang="en-US" b="1"/>
+          </a:p>
+        </p:txBody>
+      </p:sp>
+      <p:sp>
+        <p:nvSpPr>
+          <p:cNvPr id="28" name="燕尾形 27"/>
+          <p:cNvSpPr/>
+          <p:nvPr/>
+        </p:nvSpPr>
+        <p:spPr>
+          <a:xfrm>
+            <a:off x="8367395" y="677545"/>
+            <a:ext cx="2611120" cy="209550"/>
+          </a:xfrm>
+          <a:prstGeom prst="chevron">
+            <a:avLst/>
+          </a:prstGeom>
+        </p:spPr>
+        <p:style>
+          <a:lnRef idx="2">
+            <a:schemeClr val="accent1">
+              <a:shade val="50000"/>
+            </a:schemeClr>
+          </a:lnRef>
+          <a:fillRef idx="1">
+            <a:schemeClr val="accent1"/>
+          </a:fillRef>
+          <a:effectRef idx="0">
+            <a:schemeClr val="accent1"/>
+          </a:effectRef>
+          <a:fontRef idx="minor">
+            <a:schemeClr val="lt1"/>
+          </a:fontRef>
+        </p:style>
+        <p:txBody>
+          <a:bodyPr rtlCol="0" anchor="ctr"/>
+          <a:p>
+            <a:pPr algn="ctr"/>
+            <a:r>
+              <a:rPr lang="en-US" altLang="zh-CN">
+                <a:sym typeface="+mn-ea"/>
+              </a:rPr>
+              <a:t>M</a:t>
+            </a:r>
+            <a:r>
+              <a:rPr lang="zh-CN" altLang="en-US">
+                <a:sym typeface="+mn-ea"/>
+              </a:rPr>
+              <a:t>esh </a:t>
+            </a:r>
+            <a:r>
+              <a:rPr lang="en-US" altLang="zh-CN">
+                <a:sym typeface="+mn-ea"/>
+              </a:rPr>
+              <a:t>Spliting</a:t>
+            </a:r>
+            <a:endParaRPr lang="en-US" altLang="zh-CN">
+              <a:sym typeface="+mn-ea"/>
+            </a:endParaRPr>
+          </a:p>
+        </p:txBody>
+      </p:sp>
+      <p:sp>
+        <p:nvSpPr>
+          <p:cNvPr id="37" name="文本框 36"/>
+          <p:cNvSpPr txBox="1"/>
+          <p:nvPr/>
+        </p:nvSpPr>
+        <p:spPr>
+          <a:xfrm>
+            <a:off x="1469390" y="2005965"/>
+            <a:ext cx="817245" cy="275590"/>
+          </a:xfrm>
+          <a:prstGeom prst="rect">
+            <a:avLst/>
+          </a:prstGeom>
+          <a:noFill/>
+        </p:spPr>
+        <p:txBody>
+          <a:bodyPr wrap="square" rtlCol="0">
+            <a:spAutoFit/>
+          </a:bodyPr>
+          <a:p>
+            <a:r>
+              <a:rPr lang="en-US" altLang="zh-CN" sz="1200" b="1"/>
+              <a:t>PM2: 540</a:t>
+            </a:r>
+            <a:endParaRPr lang="en-US" altLang="zh-CN" sz="1200" b="1"/>
+          </a:p>
+        </p:txBody>
+      </p:sp>
+      <p:sp>
+        <p:nvSpPr>
+          <p:cNvPr id="38" name="文本框 37"/>
+          <p:cNvSpPr txBox="1"/>
+          <p:nvPr/>
+        </p:nvSpPr>
+        <p:spPr>
+          <a:xfrm>
+            <a:off x="554355" y="2025015"/>
+            <a:ext cx="783590" cy="275590"/>
+          </a:xfrm>
+          <a:prstGeom prst="rect">
+            <a:avLst/>
+          </a:prstGeom>
+          <a:noFill/>
+        </p:spPr>
+        <p:txBody>
+          <a:bodyPr wrap="square" rtlCol="0">
+            <a:spAutoFit/>
+          </a:bodyPr>
+          <a:p>
+            <a:r>
+              <a:rPr lang="en-US" altLang="zh-CN" sz="1200" b="1"/>
+              <a:t>PM3: 592</a:t>
+            </a:r>
+            <a:endParaRPr lang="en-US" altLang="zh-CN" sz="1200" b="1"/>
+          </a:p>
+        </p:txBody>
+      </p:sp>
+      <p:sp>
+        <p:nvSpPr>
+          <p:cNvPr id="39" name="燕尾形 38"/>
+          <p:cNvSpPr/>
+          <p:nvPr/>
+        </p:nvSpPr>
+        <p:spPr>
           <a:xfrm flipH="1">
-            <a:off x="4170045" y="4617720"/>
-            <a:ext cx="1350645" cy="851535"/>
+            <a:off x="6250305" y="4989830"/>
+            <a:ext cx="4986655" cy="383540"/>
+          </a:xfrm>
+          <a:prstGeom prst="chevron">
+            <a:avLst/>
+          </a:prstGeom>
+        </p:spPr>
+        <p:style>
+          <a:lnRef idx="2">
+            <a:schemeClr val="accent1">
+              <a:shade val="50000"/>
+            </a:schemeClr>
+          </a:lnRef>
+          <a:fillRef idx="1">
+            <a:schemeClr val="accent1"/>
+          </a:fillRef>
+          <a:effectRef idx="0">
+            <a:schemeClr val="accent1"/>
+          </a:effectRef>
+          <a:fontRef idx="minor">
+            <a:schemeClr val="lt1"/>
+          </a:fontRef>
+        </p:style>
+        <p:txBody>
+          <a:bodyPr rtlCol="0" anchor="ctr"/>
+          <a:p>
+            <a:pPr algn="ctr"/>
+            <a:r>
+              <a:rPr lang="en-US" altLang="zh-CN">
+                <a:sym typeface="+mn-ea"/>
+              </a:rPr>
+              <a:t>Multiresolution T</a:t>
+            </a:r>
+            <a:r>
+              <a:rPr lang="zh-CN" altLang="en-US">
+                <a:sym typeface="+mn-ea"/>
+              </a:rPr>
+              <a:t>exture </a:t>
+            </a:r>
+            <a:r>
+              <a:rPr lang="en-US" altLang="zh-CN">
+                <a:sym typeface="+mn-ea"/>
+              </a:rPr>
+              <a:t>M</a:t>
+            </a:r>
+            <a:r>
+              <a:rPr lang="zh-CN" altLang="en-US">
+                <a:sym typeface="+mn-ea"/>
+              </a:rPr>
+              <a:t>apping</a:t>
+            </a:r>
+            <a:endParaRPr lang="zh-CN" altLang="en-US"/>
+          </a:p>
+        </p:txBody>
+      </p:sp>
+      <p:sp>
+        <p:nvSpPr>
+          <p:cNvPr id="42" name="文本框 41"/>
+          <p:cNvSpPr txBox="1"/>
+          <p:nvPr/>
+        </p:nvSpPr>
+        <p:spPr>
+          <a:xfrm>
+            <a:off x="7913370" y="4618355"/>
+            <a:ext cx="601980" cy="245110"/>
+          </a:xfrm>
+          <a:prstGeom prst="rect">
+            <a:avLst/>
+          </a:prstGeom>
+          <a:noFill/>
+        </p:spPr>
+        <p:txBody>
+          <a:bodyPr wrap="square" rtlCol="0">
+            <a:spAutoFit/>
+          </a:bodyPr>
+          <a:p>
+            <a:r>
+              <a:rPr lang="en-US" sz="1000"/>
+              <a:t>level2</a:t>
+            </a:r>
+            <a:endParaRPr lang="en-US" sz="1000"/>
+          </a:p>
+        </p:txBody>
+      </p:sp>
+      <p:sp>
+        <p:nvSpPr>
+          <p:cNvPr id="7" name="燕尾形 6"/>
+          <p:cNvSpPr/>
+          <p:nvPr/>
+        </p:nvSpPr>
+        <p:spPr>
+          <a:xfrm>
+            <a:off x="933450" y="647700"/>
+            <a:ext cx="3306445" cy="239395"/>
+          </a:xfrm>
+          <a:prstGeom prst="chevron">
+            <a:avLst/>
+          </a:prstGeom>
+        </p:spPr>
+        <p:style>
+          <a:lnRef idx="2">
+            <a:schemeClr val="accent1">
+              <a:shade val="50000"/>
+            </a:schemeClr>
+          </a:lnRef>
+          <a:fillRef idx="1">
+            <a:schemeClr val="accent1"/>
+          </a:fillRef>
+          <a:effectRef idx="0">
+            <a:schemeClr val="accent1"/>
+          </a:effectRef>
+          <a:fontRef idx="minor">
+            <a:schemeClr val="lt1"/>
+          </a:fontRef>
+        </p:style>
+        <p:txBody>
+          <a:bodyPr rtlCol="0" anchor="ctr"/>
+          <a:p>
+            <a:pPr algn="ctr"/>
+            <a:r>
+              <a:rPr lang="en-US" altLang="zh-CN">
+                <a:sym typeface="+mn-ea"/>
+              </a:rPr>
+              <a:t>M</a:t>
+            </a:r>
+            <a:r>
+              <a:rPr lang="zh-CN" altLang="en-US">
+                <a:sym typeface="+mn-ea"/>
+              </a:rPr>
+              <a:t>esh </a:t>
+            </a:r>
+            <a:r>
+              <a:rPr lang="en-US" altLang="zh-CN">
+                <a:sym typeface="+mn-ea"/>
+              </a:rPr>
+              <a:t>Merging</a:t>
+            </a:r>
+            <a:endParaRPr lang="en-US" altLang="zh-CN">
+              <a:sym typeface="+mn-ea"/>
+            </a:endParaRPr>
+          </a:p>
+        </p:txBody>
+      </p:sp>
+      <p:sp>
+        <p:nvSpPr>
+          <p:cNvPr id="44" name="文本框 43"/>
+          <p:cNvSpPr txBox="1"/>
+          <p:nvPr/>
+        </p:nvSpPr>
+        <p:spPr>
+          <a:xfrm>
+            <a:off x="2496185" y="2018665"/>
+            <a:ext cx="802005" cy="275590"/>
+          </a:xfrm>
+          <a:prstGeom prst="rect">
+            <a:avLst/>
+          </a:prstGeom>
+          <a:noFill/>
+        </p:spPr>
+        <p:txBody>
+          <a:bodyPr wrap="square" rtlCol="0">
+            <a:spAutoFit/>
+          </a:bodyPr>
+          <a:p>
+            <a:r>
+              <a:rPr lang="en-US" altLang="zh-CN" sz="1200" b="1"/>
+              <a:t>PM1: 340</a:t>
+            </a:r>
+            <a:endParaRPr lang="en-US" altLang="zh-CN" sz="1200" b="1"/>
+          </a:p>
+        </p:txBody>
+      </p:sp>
+      <p:sp>
+        <p:nvSpPr>
+          <p:cNvPr id="46" name="文本框 45"/>
+          <p:cNvSpPr txBox="1"/>
+          <p:nvPr/>
+        </p:nvSpPr>
+        <p:spPr>
+          <a:xfrm>
+            <a:off x="3342005" y="1998345"/>
+            <a:ext cx="1461770" cy="275590"/>
+          </a:xfrm>
+          <a:prstGeom prst="rect">
+            <a:avLst/>
+          </a:prstGeom>
+          <a:noFill/>
+        </p:spPr>
+        <p:txBody>
+          <a:bodyPr wrap="square" rtlCol="0">
+            <a:spAutoFit/>
+          </a:bodyPr>
+          <a:p>
+            <a:r>
+              <a:rPr lang="en-US" altLang="zh-CN" sz="1200" b="1"/>
+              <a:t> Base Mesh: 140</a:t>
+            </a:r>
+            <a:endParaRPr lang="en-US" altLang="zh-CN" sz="1200" b="1"/>
+          </a:p>
+        </p:txBody>
+      </p:sp>
+      <p:sp>
+        <p:nvSpPr>
+          <p:cNvPr id="73" name="下弧形箭头 72"/>
+          <p:cNvSpPr/>
+          <p:nvPr/>
+        </p:nvSpPr>
+        <p:spPr>
+          <a:xfrm>
+            <a:off x="826770" y="2313305"/>
+            <a:ext cx="1052830" cy="250825"/>
+          </a:xfrm>
+          <a:prstGeom prst="curvedUpArrow">
+            <a:avLst/>
+          </a:prstGeom>
+        </p:spPr>
+        <p:style>
+          <a:lnRef idx="2">
+            <a:schemeClr val="accent1">
+              <a:shade val="50000"/>
+            </a:schemeClr>
+          </a:lnRef>
+          <a:fillRef idx="1">
+            <a:schemeClr val="accent1"/>
+          </a:fillRef>
+          <a:effectRef idx="0">
+            <a:schemeClr val="accent1"/>
+          </a:effectRef>
+          <a:fontRef idx="minor">
+            <a:schemeClr val="lt1"/>
+          </a:fontRef>
+        </p:style>
+        <p:txBody>
+          <a:bodyPr rtlCol="0" anchor="ctr"/>
+          <a:p>
+            <a:pPr algn="ctr"/>
+            <a:endParaRPr lang="zh-CN" altLang="en-US">
+              <a:solidFill>
+                <a:schemeClr val="tx1"/>
+              </a:solidFill>
+            </a:endParaRPr>
+          </a:p>
+        </p:txBody>
+      </p:sp>
+      <p:sp>
+        <p:nvSpPr>
+          <p:cNvPr id="74" name="下弧形箭头 73"/>
+          <p:cNvSpPr/>
+          <p:nvPr/>
+        </p:nvSpPr>
+        <p:spPr>
+          <a:xfrm>
+            <a:off x="1880235" y="2313305"/>
+            <a:ext cx="1106170" cy="250825"/>
+          </a:xfrm>
+          <a:prstGeom prst="curvedUpArrow">
+            <a:avLst/>
+          </a:prstGeom>
+        </p:spPr>
+        <p:style>
+          <a:lnRef idx="2">
+            <a:schemeClr val="accent1">
+              <a:shade val="50000"/>
+            </a:schemeClr>
+          </a:lnRef>
+          <a:fillRef idx="1">
+            <a:schemeClr val="accent1"/>
+          </a:fillRef>
+          <a:effectRef idx="0">
+            <a:schemeClr val="accent1"/>
+          </a:effectRef>
+          <a:fontRef idx="minor">
+            <a:schemeClr val="lt1"/>
+          </a:fontRef>
+        </p:style>
+        <p:txBody>
+          <a:bodyPr rtlCol="0" anchor="ctr"/>
+          <a:p>
+            <a:pPr algn="ctr"/>
+            <a:endParaRPr lang="zh-CN" altLang="en-US">
+              <a:solidFill>
+                <a:schemeClr val="tx1"/>
+              </a:solidFill>
+            </a:endParaRPr>
+          </a:p>
+        </p:txBody>
+      </p:sp>
+      <p:sp>
+        <p:nvSpPr>
+          <p:cNvPr id="75" name="下弧形箭头 74"/>
+          <p:cNvSpPr/>
+          <p:nvPr/>
+        </p:nvSpPr>
+        <p:spPr>
+          <a:xfrm>
+            <a:off x="2986405" y="2313305"/>
+            <a:ext cx="1120775" cy="250825"/>
+          </a:xfrm>
+          <a:prstGeom prst="curvedUpArrow">
+            <a:avLst/>
+          </a:prstGeom>
+          <a:gradFill>
+            <a:gsLst>
+              <a:gs pos="0">
+                <a:srgbClr val="7B32B2"/>
+              </a:gs>
+              <a:gs pos="100000">
+                <a:srgbClr val="401A5D"/>
+              </a:gs>
+            </a:gsLst>
+            <a:lin ang="5400000" scaled="0"/>
+          </a:gradFill>
+        </p:spPr>
+        <p:style>
+          <a:lnRef idx="2">
+            <a:schemeClr val="accent1">
+              <a:shade val="50000"/>
+            </a:schemeClr>
+          </a:lnRef>
+          <a:fillRef idx="1">
+            <a:schemeClr val="accent1"/>
+          </a:fillRef>
+          <a:effectRef idx="0">
+            <a:schemeClr val="accent1"/>
+          </a:effectRef>
+          <a:fontRef idx="minor">
+            <a:schemeClr val="lt1"/>
+          </a:fontRef>
+        </p:style>
+        <p:txBody>
+          <a:bodyPr rtlCol="0" anchor="ctr"/>
+          <a:p>
+            <a:pPr algn="ctr"/>
+            <a:endParaRPr lang="zh-CN" altLang="en-US">
+              <a:solidFill>
+                <a:schemeClr val="tx1"/>
+              </a:solidFill>
+            </a:endParaRPr>
+          </a:p>
+        </p:txBody>
+      </p:sp>
+      <p:sp>
+        <p:nvSpPr>
+          <p:cNvPr id="11" name="圆角矩形 10"/>
+          <p:cNvSpPr/>
+          <p:nvPr/>
+        </p:nvSpPr>
+        <p:spPr>
+          <a:xfrm>
+            <a:off x="5568950" y="1814830"/>
+            <a:ext cx="946785" cy="225425"/>
+          </a:xfrm>
+          <a:prstGeom prst="roundRect">
+            <a:avLst/>
+          </a:prstGeom>
+          <a:effectLst>
+            <a:outerShdw blurRad="50800" dist="38100" dir="18900000" algn="bl" rotWithShape="0">
+              <a:prstClr val="black">
+                <a:alpha val="40000"/>
+              </a:prstClr>
+            </a:outerShdw>
+            <a:reflection stA="45000" endPos="0" dir="5400000" sy="-100000" algn="bl" rotWithShape="0"/>
+          </a:effectLst>
+        </p:spPr>
+        <p:style>
+          <a:lnRef idx="2">
+            <a:schemeClr val="accent1">
+              <a:shade val="50000"/>
+            </a:schemeClr>
+          </a:lnRef>
+          <a:fillRef idx="1">
+            <a:schemeClr val="accent1"/>
+          </a:fillRef>
+          <a:effectRef idx="0">
+            <a:schemeClr val="accent1"/>
+          </a:effectRef>
+          <a:fontRef idx="minor">
+            <a:schemeClr val="lt1"/>
+          </a:fontRef>
+        </p:style>
+        <p:txBody>
+          <a:bodyPr rtlCol="0" anchor="ctr"/>
+          <a:p>
+            <a:pPr algn="ctr"/>
+            <a:r>
+              <a:rPr lang="en-US" altLang="zh-CN">
+                <a:sym typeface="+mn-ea"/>
+              </a:rPr>
+              <a:t>Record</a:t>
+            </a:r>
+            <a:r>
+              <a:rPr lang="en-US" altLang="zh-CN" baseline="-25000">
+                <a:sym typeface="+mn-ea"/>
+              </a:rPr>
+              <a:t>1</a:t>
+            </a:r>
+            <a:endParaRPr lang="en-US" altLang="zh-CN" baseline="-25000">
+              <a:sym typeface="+mn-ea"/>
+            </a:endParaRPr>
+          </a:p>
+        </p:txBody>
+      </p:sp>
+      <p:sp>
+        <p:nvSpPr>
+          <p:cNvPr id="14" name="圆角矩形 13"/>
+          <p:cNvSpPr/>
+          <p:nvPr/>
+        </p:nvSpPr>
+        <p:spPr>
+          <a:xfrm>
+            <a:off x="5568950" y="2096135"/>
+            <a:ext cx="946785" cy="225425"/>
+          </a:xfrm>
+          <a:prstGeom prst="roundRect">
+            <a:avLst/>
+          </a:prstGeom>
+          <a:effectLst>
+            <a:outerShdw blurRad="50800" dist="38100" dir="18900000" algn="bl" rotWithShape="0">
+              <a:prstClr val="black">
+                <a:alpha val="40000"/>
+              </a:prstClr>
+            </a:outerShdw>
+            <a:reflection stA="45000" endPos="0" dir="5400000" sy="-100000" algn="bl" rotWithShape="0"/>
+          </a:effectLst>
+        </p:spPr>
+        <p:style>
+          <a:lnRef idx="2">
+            <a:schemeClr val="accent1">
+              <a:shade val="50000"/>
+            </a:schemeClr>
+          </a:lnRef>
+          <a:fillRef idx="1">
+            <a:schemeClr val="accent1"/>
+          </a:fillRef>
+          <a:effectRef idx="0">
+            <a:schemeClr val="accent1"/>
+          </a:effectRef>
+          <a:fontRef idx="minor">
+            <a:schemeClr val="lt1"/>
+          </a:fontRef>
+        </p:style>
+        <p:txBody>
+          <a:bodyPr rtlCol="0" anchor="ctr"/>
+          <a:p>
+            <a:pPr algn="ctr"/>
+            <a:r>
+              <a:rPr lang="en-US" altLang="zh-CN">
+                <a:sym typeface="+mn-ea"/>
+              </a:rPr>
+              <a:t>Record</a:t>
+            </a:r>
+            <a:r>
+              <a:rPr lang="en-US" altLang="zh-CN" baseline="-25000">
+                <a:sym typeface="+mn-ea"/>
+              </a:rPr>
+              <a:t>2</a:t>
+            </a:r>
+            <a:endParaRPr lang="en-US" altLang="zh-CN" baseline="-25000">
+              <a:sym typeface="+mn-ea"/>
+            </a:endParaRPr>
+          </a:p>
+        </p:txBody>
+      </p:sp>
+      <p:sp>
+        <p:nvSpPr>
+          <p:cNvPr id="15" name="圆角矩形 14"/>
+          <p:cNvSpPr/>
+          <p:nvPr/>
+        </p:nvSpPr>
+        <p:spPr>
+          <a:xfrm>
+            <a:off x="5568950" y="2379980"/>
+            <a:ext cx="955040" cy="225425"/>
+          </a:xfrm>
+          <a:prstGeom prst="roundRect">
+            <a:avLst/>
+          </a:prstGeom>
+          <a:effectLst>
+            <a:outerShdw blurRad="50800" dist="38100" dir="18900000" algn="bl" rotWithShape="0">
+              <a:prstClr val="black">
+                <a:alpha val="40000"/>
+              </a:prstClr>
+            </a:outerShdw>
+            <a:reflection stA="45000" endPos="0" dir="5400000" sy="-100000" algn="bl" rotWithShape="0"/>
+          </a:effectLst>
+        </p:spPr>
+        <p:style>
+          <a:lnRef idx="2">
+            <a:schemeClr val="accent1">
+              <a:shade val="50000"/>
+            </a:schemeClr>
+          </a:lnRef>
+          <a:fillRef idx="1">
+            <a:schemeClr val="accent1"/>
+          </a:fillRef>
+          <a:effectRef idx="0">
+            <a:schemeClr val="accent1"/>
+          </a:effectRef>
+          <a:fontRef idx="minor">
+            <a:schemeClr val="lt1"/>
+          </a:fontRef>
+        </p:style>
+        <p:txBody>
+          <a:bodyPr rtlCol="0" anchor="ctr"/>
+          <a:p>
+            <a:pPr algn="ctr"/>
+            <a:r>
+              <a:rPr lang="en-US" altLang="zh-CN">
+                <a:sym typeface="+mn-ea"/>
+              </a:rPr>
+              <a:t>Record</a:t>
+            </a:r>
+            <a:r>
+              <a:rPr lang="en-US" altLang="zh-CN" baseline="-25000">
+                <a:sym typeface="+mn-ea"/>
+              </a:rPr>
+              <a:t>3</a:t>
+            </a:r>
+            <a:endParaRPr lang="en-US" altLang="zh-CN" baseline="-25000">
+              <a:sym typeface="+mn-ea"/>
+            </a:endParaRPr>
+          </a:p>
+        </p:txBody>
+      </p:sp>
+      <p:sp>
+        <p:nvSpPr>
+          <p:cNvPr id="22" name="文本框 21"/>
+          <p:cNvSpPr txBox="1"/>
+          <p:nvPr/>
+        </p:nvSpPr>
+        <p:spPr>
+          <a:xfrm>
+            <a:off x="5330190" y="785495"/>
+            <a:ext cx="1542415" cy="368300"/>
+          </a:xfrm>
+          <a:prstGeom prst="rect">
+            <a:avLst/>
+          </a:prstGeom>
+          <a:noFill/>
+        </p:spPr>
+        <p:txBody>
+          <a:bodyPr wrap="square" rtlCol="0">
+            <a:spAutoFit/>
+          </a:bodyPr>
+          <a:p>
+            <a:r>
+              <a:rPr lang="en-US" altLang="zh-CN" b="1">
+                <a:solidFill>
+                  <a:srgbClr val="7030A0"/>
+                </a:solidFill>
+                <a:uFillTx/>
+              </a:rPr>
+              <a:t>Mesh Stream</a:t>
+            </a:r>
+            <a:endParaRPr lang="en-US" altLang="zh-CN" b="1">
+              <a:solidFill>
+                <a:srgbClr val="7030A0"/>
+              </a:solidFill>
+              <a:uFillTx/>
+            </a:endParaRPr>
+          </a:p>
+        </p:txBody>
+      </p:sp>
+      <p:sp>
+        <p:nvSpPr>
+          <p:cNvPr id="17" name="右弧形箭头 16"/>
+          <p:cNvSpPr/>
+          <p:nvPr/>
+        </p:nvSpPr>
+        <p:spPr>
+          <a:xfrm>
+            <a:off x="6575425" y="1671320"/>
+            <a:ext cx="109220" cy="236220"/>
+          </a:xfrm>
+          <a:prstGeom prst="curvedLeftArrow">
+            <a:avLst/>
+          </a:prstGeom>
+          <a:gradFill>
+            <a:gsLst>
+              <a:gs pos="0">
+                <a:srgbClr val="7B32B2"/>
+              </a:gs>
+              <a:gs pos="100000">
+                <a:srgbClr val="401A5D"/>
+              </a:gs>
+            </a:gsLst>
+            <a:lin ang="5400000" scaled="0"/>
+          </a:gradFill>
+        </p:spPr>
+        <p:style>
+          <a:lnRef idx="2">
+            <a:schemeClr val="accent1">
+              <a:shade val="50000"/>
+            </a:schemeClr>
+          </a:lnRef>
+          <a:fillRef idx="1">
+            <a:schemeClr val="accent1"/>
+          </a:fillRef>
+          <a:effectRef idx="0">
+            <a:schemeClr val="accent1"/>
+          </a:effectRef>
+          <a:fontRef idx="minor">
+            <a:schemeClr val="lt1"/>
+          </a:fontRef>
+        </p:style>
+        <p:txBody>
+          <a:bodyPr rtlCol="0" anchor="ctr"/>
+          <a:p>
+            <a:pPr algn="ctr"/>
+            <a:endParaRPr lang="zh-CN" altLang="en-US">
+              <a:solidFill>
+                <a:schemeClr val="tx1"/>
+              </a:solidFill>
+            </a:endParaRPr>
+          </a:p>
+        </p:txBody>
+      </p:sp>
+      <p:sp>
+        <p:nvSpPr>
+          <p:cNvPr id="18" name="右弧形箭头 17"/>
+          <p:cNvSpPr/>
+          <p:nvPr/>
+        </p:nvSpPr>
+        <p:spPr>
+          <a:xfrm flipH="1">
+            <a:off x="5427980" y="1964690"/>
+            <a:ext cx="92075" cy="236220"/>
+          </a:xfrm>
+          <a:prstGeom prst="curvedLeftArrow">
+            <a:avLst/>
+          </a:prstGeom>
+        </p:spPr>
+        <p:style>
+          <a:lnRef idx="2">
+            <a:schemeClr val="accent1">
+              <a:shade val="50000"/>
+            </a:schemeClr>
+          </a:lnRef>
+          <a:fillRef idx="1">
+            <a:schemeClr val="accent1"/>
+          </a:fillRef>
+          <a:effectRef idx="0">
+            <a:schemeClr val="accent1"/>
+          </a:effectRef>
+          <a:fontRef idx="minor">
+            <a:schemeClr val="lt1"/>
+          </a:fontRef>
+        </p:style>
+        <p:txBody>
+          <a:bodyPr rtlCol="0" anchor="ctr"/>
+          <a:p>
+            <a:pPr algn="ctr"/>
+            <a:endParaRPr lang="zh-CN" altLang="en-US">
+              <a:solidFill>
+                <a:schemeClr val="tx1"/>
+              </a:solidFill>
+            </a:endParaRPr>
+          </a:p>
+        </p:txBody>
+      </p:sp>
+      <p:sp>
+        <p:nvSpPr>
+          <p:cNvPr id="26" name="右弧形箭头 25"/>
+          <p:cNvSpPr/>
+          <p:nvPr/>
+        </p:nvSpPr>
+        <p:spPr>
+          <a:xfrm>
+            <a:off x="6576695" y="2190750"/>
+            <a:ext cx="109220" cy="236220"/>
+          </a:xfrm>
+          <a:prstGeom prst="curvedLeftArrow">
+            <a:avLst/>
+          </a:prstGeom>
+        </p:spPr>
+        <p:style>
+          <a:lnRef idx="2">
+            <a:schemeClr val="accent1">
+              <a:shade val="50000"/>
+            </a:schemeClr>
+          </a:lnRef>
+          <a:fillRef idx="1">
+            <a:schemeClr val="accent1"/>
+          </a:fillRef>
+          <a:effectRef idx="0">
+            <a:schemeClr val="accent1"/>
+          </a:effectRef>
+          <a:fontRef idx="minor">
+            <a:schemeClr val="lt1"/>
+          </a:fontRef>
+        </p:style>
+        <p:txBody>
+          <a:bodyPr rtlCol="0" anchor="ctr"/>
+          <a:p>
+            <a:pPr algn="ctr"/>
+            <a:endParaRPr lang="zh-CN" altLang="en-US">
+              <a:solidFill>
+                <a:schemeClr val="tx1"/>
+              </a:solidFill>
+            </a:endParaRPr>
+          </a:p>
+        </p:txBody>
+      </p:sp>
+      <p:sp>
+        <p:nvSpPr>
+          <p:cNvPr id="29" name="右箭头 28"/>
+          <p:cNvSpPr/>
+          <p:nvPr/>
+        </p:nvSpPr>
+        <p:spPr>
+          <a:xfrm>
+            <a:off x="4501515" y="1537970"/>
+            <a:ext cx="535305" cy="202565"/>
           </a:xfrm>
           <a:prstGeom prst="rightArrow">
+            <a:avLst/>
+          </a:prstGeom>
+          <a:gradFill>
+            <a:gsLst>
+              <a:gs pos="0">
+                <a:srgbClr val="14CD68"/>
+              </a:gs>
+              <a:gs pos="100000">
+                <a:srgbClr val="0B6E38"/>
+              </a:gs>
+            </a:gsLst>
+            <a:lin ang="5400000" scaled="0"/>
+          </a:gradFill>
+        </p:spPr>
+        <p:style>
+          <a:lnRef idx="2">
+            <a:schemeClr val="accent1">
+              <a:shade val="50000"/>
+            </a:schemeClr>
+          </a:lnRef>
+          <a:fillRef idx="1">
+            <a:schemeClr val="accent1"/>
+          </a:fillRef>
+          <a:effectRef idx="0">
+            <a:schemeClr val="accent1"/>
+          </a:effectRef>
+          <a:fontRef idx="minor">
+            <a:schemeClr val="lt1"/>
+          </a:fontRef>
+        </p:style>
+        <p:txBody>
+          <a:bodyPr rtlCol="0" anchor="ctr"/>
+          <a:p>
+            <a:pPr algn="ctr"/>
+            <a:endParaRPr lang="zh-CN" altLang="en-US"/>
+          </a:p>
+        </p:txBody>
+      </p:sp>
+      <p:pic>
+        <p:nvPicPr>
+          <p:cNvPr id="65" name="图片 64"/>
+          <p:cNvPicPr>
+            <a:picLocks noChangeAspect="1"/>
+          </p:cNvPicPr>
+          <p:nvPr/>
+        </p:nvPicPr>
+        <p:blipFill>
+          <a:blip r:embed="rId1"/>
+          <a:stretch>
+            <a:fillRect/>
+          </a:stretch>
+        </p:blipFill>
+        <p:spPr>
+          <a:xfrm>
+            <a:off x="3582035" y="1023620"/>
+            <a:ext cx="751205" cy="985520"/>
+          </a:xfrm>
+          <a:prstGeom prst="rect">
+            <a:avLst/>
+          </a:prstGeom>
+        </p:spPr>
+      </p:pic>
+      <p:pic>
+        <p:nvPicPr>
+          <p:cNvPr id="66" name="图片 65"/>
+          <p:cNvPicPr>
+            <a:picLocks noChangeAspect="1"/>
+          </p:cNvPicPr>
+          <p:nvPr/>
+        </p:nvPicPr>
+        <p:blipFill>
+          <a:blip r:embed="rId1"/>
+          <a:stretch>
+            <a:fillRect/>
+          </a:stretch>
+        </p:blipFill>
+        <p:spPr>
+          <a:xfrm>
+            <a:off x="7722870" y="988060"/>
+            <a:ext cx="782320" cy="1026795"/>
+          </a:xfrm>
+          <a:prstGeom prst="rect">
+            <a:avLst/>
+          </a:prstGeom>
+        </p:spPr>
+      </p:pic>
+      <p:pic>
+        <p:nvPicPr>
+          <p:cNvPr id="67" name="图片 66"/>
+          <p:cNvPicPr>
+            <a:picLocks noChangeAspect="1"/>
+          </p:cNvPicPr>
+          <p:nvPr/>
+        </p:nvPicPr>
+        <p:blipFill>
+          <a:blip r:embed="rId2"/>
+          <a:stretch>
+            <a:fillRect/>
+          </a:stretch>
+        </p:blipFill>
+        <p:spPr>
+          <a:xfrm>
+            <a:off x="2538730" y="1023620"/>
+            <a:ext cx="753745" cy="993775"/>
+          </a:xfrm>
+          <a:prstGeom prst="rect">
+            <a:avLst/>
+          </a:prstGeom>
+        </p:spPr>
+      </p:pic>
+      <p:pic>
+        <p:nvPicPr>
+          <p:cNvPr id="76" name="图片 75"/>
+          <p:cNvPicPr>
+            <a:picLocks noChangeAspect="1"/>
+          </p:cNvPicPr>
+          <p:nvPr/>
+        </p:nvPicPr>
+        <p:blipFill>
+          <a:blip r:embed="rId2"/>
+          <a:stretch>
+            <a:fillRect/>
+          </a:stretch>
+        </p:blipFill>
+        <p:spPr>
+          <a:xfrm>
+            <a:off x="8680450" y="1005840"/>
+            <a:ext cx="753745" cy="993775"/>
+          </a:xfrm>
+          <a:prstGeom prst="rect">
+            <a:avLst/>
+          </a:prstGeom>
+        </p:spPr>
+      </p:pic>
+      <p:pic>
+        <p:nvPicPr>
+          <p:cNvPr id="80" name="图片 79"/>
+          <p:cNvPicPr>
+            <a:picLocks noChangeAspect="1"/>
+          </p:cNvPicPr>
+          <p:nvPr/>
+        </p:nvPicPr>
+        <p:blipFill>
+          <a:blip r:embed="rId3"/>
+          <a:stretch>
+            <a:fillRect/>
+          </a:stretch>
+        </p:blipFill>
+        <p:spPr>
+          <a:xfrm>
+            <a:off x="1502410" y="1041400"/>
+            <a:ext cx="743585" cy="989965"/>
+          </a:xfrm>
+          <a:prstGeom prst="rect">
+            <a:avLst/>
+          </a:prstGeom>
+        </p:spPr>
+      </p:pic>
+      <p:pic>
+        <p:nvPicPr>
+          <p:cNvPr id="81" name="图片 80"/>
+          <p:cNvPicPr>
+            <a:picLocks noChangeAspect="1"/>
+          </p:cNvPicPr>
+          <p:nvPr/>
+        </p:nvPicPr>
+        <p:blipFill>
+          <a:blip r:embed="rId3"/>
+          <a:stretch>
+            <a:fillRect/>
+          </a:stretch>
+        </p:blipFill>
+        <p:spPr>
+          <a:xfrm>
+            <a:off x="9554845" y="988060"/>
+            <a:ext cx="759460" cy="1010920"/>
+          </a:xfrm>
+          <a:prstGeom prst="rect">
+            <a:avLst/>
+          </a:prstGeom>
+        </p:spPr>
+      </p:pic>
+      <p:pic>
+        <p:nvPicPr>
+          <p:cNvPr id="82" name="图片 81"/>
+          <p:cNvPicPr>
+            <a:picLocks noChangeAspect="1"/>
+          </p:cNvPicPr>
+          <p:nvPr/>
+        </p:nvPicPr>
+        <p:blipFill>
+          <a:blip r:embed="rId4"/>
+          <a:stretch>
+            <a:fillRect/>
+          </a:stretch>
+        </p:blipFill>
+        <p:spPr>
+          <a:xfrm>
+            <a:off x="530225" y="1023620"/>
+            <a:ext cx="777875" cy="1026795"/>
+          </a:xfrm>
+          <a:prstGeom prst="rect">
+            <a:avLst/>
+          </a:prstGeom>
+        </p:spPr>
+      </p:pic>
+      <p:pic>
+        <p:nvPicPr>
+          <p:cNvPr id="83" name="图片 82"/>
+          <p:cNvPicPr>
+            <a:picLocks noChangeAspect="1"/>
+          </p:cNvPicPr>
+          <p:nvPr/>
+        </p:nvPicPr>
+        <p:blipFill>
+          <a:blip r:embed="rId4"/>
+          <a:stretch>
+            <a:fillRect/>
+          </a:stretch>
+        </p:blipFill>
+        <p:spPr>
+          <a:xfrm>
+            <a:off x="10509250" y="1035685"/>
+            <a:ext cx="676910" cy="894080"/>
+          </a:xfrm>
+          <a:prstGeom prst="rect">
+            <a:avLst/>
+          </a:prstGeom>
+        </p:spPr>
+      </p:pic>
+      <p:sp>
+        <p:nvSpPr>
+          <p:cNvPr id="89" name="矩形 88"/>
+          <p:cNvSpPr/>
+          <p:nvPr/>
+        </p:nvSpPr>
+        <p:spPr>
+          <a:xfrm>
+            <a:off x="3225800" y="2286635"/>
+            <a:ext cx="621665" cy="176530"/>
+          </a:xfrm>
+          <a:prstGeom prst="rect">
+            <a:avLst/>
+          </a:prstGeom>
+        </p:spPr>
+        <p:style>
+          <a:lnRef idx="2">
+            <a:schemeClr val="accent1">
+              <a:shade val="50000"/>
+            </a:schemeClr>
+          </a:lnRef>
+          <a:fillRef idx="1">
+            <a:schemeClr val="accent1"/>
+          </a:fillRef>
+          <a:effectRef idx="0">
+            <a:schemeClr val="accent1"/>
+          </a:effectRef>
+          <a:fontRef idx="minor">
+            <a:schemeClr val="lt1"/>
+          </a:fontRef>
+        </p:style>
+        <p:txBody>
+          <a:bodyPr rtlCol="0" anchor="ctr"/>
+          <a:p>
+            <a:pPr algn="ctr"/>
+            <a:r>
+              <a:rPr lang="en-US" altLang="zh-CN" sz="1000" b="1"/>
+              <a:t>Record</a:t>
+            </a:r>
+            <a:r>
+              <a:rPr lang="en-US" altLang="zh-CN" sz="1000" b="1" baseline="-25000"/>
+              <a:t>1</a:t>
+            </a:r>
+            <a:endParaRPr lang="en-US" altLang="zh-CN" sz="1000" b="1" baseline="-25000"/>
+          </a:p>
+        </p:txBody>
+      </p:sp>
+      <p:sp>
+        <p:nvSpPr>
+          <p:cNvPr id="90" name="椭圆 89"/>
+          <p:cNvSpPr/>
+          <p:nvPr/>
+        </p:nvSpPr>
+        <p:spPr>
+          <a:xfrm>
+            <a:off x="3338830" y="2492375"/>
+            <a:ext cx="340360" cy="224155"/>
+          </a:xfrm>
+          <a:prstGeom prst="ellipse">
+            <a:avLst/>
+          </a:prstGeom>
+        </p:spPr>
+        <p:style>
+          <a:lnRef idx="2">
+            <a:schemeClr val="accent2">
+              <a:shade val="50000"/>
+            </a:schemeClr>
+          </a:lnRef>
+          <a:fillRef idx="1">
+            <a:schemeClr val="accent2"/>
+          </a:fillRef>
+          <a:effectRef idx="0">
+            <a:schemeClr val="accent2"/>
+          </a:effectRef>
+          <a:fontRef idx="minor">
+            <a:schemeClr val="lt1"/>
+          </a:fontRef>
+        </p:style>
+        <p:txBody>
+          <a:bodyPr rtlCol="0" anchor="ctr"/>
+          <a:p>
+            <a:pPr algn="ctr">
+              <a:lnSpc>
+                <a:spcPct val="90000"/>
+              </a:lnSpc>
+            </a:pPr>
+            <a:r>
+              <a:rPr lang="en-US" altLang="zh-CN" sz="4000" b="1"/>
+              <a:t>-</a:t>
+            </a:r>
+            <a:endParaRPr lang="en-US" altLang="zh-CN" sz="4000" b="1"/>
+          </a:p>
+        </p:txBody>
+      </p:sp>
+      <p:sp>
+        <p:nvSpPr>
+          <p:cNvPr id="101" name="文本框 100"/>
+          <p:cNvSpPr txBox="1"/>
+          <p:nvPr/>
+        </p:nvSpPr>
+        <p:spPr>
+          <a:xfrm>
+            <a:off x="7722870" y="2010410"/>
+            <a:ext cx="803275" cy="275590"/>
+          </a:xfrm>
+          <a:prstGeom prst="rect">
+            <a:avLst/>
+          </a:prstGeom>
+          <a:noFill/>
+        </p:spPr>
+        <p:txBody>
+          <a:bodyPr wrap="square" rtlCol="0">
+            <a:spAutoFit/>
+          </a:bodyPr>
+          <a:p>
+            <a:r>
+              <a:rPr lang="en-US" altLang="zh-CN" sz="1200" b="1"/>
+              <a:t>PM0:140</a:t>
+            </a:r>
+            <a:endParaRPr lang="en-US" altLang="zh-CN" sz="1200" b="1"/>
+          </a:p>
+        </p:txBody>
+      </p:sp>
+      <p:sp>
+        <p:nvSpPr>
+          <p:cNvPr id="102" name="文本框 101"/>
+          <p:cNvSpPr txBox="1"/>
+          <p:nvPr/>
+        </p:nvSpPr>
+        <p:spPr>
+          <a:xfrm>
+            <a:off x="8752840" y="2004060"/>
+            <a:ext cx="802005" cy="275590"/>
+          </a:xfrm>
+          <a:prstGeom prst="rect">
+            <a:avLst/>
+          </a:prstGeom>
+          <a:noFill/>
+        </p:spPr>
+        <p:txBody>
+          <a:bodyPr wrap="square" rtlCol="0">
+            <a:spAutoFit/>
+          </a:bodyPr>
+          <a:p>
+            <a:r>
+              <a:rPr lang="en-US" altLang="zh-CN" sz="1200" b="1"/>
+              <a:t>PM1:340</a:t>
+            </a:r>
+            <a:endParaRPr lang="en-US" altLang="zh-CN" sz="1200" b="1"/>
+          </a:p>
+        </p:txBody>
+      </p:sp>
+      <p:sp>
+        <p:nvSpPr>
+          <p:cNvPr id="103" name="文本框 102"/>
+          <p:cNvSpPr txBox="1"/>
+          <p:nvPr/>
+        </p:nvSpPr>
+        <p:spPr>
+          <a:xfrm>
+            <a:off x="9692005" y="2027555"/>
+            <a:ext cx="817245" cy="275590"/>
+          </a:xfrm>
+          <a:prstGeom prst="rect">
+            <a:avLst/>
+          </a:prstGeom>
+          <a:noFill/>
+        </p:spPr>
+        <p:txBody>
+          <a:bodyPr wrap="square" rtlCol="0">
+            <a:spAutoFit/>
+          </a:bodyPr>
+          <a:p>
+            <a:r>
+              <a:rPr lang="en-US" altLang="zh-CN" sz="1200" b="1"/>
+              <a:t>PM2:540</a:t>
+            </a:r>
+            <a:endParaRPr lang="en-US" altLang="zh-CN" sz="1200" b="1"/>
+          </a:p>
+        </p:txBody>
+      </p:sp>
+      <p:sp>
+        <p:nvSpPr>
+          <p:cNvPr id="104" name="文本框 103"/>
+          <p:cNvSpPr txBox="1"/>
+          <p:nvPr/>
+        </p:nvSpPr>
+        <p:spPr>
+          <a:xfrm>
+            <a:off x="10509250" y="2004060"/>
+            <a:ext cx="783590" cy="245110"/>
+          </a:xfrm>
+          <a:prstGeom prst="rect">
+            <a:avLst/>
+          </a:prstGeom>
+          <a:noFill/>
+        </p:spPr>
+        <p:txBody>
+          <a:bodyPr wrap="square" rtlCol="0">
+            <a:spAutoFit/>
+          </a:bodyPr>
+          <a:p>
+            <a:pPr algn="l">
+              <a:buClrTx/>
+              <a:buSzTx/>
+              <a:buFontTx/>
+            </a:pPr>
+            <a:r>
+              <a:rPr lang="en-US" altLang="zh-CN" sz="1200" b="1"/>
+              <a:t>PM3:592</a:t>
+            </a:r>
+            <a:endParaRPr lang="en-US" altLang="zh-CN" sz="1200" b="1"/>
+          </a:p>
+        </p:txBody>
+      </p:sp>
+      <p:pic>
+        <p:nvPicPr>
+          <p:cNvPr id="13" name="图片 12"/>
+          <p:cNvPicPr>
+            <a:picLocks noChangeAspect="1"/>
+          </p:cNvPicPr>
+          <p:nvPr/>
+        </p:nvPicPr>
+        <p:blipFill>
+          <a:blip r:embed="rId5"/>
+          <a:stretch>
+            <a:fillRect/>
+          </a:stretch>
+        </p:blipFill>
+        <p:spPr>
+          <a:xfrm>
+            <a:off x="7722870" y="3705860"/>
+            <a:ext cx="812800" cy="812800"/>
+          </a:xfrm>
+          <a:prstGeom prst="rect">
+            <a:avLst/>
+          </a:prstGeom>
+        </p:spPr>
+      </p:pic>
+      <p:pic>
+        <p:nvPicPr>
+          <p:cNvPr id="31" name="图片 30"/>
+          <p:cNvPicPr>
+            <a:picLocks noChangeAspect="1"/>
+          </p:cNvPicPr>
+          <p:nvPr/>
+        </p:nvPicPr>
+        <p:blipFill>
+          <a:blip r:embed="rId6"/>
+          <a:stretch>
+            <a:fillRect/>
+          </a:stretch>
+        </p:blipFill>
+        <p:spPr>
+          <a:xfrm>
+            <a:off x="8775065" y="4058920"/>
+            <a:ext cx="406400" cy="406400"/>
+          </a:xfrm>
+          <a:prstGeom prst="rect">
+            <a:avLst/>
+          </a:prstGeom>
+        </p:spPr>
+      </p:pic>
+      <p:sp>
+        <p:nvSpPr>
+          <p:cNvPr id="34" name="文本框 33"/>
+          <p:cNvSpPr txBox="1"/>
+          <p:nvPr/>
+        </p:nvSpPr>
+        <p:spPr>
+          <a:xfrm>
+            <a:off x="8731885" y="4618355"/>
+            <a:ext cx="542925" cy="245110"/>
+          </a:xfrm>
+          <a:prstGeom prst="rect">
+            <a:avLst/>
+          </a:prstGeom>
+          <a:noFill/>
+        </p:spPr>
+        <p:txBody>
+          <a:bodyPr wrap="square" rtlCol="0">
+            <a:spAutoFit/>
+          </a:bodyPr>
+          <a:p>
+            <a:r>
+              <a:rPr lang="en-US" sz="1000"/>
+              <a:t>level1</a:t>
+            </a:r>
+            <a:endParaRPr lang="en-US" sz="1000"/>
+          </a:p>
+        </p:txBody>
+      </p:sp>
+      <p:sp>
+        <p:nvSpPr>
+          <p:cNvPr id="43" name="文本框 42"/>
+          <p:cNvSpPr txBox="1"/>
+          <p:nvPr/>
+        </p:nvSpPr>
+        <p:spPr>
+          <a:xfrm>
+            <a:off x="9387205" y="4618355"/>
+            <a:ext cx="635635" cy="245110"/>
+          </a:xfrm>
+          <a:prstGeom prst="rect">
+            <a:avLst/>
+          </a:prstGeom>
+          <a:noFill/>
+        </p:spPr>
+        <p:txBody>
+          <a:bodyPr wrap="square" rtlCol="0">
+            <a:spAutoFit/>
+          </a:bodyPr>
+          <a:p>
+            <a:r>
+              <a:rPr lang="en-US" sz="1000"/>
+              <a:t>level0</a:t>
+            </a:r>
+            <a:endParaRPr lang="en-US" sz="1000"/>
+          </a:p>
+        </p:txBody>
+      </p:sp>
+      <p:pic>
+        <p:nvPicPr>
+          <p:cNvPr id="6" name="图片 5"/>
+          <p:cNvPicPr>
+            <a:picLocks noChangeAspect="1"/>
+          </p:cNvPicPr>
+          <p:nvPr/>
+        </p:nvPicPr>
+        <p:blipFill>
+          <a:blip r:embed="rId7"/>
+          <a:stretch>
+            <a:fillRect/>
+          </a:stretch>
+        </p:blipFill>
+        <p:spPr>
+          <a:xfrm>
+            <a:off x="9580245" y="4290060"/>
+            <a:ext cx="203200" cy="203200"/>
+          </a:xfrm>
+          <a:prstGeom prst="rect">
+            <a:avLst/>
+          </a:prstGeom>
+        </p:spPr>
+      </p:pic>
+      <p:sp>
+        <p:nvSpPr>
+          <p:cNvPr id="32" name="下箭头 31"/>
+          <p:cNvSpPr/>
+          <p:nvPr/>
+        </p:nvSpPr>
+        <p:spPr>
+          <a:xfrm>
+            <a:off x="9044940" y="3086735"/>
+            <a:ext cx="836930" cy="230505"/>
+          </a:xfrm>
+          <a:prstGeom prst="downArrow">
+            <a:avLst/>
+          </a:prstGeom>
+        </p:spPr>
+        <p:style>
+          <a:lnRef idx="2">
+            <a:schemeClr val="accent1">
+              <a:shade val="50000"/>
+            </a:schemeClr>
+          </a:lnRef>
+          <a:fillRef idx="1">
+            <a:schemeClr val="accent1"/>
+          </a:fillRef>
+          <a:effectRef idx="0">
+            <a:schemeClr val="accent1"/>
+          </a:effectRef>
+          <a:fontRef idx="minor">
+            <a:schemeClr val="lt1"/>
+          </a:fontRef>
+        </p:style>
+        <p:txBody>
+          <a:bodyPr rtlCol="0" anchor="ctr"/>
+          <a:p>
+            <a:pPr algn="ctr"/>
+            <a:endParaRPr lang="zh-CN" altLang="en-US"/>
+          </a:p>
+        </p:txBody>
+      </p:sp>
+      <p:pic>
+        <p:nvPicPr>
+          <p:cNvPr id="33" name="图片 32"/>
+          <p:cNvPicPr>
+            <a:picLocks noChangeAspect="1"/>
+          </p:cNvPicPr>
+          <p:nvPr/>
+        </p:nvPicPr>
+        <p:blipFill>
+          <a:blip r:embed="rId8"/>
+          <a:stretch>
+            <a:fillRect/>
+          </a:stretch>
+        </p:blipFill>
+        <p:spPr>
+          <a:xfrm>
+            <a:off x="5036820" y="4307205"/>
+            <a:ext cx="998855" cy="1346200"/>
+          </a:xfrm>
+          <a:prstGeom prst="rect">
+            <a:avLst/>
+          </a:prstGeom>
+        </p:spPr>
+      </p:pic>
+      <p:pic>
+        <p:nvPicPr>
+          <p:cNvPr id="52" name="图片 51"/>
+          <p:cNvPicPr>
+            <a:picLocks noChangeAspect="1"/>
+          </p:cNvPicPr>
+          <p:nvPr/>
+        </p:nvPicPr>
+        <p:blipFill>
+          <a:blip r:embed="rId9"/>
+          <a:stretch>
+            <a:fillRect/>
+          </a:stretch>
+        </p:blipFill>
+        <p:spPr>
+          <a:xfrm>
+            <a:off x="890270" y="4104005"/>
+            <a:ext cx="902970" cy="1385570"/>
+          </a:xfrm>
+          <a:prstGeom prst="rect">
+            <a:avLst/>
+          </a:prstGeom>
+        </p:spPr>
+      </p:pic>
+      <p:sp>
+        <p:nvSpPr>
+          <p:cNvPr id="12" name="椭圆 11"/>
+          <p:cNvSpPr/>
+          <p:nvPr/>
+        </p:nvSpPr>
+        <p:spPr>
+          <a:xfrm>
+            <a:off x="2291080" y="2463165"/>
+            <a:ext cx="317500" cy="233680"/>
+          </a:xfrm>
+          <a:prstGeom prst="ellipse">
+            <a:avLst/>
+          </a:prstGeom>
+        </p:spPr>
+        <p:style>
+          <a:lnRef idx="2">
+            <a:schemeClr val="accent2">
+              <a:shade val="50000"/>
+            </a:schemeClr>
+          </a:lnRef>
+          <a:fillRef idx="1">
+            <a:schemeClr val="accent2"/>
+          </a:fillRef>
+          <a:effectRef idx="0">
+            <a:schemeClr val="accent2"/>
+          </a:effectRef>
+          <a:fontRef idx="minor">
+            <a:schemeClr val="lt1"/>
+          </a:fontRef>
+        </p:style>
+        <p:txBody>
+          <a:bodyPr rtlCol="0" anchor="ctr"/>
+          <a:p>
+            <a:pPr algn="ctr">
+              <a:lnSpc>
+                <a:spcPct val="90000"/>
+              </a:lnSpc>
+            </a:pPr>
+            <a:r>
+              <a:rPr lang="en-US" altLang="zh-CN" sz="4000" b="1"/>
+              <a:t>-</a:t>
+            </a:r>
+            <a:endParaRPr lang="en-US" altLang="zh-CN" sz="4000" b="1"/>
+          </a:p>
+        </p:txBody>
+      </p:sp>
+      <p:sp>
+        <p:nvSpPr>
+          <p:cNvPr id="16" name="椭圆 15"/>
+          <p:cNvSpPr/>
+          <p:nvPr/>
+        </p:nvSpPr>
+        <p:spPr>
+          <a:xfrm>
+            <a:off x="1181100" y="2463165"/>
+            <a:ext cx="321310" cy="212090"/>
+          </a:xfrm>
+          <a:prstGeom prst="ellipse">
+            <a:avLst/>
+          </a:prstGeom>
+        </p:spPr>
+        <p:style>
+          <a:lnRef idx="2">
+            <a:schemeClr val="accent2">
+              <a:shade val="50000"/>
+            </a:schemeClr>
+          </a:lnRef>
+          <a:fillRef idx="1">
+            <a:schemeClr val="accent2"/>
+          </a:fillRef>
+          <a:effectRef idx="0">
+            <a:schemeClr val="accent2"/>
+          </a:effectRef>
+          <a:fontRef idx="minor">
+            <a:schemeClr val="lt1"/>
+          </a:fontRef>
+        </p:style>
+        <p:txBody>
+          <a:bodyPr rtlCol="0" anchor="ctr"/>
+          <a:p>
+            <a:pPr algn="ctr">
+              <a:lnSpc>
+                <a:spcPct val="90000"/>
+              </a:lnSpc>
+            </a:pPr>
+            <a:r>
+              <a:rPr lang="en-US" altLang="zh-CN" sz="4000" b="1"/>
+              <a:t>-</a:t>
+            </a:r>
+            <a:endParaRPr lang="en-US" altLang="zh-CN" sz="4000" b="1"/>
+          </a:p>
+        </p:txBody>
+      </p:sp>
+      <p:sp>
+        <p:nvSpPr>
+          <p:cNvPr id="20" name="矩形 19"/>
+          <p:cNvSpPr/>
+          <p:nvPr/>
+        </p:nvSpPr>
+        <p:spPr>
+          <a:xfrm>
+            <a:off x="2146300" y="2267585"/>
+            <a:ext cx="621665" cy="176530"/>
+          </a:xfrm>
+          <a:prstGeom prst="rect">
+            <a:avLst/>
+          </a:prstGeom>
+        </p:spPr>
+        <p:style>
+          <a:lnRef idx="2">
+            <a:schemeClr val="accent1">
+              <a:shade val="50000"/>
+            </a:schemeClr>
+          </a:lnRef>
+          <a:fillRef idx="1">
+            <a:schemeClr val="accent1"/>
+          </a:fillRef>
+          <a:effectRef idx="0">
+            <a:schemeClr val="accent1"/>
+          </a:effectRef>
+          <a:fontRef idx="minor">
+            <a:schemeClr val="lt1"/>
+          </a:fontRef>
+        </p:style>
+        <p:txBody>
+          <a:bodyPr rtlCol="0" anchor="ctr"/>
+          <a:p>
+            <a:pPr algn="ctr"/>
+            <a:r>
+              <a:rPr lang="en-US" altLang="zh-CN" sz="1000" b="1"/>
+              <a:t>Record</a:t>
+            </a:r>
+            <a:r>
+              <a:rPr lang="en-US" altLang="zh-CN" sz="1000" b="1" baseline="-25000"/>
+              <a:t>2</a:t>
+            </a:r>
+            <a:endParaRPr lang="en-US" altLang="zh-CN" sz="1000" b="1" baseline="-25000"/>
+          </a:p>
+        </p:txBody>
+      </p:sp>
+      <p:sp>
+        <p:nvSpPr>
+          <p:cNvPr id="23" name="矩形 22"/>
+          <p:cNvSpPr/>
+          <p:nvPr/>
+        </p:nvSpPr>
+        <p:spPr>
+          <a:xfrm>
+            <a:off x="1005840" y="2270125"/>
+            <a:ext cx="621665" cy="176530"/>
+          </a:xfrm>
+          <a:prstGeom prst="rect">
+            <a:avLst/>
+          </a:prstGeom>
+        </p:spPr>
+        <p:style>
+          <a:lnRef idx="2">
+            <a:schemeClr val="accent1">
+              <a:shade val="50000"/>
+            </a:schemeClr>
+          </a:lnRef>
+          <a:fillRef idx="1">
+            <a:schemeClr val="accent1"/>
+          </a:fillRef>
+          <a:effectRef idx="0">
+            <a:schemeClr val="accent1"/>
+          </a:effectRef>
+          <a:fontRef idx="minor">
+            <a:schemeClr val="lt1"/>
+          </a:fontRef>
+        </p:style>
+        <p:txBody>
+          <a:bodyPr rtlCol="0" anchor="ctr"/>
+          <a:p>
+            <a:pPr algn="ctr"/>
+            <a:r>
+              <a:rPr lang="en-US" altLang="zh-CN" sz="1000" b="1"/>
+              <a:t>Record</a:t>
+            </a:r>
+            <a:r>
+              <a:rPr lang="en-US" altLang="zh-CN" sz="1000" b="1" baseline="-25000"/>
+              <a:t>3</a:t>
+            </a:r>
+            <a:endParaRPr lang="en-US" altLang="zh-CN" sz="1000" b="1" baseline="-25000"/>
+          </a:p>
+        </p:txBody>
+      </p:sp>
+      <p:sp>
+        <p:nvSpPr>
+          <p:cNvPr id="24" name="右箭头 23"/>
+          <p:cNvSpPr/>
+          <p:nvPr/>
+        </p:nvSpPr>
+        <p:spPr>
+          <a:xfrm>
+            <a:off x="7004685" y="1537335"/>
+            <a:ext cx="535305" cy="202565"/>
+          </a:xfrm>
+          <a:prstGeom prst="rightArrow">
+            <a:avLst/>
+          </a:prstGeom>
+          <a:gradFill>
+            <a:gsLst>
+              <a:gs pos="0">
+                <a:srgbClr val="14CD68"/>
+              </a:gs>
+              <a:gs pos="100000">
+                <a:srgbClr val="0B6E38"/>
+              </a:gs>
+            </a:gsLst>
+            <a:lin ang="5400000" scaled="0"/>
+          </a:gradFill>
+        </p:spPr>
+        <p:style>
+          <a:lnRef idx="2">
+            <a:schemeClr val="accent1">
+              <a:shade val="50000"/>
+            </a:schemeClr>
+          </a:lnRef>
+          <a:fillRef idx="1">
+            <a:schemeClr val="accent1"/>
+          </a:fillRef>
+          <a:effectRef idx="0">
+            <a:schemeClr val="accent1"/>
+          </a:effectRef>
+          <a:fontRef idx="minor">
+            <a:schemeClr val="lt1"/>
+          </a:fontRef>
+        </p:style>
+        <p:txBody>
+          <a:bodyPr rtlCol="0" anchor="ctr"/>
+          <a:p>
+            <a:pPr algn="ctr"/>
+            <a:endParaRPr lang="zh-CN" altLang="en-US"/>
+          </a:p>
+        </p:txBody>
+      </p:sp>
+      <p:sp>
+        <p:nvSpPr>
+          <p:cNvPr id="61" name="下弧形箭头 60"/>
+          <p:cNvSpPr/>
+          <p:nvPr/>
+        </p:nvSpPr>
+        <p:spPr>
+          <a:xfrm>
+            <a:off x="7802245" y="2293620"/>
+            <a:ext cx="1052830" cy="250825"/>
+          </a:xfrm>
+          <a:prstGeom prst="curvedUpArrow">
+            <a:avLst/>
+          </a:prstGeom>
+        </p:spPr>
+        <p:style>
+          <a:lnRef idx="2">
+            <a:schemeClr val="accent1">
+              <a:shade val="50000"/>
+            </a:schemeClr>
+          </a:lnRef>
+          <a:fillRef idx="1">
+            <a:schemeClr val="accent1"/>
+          </a:fillRef>
+          <a:effectRef idx="0">
+            <a:schemeClr val="accent1"/>
+          </a:effectRef>
+          <a:fontRef idx="minor">
+            <a:schemeClr val="lt1"/>
+          </a:fontRef>
+        </p:style>
+        <p:txBody>
+          <a:bodyPr rtlCol="0" anchor="ctr"/>
+          <a:p>
+            <a:pPr algn="ctr"/>
+            <a:endParaRPr lang="zh-CN" altLang="en-US">
+              <a:solidFill>
+                <a:schemeClr val="tx1"/>
+              </a:solidFill>
+            </a:endParaRPr>
+          </a:p>
+        </p:txBody>
+      </p:sp>
+      <p:sp>
+        <p:nvSpPr>
+          <p:cNvPr id="62" name="下弧形箭头 61"/>
+          <p:cNvSpPr/>
+          <p:nvPr/>
+        </p:nvSpPr>
+        <p:spPr>
+          <a:xfrm>
+            <a:off x="8855710" y="2293620"/>
+            <a:ext cx="1106170" cy="250825"/>
+          </a:xfrm>
+          <a:prstGeom prst="curvedUpArrow">
+            <a:avLst/>
+          </a:prstGeom>
+        </p:spPr>
+        <p:style>
+          <a:lnRef idx="2">
+            <a:schemeClr val="accent1">
+              <a:shade val="50000"/>
+            </a:schemeClr>
+          </a:lnRef>
+          <a:fillRef idx="1">
+            <a:schemeClr val="accent1"/>
+          </a:fillRef>
+          <a:effectRef idx="0">
+            <a:schemeClr val="accent1"/>
+          </a:effectRef>
+          <a:fontRef idx="minor">
+            <a:schemeClr val="lt1"/>
+          </a:fontRef>
+        </p:style>
+        <p:txBody>
+          <a:bodyPr rtlCol="0" anchor="ctr"/>
+          <a:p>
+            <a:pPr algn="ctr"/>
+            <a:endParaRPr lang="zh-CN" altLang="en-US">
+              <a:solidFill>
+                <a:schemeClr val="tx1"/>
+              </a:solidFill>
+            </a:endParaRPr>
+          </a:p>
+        </p:txBody>
+      </p:sp>
+      <p:sp>
+        <p:nvSpPr>
+          <p:cNvPr id="63" name="下弧形箭头 62"/>
+          <p:cNvSpPr/>
+          <p:nvPr/>
+        </p:nvSpPr>
+        <p:spPr>
+          <a:xfrm>
+            <a:off x="9961880" y="2293620"/>
+            <a:ext cx="1120775" cy="250825"/>
+          </a:xfrm>
+          <a:prstGeom prst="curvedUpArrow">
+            <a:avLst/>
+          </a:prstGeom>
+          <a:gradFill>
+            <a:gsLst>
+              <a:gs pos="0">
+                <a:srgbClr val="7B32B2"/>
+              </a:gs>
+              <a:gs pos="100000">
+                <a:srgbClr val="401A5D"/>
+              </a:gs>
+            </a:gsLst>
+            <a:lin ang="5400000" scaled="0"/>
+          </a:gradFill>
+        </p:spPr>
+        <p:style>
+          <a:lnRef idx="2">
+            <a:schemeClr val="accent1">
+              <a:shade val="50000"/>
+            </a:schemeClr>
+          </a:lnRef>
+          <a:fillRef idx="1">
+            <a:schemeClr val="accent1"/>
+          </a:fillRef>
+          <a:effectRef idx="0">
+            <a:schemeClr val="accent1"/>
+          </a:effectRef>
+          <a:fontRef idx="minor">
+            <a:schemeClr val="lt1"/>
+          </a:fontRef>
+        </p:style>
+        <p:txBody>
+          <a:bodyPr rtlCol="0" anchor="ctr"/>
+          <a:p>
+            <a:pPr algn="ctr"/>
+            <a:endParaRPr lang="zh-CN" altLang="en-US">
+              <a:solidFill>
+                <a:schemeClr val="tx1"/>
+              </a:solidFill>
+            </a:endParaRPr>
+          </a:p>
+        </p:txBody>
+      </p:sp>
+      <p:sp>
+        <p:nvSpPr>
+          <p:cNvPr id="64" name="矩形 63"/>
+          <p:cNvSpPr/>
+          <p:nvPr/>
+        </p:nvSpPr>
+        <p:spPr>
+          <a:xfrm>
+            <a:off x="8006715" y="2266950"/>
+            <a:ext cx="621665" cy="176530"/>
+          </a:xfrm>
+          <a:prstGeom prst="rect">
+            <a:avLst/>
+          </a:prstGeom>
+        </p:spPr>
+        <p:style>
+          <a:lnRef idx="2">
+            <a:schemeClr val="accent1">
+              <a:shade val="50000"/>
+            </a:schemeClr>
+          </a:lnRef>
+          <a:fillRef idx="1">
+            <a:schemeClr val="accent1"/>
+          </a:fillRef>
+          <a:effectRef idx="0">
+            <a:schemeClr val="accent1"/>
+          </a:effectRef>
+          <a:fontRef idx="minor">
+            <a:schemeClr val="lt1"/>
+          </a:fontRef>
+        </p:style>
+        <p:txBody>
+          <a:bodyPr rtlCol="0" anchor="ctr"/>
+          <a:p>
+            <a:pPr algn="ctr"/>
+            <a:r>
+              <a:rPr lang="en-US" altLang="zh-CN" sz="1000" b="1"/>
+              <a:t>Record</a:t>
+            </a:r>
+            <a:r>
+              <a:rPr lang="en-US" altLang="zh-CN" sz="1000" b="1" baseline="-25000"/>
+              <a:t>1</a:t>
+            </a:r>
+            <a:endParaRPr lang="en-US" altLang="zh-CN" sz="1000" b="1" baseline="-25000"/>
+          </a:p>
+        </p:txBody>
+      </p:sp>
+      <p:sp>
+        <p:nvSpPr>
+          <p:cNvPr id="69" name="椭圆 68"/>
+          <p:cNvSpPr/>
+          <p:nvPr/>
+        </p:nvSpPr>
+        <p:spPr>
+          <a:xfrm>
+            <a:off x="10314305" y="2472690"/>
+            <a:ext cx="340360" cy="224155"/>
+          </a:xfrm>
+          <a:prstGeom prst="ellipse">
+            <a:avLst/>
+          </a:prstGeom>
+        </p:spPr>
+        <p:style>
+          <a:lnRef idx="2">
+            <a:schemeClr val="accent2">
+              <a:shade val="50000"/>
+            </a:schemeClr>
+          </a:lnRef>
+          <a:fillRef idx="1">
+            <a:schemeClr val="accent2"/>
+          </a:fillRef>
+          <a:effectRef idx="0">
+            <a:schemeClr val="accent2"/>
+          </a:effectRef>
+          <a:fontRef idx="minor">
+            <a:schemeClr val="lt1"/>
+          </a:fontRef>
+        </p:style>
+        <p:txBody>
+          <a:bodyPr rtlCol="0" anchor="ctr"/>
+          <a:p>
+            <a:pPr algn="ctr">
+              <a:lnSpc>
+                <a:spcPct val="90000"/>
+              </a:lnSpc>
+            </a:pPr>
+            <a:r>
+              <a:rPr lang="en-US" altLang="zh-CN" sz="2800" b="1"/>
+              <a:t>+</a:t>
+            </a:r>
+            <a:endParaRPr lang="en-US" altLang="zh-CN" sz="2800" b="1"/>
+          </a:p>
+        </p:txBody>
+      </p:sp>
+      <p:sp>
+        <p:nvSpPr>
+          <p:cNvPr id="72" name="椭圆 71"/>
+          <p:cNvSpPr/>
+          <p:nvPr/>
+        </p:nvSpPr>
+        <p:spPr>
+          <a:xfrm>
+            <a:off x="9266555" y="2443480"/>
+            <a:ext cx="317500" cy="233680"/>
+          </a:xfrm>
+          <a:prstGeom prst="ellipse">
+            <a:avLst/>
+          </a:prstGeom>
+        </p:spPr>
+        <p:style>
+          <a:lnRef idx="2">
+            <a:schemeClr val="accent2">
+              <a:shade val="50000"/>
+            </a:schemeClr>
+          </a:lnRef>
+          <a:fillRef idx="1">
+            <a:schemeClr val="accent2"/>
+          </a:fillRef>
+          <a:effectRef idx="0">
+            <a:schemeClr val="accent2"/>
+          </a:effectRef>
+          <a:fontRef idx="minor">
+            <a:schemeClr val="lt1"/>
+          </a:fontRef>
+        </p:style>
+        <p:txBody>
+          <a:bodyPr rtlCol="0" anchor="ctr"/>
+          <a:p>
+            <a:pPr algn="ctr">
+              <a:lnSpc>
+                <a:spcPct val="90000"/>
+              </a:lnSpc>
+            </a:pPr>
+            <a:r>
+              <a:rPr lang="en-US" altLang="zh-CN" sz="2800" b="1"/>
+              <a:t>+</a:t>
+            </a:r>
+            <a:endParaRPr lang="en-US" altLang="zh-CN" sz="2800" b="1"/>
+          </a:p>
+        </p:txBody>
+      </p:sp>
+      <p:sp>
+        <p:nvSpPr>
+          <p:cNvPr id="77" name="椭圆 76"/>
+          <p:cNvSpPr/>
+          <p:nvPr/>
+        </p:nvSpPr>
+        <p:spPr>
+          <a:xfrm>
+            <a:off x="8156575" y="2443480"/>
+            <a:ext cx="321310" cy="212090"/>
+          </a:xfrm>
+          <a:prstGeom prst="ellipse">
+            <a:avLst/>
+          </a:prstGeom>
+        </p:spPr>
+        <p:style>
+          <a:lnRef idx="2">
+            <a:schemeClr val="accent2">
+              <a:shade val="50000"/>
+            </a:schemeClr>
+          </a:lnRef>
+          <a:fillRef idx="1">
+            <a:schemeClr val="accent2"/>
+          </a:fillRef>
+          <a:effectRef idx="0">
+            <a:schemeClr val="accent2"/>
+          </a:effectRef>
+          <a:fontRef idx="minor">
+            <a:schemeClr val="lt1"/>
+          </a:fontRef>
+        </p:style>
+        <p:txBody>
+          <a:bodyPr rtlCol="0" anchor="ctr"/>
+          <a:p>
+            <a:pPr algn="ctr">
+              <a:lnSpc>
+                <a:spcPct val="90000"/>
+              </a:lnSpc>
+            </a:pPr>
+            <a:r>
+              <a:rPr lang="en-US" altLang="zh-CN" sz="2800" b="1"/>
+              <a:t>+</a:t>
+            </a:r>
+            <a:endParaRPr lang="en-US" altLang="zh-CN" sz="2800" b="1"/>
+          </a:p>
+        </p:txBody>
+      </p:sp>
+      <p:sp>
+        <p:nvSpPr>
+          <p:cNvPr id="78" name="矩形 77"/>
+          <p:cNvSpPr/>
+          <p:nvPr/>
+        </p:nvSpPr>
+        <p:spPr>
+          <a:xfrm>
+            <a:off x="9102725" y="2266950"/>
+            <a:ext cx="621665" cy="176530"/>
+          </a:xfrm>
+          <a:prstGeom prst="rect">
+            <a:avLst/>
+          </a:prstGeom>
+        </p:spPr>
+        <p:style>
+          <a:lnRef idx="2">
+            <a:schemeClr val="accent1">
+              <a:shade val="50000"/>
+            </a:schemeClr>
+          </a:lnRef>
+          <a:fillRef idx="1">
+            <a:schemeClr val="accent1"/>
+          </a:fillRef>
+          <a:effectRef idx="0">
+            <a:schemeClr val="accent1"/>
+          </a:effectRef>
+          <a:fontRef idx="minor">
+            <a:schemeClr val="lt1"/>
+          </a:fontRef>
+        </p:style>
+        <p:txBody>
+          <a:bodyPr rtlCol="0" anchor="ctr"/>
+          <a:p>
+            <a:pPr algn="ctr"/>
+            <a:r>
+              <a:rPr lang="en-US" altLang="zh-CN" sz="1000" b="1"/>
+              <a:t>Record</a:t>
+            </a:r>
+            <a:r>
+              <a:rPr lang="en-US" altLang="zh-CN" sz="1000" b="1" baseline="-25000"/>
+              <a:t>2</a:t>
+            </a:r>
+            <a:endParaRPr lang="en-US" altLang="zh-CN" sz="1000" b="1" baseline="-25000"/>
+          </a:p>
+        </p:txBody>
+      </p:sp>
+      <p:sp>
+        <p:nvSpPr>
+          <p:cNvPr id="79" name="矩形 78"/>
+          <p:cNvSpPr/>
+          <p:nvPr/>
+        </p:nvSpPr>
+        <p:spPr>
+          <a:xfrm>
+            <a:off x="10220960" y="2266950"/>
+            <a:ext cx="621665" cy="176530"/>
+          </a:xfrm>
+          <a:prstGeom prst="rect">
+            <a:avLst/>
+          </a:prstGeom>
+        </p:spPr>
+        <p:style>
+          <a:lnRef idx="2">
+            <a:schemeClr val="accent1">
+              <a:shade val="50000"/>
+            </a:schemeClr>
+          </a:lnRef>
+          <a:fillRef idx="1">
+            <a:schemeClr val="accent1"/>
+          </a:fillRef>
+          <a:effectRef idx="0">
+            <a:schemeClr val="accent1"/>
+          </a:effectRef>
+          <a:fontRef idx="minor">
+            <a:schemeClr val="lt1"/>
+          </a:fontRef>
+        </p:style>
+        <p:txBody>
+          <a:bodyPr rtlCol="0" anchor="ctr"/>
+          <a:p>
+            <a:pPr algn="ctr"/>
+            <a:r>
+              <a:rPr lang="en-US" altLang="zh-CN" sz="1000" b="1"/>
+              <a:t>Record</a:t>
+            </a:r>
+            <a:r>
+              <a:rPr lang="en-US" altLang="zh-CN" sz="1000" b="1" baseline="-25000"/>
+              <a:t>3</a:t>
+            </a:r>
+            <a:endParaRPr lang="en-US" altLang="zh-CN" sz="1000" b="1" baseline="-25000"/>
+          </a:p>
+        </p:txBody>
+      </p:sp>
+      <p:pic>
+        <p:nvPicPr>
+          <p:cNvPr id="86" name="图片 85"/>
+          <p:cNvPicPr>
+            <a:picLocks noChangeAspect="1"/>
+          </p:cNvPicPr>
+          <p:nvPr/>
+        </p:nvPicPr>
+        <p:blipFill>
+          <a:blip r:embed="rId10">
+            <a:clrChange>
+              <a:clrFrom>
+                <a:srgbClr val="3C3C3C">
+                  <a:alpha val="100000"/>
+                </a:srgbClr>
+              </a:clrFrom>
+              <a:clrTo>
+                <a:srgbClr val="3C3C3C">
+                  <a:alpha val="100000"/>
+                  <a:alpha val="0"/>
+                </a:srgbClr>
+              </a:clrTo>
+            </a:clrChange>
+          </a:blip>
+          <a:stretch>
+            <a:fillRect/>
+          </a:stretch>
+        </p:blipFill>
+        <p:spPr>
+          <a:xfrm>
+            <a:off x="3023870" y="3612515"/>
+            <a:ext cx="643890" cy="1236345"/>
+          </a:xfrm>
+          <a:prstGeom prst="rect">
+            <a:avLst/>
+          </a:prstGeom>
+          <a:noFill/>
+          <a:ln w="9525">
+            <a:noFill/>
+          </a:ln>
+        </p:spPr>
+      </p:pic>
+      <p:sp>
+        <p:nvSpPr>
+          <p:cNvPr id="25" name="燕尾形 24"/>
+          <p:cNvSpPr/>
+          <p:nvPr/>
+        </p:nvSpPr>
+        <p:spPr>
+          <a:xfrm flipH="1">
+            <a:off x="2019935" y="4989830"/>
+            <a:ext cx="2783840" cy="383540"/>
+          </a:xfrm>
+          <a:prstGeom prst="chevron">
             <a:avLst/>
           </a:prstGeom>
         </p:spPr>
@@ -6265,9 +9256,1797 @@
               <a:rPr lang="zh-CN" altLang="en-US" dirty="0">
                 <a:sym typeface="+mn-ea"/>
               </a:rPr>
+              <a:t>Binding skeleton</a:t>
+            </a:r>
+            <a:endParaRPr lang="zh-CN" altLang="en-US"/>
+          </a:p>
+        </p:txBody>
+      </p:sp>
+      <p:sp>
+        <p:nvSpPr>
+          <p:cNvPr id="35" name="椭圆 34"/>
+          <p:cNvSpPr/>
+          <p:nvPr/>
+        </p:nvSpPr>
+        <p:spPr>
+          <a:xfrm>
+            <a:off x="7320280" y="4157345"/>
+            <a:ext cx="321310" cy="212090"/>
+          </a:xfrm>
+          <a:prstGeom prst="ellipse">
+            <a:avLst/>
+          </a:prstGeom>
+        </p:spPr>
+        <p:style>
+          <a:lnRef idx="2">
+            <a:schemeClr val="accent2">
+              <a:shade val="50000"/>
+            </a:schemeClr>
+          </a:lnRef>
+          <a:fillRef idx="1">
+            <a:schemeClr val="accent2"/>
+          </a:fillRef>
+          <a:effectRef idx="0">
+            <a:schemeClr val="accent2"/>
+          </a:effectRef>
+          <a:fontRef idx="minor">
+            <a:schemeClr val="lt1"/>
+          </a:fontRef>
+        </p:style>
+        <p:txBody>
+          <a:bodyPr rtlCol="0" anchor="ctr"/>
+          <a:p>
+            <a:pPr algn="ctr">
+              <a:lnSpc>
+                <a:spcPct val="90000"/>
+              </a:lnSpc>
+            </a:pPr>
+            <a:r>
+              <a:rPr lang="en-US" altLang="zh-CN" sz="2800" b="1"/>
+              <a:t>+</a:t>
+            </a:r>
+            <a:endParaRPr lang="en-US" altLang="zh-CN" sz="2800" b="1"/>
+          </a:p>
+        </p:txBody>
+      </p:sp>
+      <p:sp>
+        <p:nvSpPr>
+          <p:cNvPr id="36" name="椭圆 35"/>
+          <p:cNvSpPr/>
+          <p:nvPr/>
+        </p:nvSpPr>
+        <p:spPr>
+          <a:xfrm>
+            <a:off x="2658110" y="4220845"/>
+            <a:ext cx="321310" cy="212090"/>
+          </a:xfrm>
+          <a:prstGeom prst="ellipse">
+            <a:avLst/>
+          </a:prstGeom>
+        </p:spPr>
+        <p:style>
+          <a:lnRef idx="2">
+            <a:schemeClr val="accent2">
+              <a:shade val="50000"/>
+            </a:schemeClr>
+          </a:lnRef>
+          <a:fillRef idx="1">
+            <a:schemeClr val="accent2"/>
+          </a:fillRef>
+          <a:effectRef idx="0">
+            <a:schemeClr val="accent2"/>
+          </a:effectRef>
+          <a:fontRef idx="minor">
+            <a:schemeClr val="lt1"/>
+          </a:fontRef>
+        </p:style>
+        <p:txBody>
+          <a:bodyPr rtlCol="0" anchor="ctr"/>
+          <a:p>
+            <a:pPr algn="ctr">
+              <a:lnSpc>
+                <a:spcPct val="90000"/>
+              </a:lnSpc>
+            </a:pPr>
+            <a:r>
+              <a:rPr lang="en-US" altLang="zh-CN" sz="2800" b="1"/>
+              <a:t>+</a:t>
+            </a:r>
+            <a:endParaRPr lang="en-US" altLang="zh-CN" sz="2800" b="1"/>
+          </a:p>
+        </p:txBody>
+      </p:sp>
+    </p:spTree>
+  </p:cSld>
+  <p:clrMapOvr>
+    <a:masterClrMapping/>
+  </p:clrMapOvr>
+</p:sld>
+</file>
+
+<file path=ppt/slides/slide3.xml><?xml version="1.0" encoding="utf-8"?>
+<p:sld xmlns:a="http://schemas.openxmlformats.org/drawingml/2006/main" xmlns:r="http://schemas.openxmlformats.org/officeDocument/2006/relationships" xmlns:p="http://schemas.openxmlformats.org/presentationml/2006/main">
+  <p:cSld>
+    <p:spTree>
+      <p:nvGrpSpPr>
+        <p:cNvPr id="1" name=""/>
+        <p:cNvGrpSpPr/>
+        <p:nvPr/>
+      </p:nvGrpSpPr>
+      <p:grpSpPr>
+        <a:xfrm>
+          <a:off x="0" y="0"/>
+          <a:ext cx="0" cy="0"/>
+          <a:chOff x="0" y="0"/>
+          <a:chExt cx="0" cy="0"/>
+        </a:xfrm>
+      </p:grpSpPr>
+      <p:sp>
+        <p:nvSpPr>
+          <p:cNvPr id="8" name="矩形 7"/>
+          <p:cNvSpPr/>
+          <p:nvPr/>
+        </p:nvSpPr>
+        <p:spPr>
+          <a:xfrm>
+            <a:off x="402590" y="472440"/>
+            <a:ext cx="11276965" cy="2968625"/>
+          </a:xfrm>
+          <a:prstGeom prst="rect">
+            <a:avLst/>
+          </a:prstGeom>
+          <a:solidFill>
+            <a:schemeClr val="accent1">
+              <a:lumMod val="20000"/>
+              <a:lumOff val="80000"/>
+            </a:schemeClr>
+          </a:solidFill>
+        </p:spPr>
+        <p:style>
+          <a:lnRef idx="1">
+            <a:schemeClr val="accent3"/>
+          </a:lnRef>
+          <a:fillRef idx="2">
+            <a:schemeClr val="accent3"/>
+          </a:fillRef>
+          <a:effectRef idx="1">
+            <a:schemeClr val="accent3"/>
+          </a:effectRef>
+          <a:fontRef idx="minor">
+            <a:schemeClr val="dk1"/>
+          </a:fontRef>
+        </p:style>
+        <p:txBody>
+          <a:bodyPr rtlCol="0" anchor="ctr"/>
+          <a:p>
+            <a:pPr algn="ctr"/>
+            <a:endParaRPr lang="zh-CN" altLang="en-US"/>
+          </a:p>
+        </p:txBody>
+      </p:sp>
+      <p:sp>
+        <p:nvSpPr>
+          <p:cNvPr id="21" name="矩形 20"/>
+          <p:cNvSpPr/>
+          <p:nvPr/>
+        </p:nvSpPr>
+        <p:spPr>
+          <a:xfrm>
+            <a:off x="6026785" y="3441065"/>
+            <a:ext cx="5516880" cy="2516505"/>
+          </a:xfrm>
+          <a:prstGeom prst="rect">
+            <a:avLst/>
+          </a:prstGeom>
+          <a:solidFill>
+            <a:schemeClr val="accent1">
+              <a:lumMod val="20000"/>
+              <a:lumOff val="80000"/>
+            </a:schemeClr>
+          </a:solidFill>
+        </p:spPr>
+        <p:style>
+          <a:lnRef idx="1">
+            <a:schemeClr val="accent3"/>
+          </a:lnRef>
+          <a:fillRef idx="2">
+            <a:schemeClr val="accent3"/>
+          </a:fillRef>
+          <a:effectRef idx="1">
+            <a:schemeClr val="accent3"/>
+          </a:effectRef>
+          <a:fontRef idx="minor">
+            <a:schemeClr val="dk1"/>
+          </a:fontRef>
+        </p:style>
+        <p:txBody>
+          <a:bodyPr rtlCol="0" anchor="ctr"/>
+          <a:p>
+            <a:pPr algn="ctr"/>
+            <a:endParaRPr lang="zh-CN" altLang="en-US"/>
+          </a:p>
+        </p:txBody>
+      </p:sp>
+      <p:sp>
+        <p:nvSpPr>
+          <p:cNvPr id="70" name="矩形 69"/>
+          <p:cNvSpPr/>
+          <p:nvPr/>
+        </p:nvSpPr>
+        <p:spPr>
+          <a:xfrm>
+            <a:off x="299085" y="94615"/>
+            <a:ext cx="11783695" cy="6321425"/>
+          </a:xfrm>
+          <a:prstGeom prst="rect">
+            <a:avLst/>
+          </a:prstGeom>
+          <a:noFill/>
+          <a:ln w="28575">
+            <a:solidFill>
+              <a:schemeClr val="accent1">
+                <a:lumMod val="40000"/>
+                <a:lumOff val="60000"/>
+              </a:schemeClr>
+            </a:solidFill>
+            <a:prstDash val="sysDash"/>
+          </a:ln>
+        </p:spPr>
+        <p:style>
+          <a:lnRef idx="2">
+            <a:schemeClr val="accent1">
+              <a:shade val="50000"/>
+            </a:schemeClr>
+          </a:lnRef>
+          <a:fillRef idx="1">
+            <a:schemeClr val="accent1"/>
+          </a:fillRef>
+          <a:effectRef idx="0">
+            <a:schemeClr val="accent1"/>
+          </a:effectRef>
+          <a:fontRef idx="minor">
+            <a:schemeClr val="lt1"/>
+          </a:fontRef>
+        </p:style>
+        <p:txBody>
+          <a:bodyPr rtlCol="0" anchor="ctr"/>
+          <a:lstStyle/>
+          <a:p>
+            <a:pPr algn="ctr"/>
+            <a:endParaRPr lang="zh-CN" altLang="en-US"/>
+          </a:p>
+        </p:txBody>
+      </p:sp>
+      <p:sp>
+        <p:nvSpPr>
+          <p:cNvPr id="39" name="燕尾形 38"/>
+          <p:cNvSpPr/>
+          <p:nvPr/>
+        </p:nvSpPr>
+        <p:spPr>
+          <a:xfrm flipH="1">
+            <a:off x="6267450" y="3610610"/>
+            <a:ext cx="4986655" cy="383540"/>
+          </a:xfrm>
+          <a:prstGeom prst="chevron">
+            <a:avLst/>
+          </a:prstGeom>
+        </p:spPr>
+        <p:style>
+          <a:lnRef idx="2">
+            <a:schemeClr val="accent1">
+              <a:shade val="50000"/>
+            </a:schemeClr>
+          </a:lnRef>
+          <a:fillRef idx="1">
+            <a:schemeClr val="accent1"/>
+          </a:fillRef>
+          <a:effectRef idx="0">
+            <a:schemeClr val="accent1"/>
+          </a:effectRef>
+          <a:fontRef idx="minor">
+            <a:schemeClr val="lt1"/>
+          </a:fontRef>
+        </p:style>
+        <p:txBody>
+          <a:bodyPr rtlCol="0" anchor="ctr"/>
+          <a:p>
+            <a:pPr algn="ctr"/>
+            <a:r>
+              <a:rPr lang="en-US" altLang="zh-CN">
+                <a:sym typeface="+mn-ea"/>
+              </a:rPr>
+              <a:t>Multiresolution T</a:t>
+            </a:r>
+            <a:r>
+              <a:rPr lang="zh-CN" altLang="en-US">
+                <a:sym typeface="+mn-ea"/>
+              </a:rPr>
+              <a:t>exture </a:t>
+            </a:r>
+            <a:r>
+              <a:rPr lang="en-US" altLang="zh-CN">
+                <a:sym typeface="+mn-ea"/>
+              </a:rPr>
+              <a:t>M</a:t>
+            </a:r>
+            <a:r>
+              <a:rPr lang="zh-CN" altLang="en-US">
+                <a:sym typeface="+mn-ea"/>
+              </a:rPr>
+              <a:t>apping</a:t>
+            </a:r>
+            <a:endParaRPr lang="zh-CN" altLang="en-US"/>
+          </a:p>
+        </p:txBody>
+      </p:sp>
+      <p:sp>
+        <p:nvSpPr>
+          <p:cNvPr id="42" name="文本框 41"/>
+          <p:cNvSpPr txBox="1"/>
+          <p:nvPr/>
+        </p:nvSpPr>
+        <p:spPr>
+          <a:xfrm>
+            <a:off x="8952865" y="5408295"/>
+            <a:ext cx="601980" cy="245110"/>
+          </a:xfrm>
+          <a:prstGeom prst="rect">
+            <a:avLst/>
+          </a:prstGeom>
+          <a:noFill/>
+        </p:spPr>
+        <p:txBody>
+          <a:bodyPr wrap="square" rtlCol="0">
+            <a:spAutoFit/>
+          </a:bodyPr>
+          <a:p>
+            <a:r>
+              <a:rPr lang="en-US" sz="1000"/>
+              <a:t>level2</a:t>
+            </a:r>
+            <a:endParaRPr lang="en-US" sz="1000"/>
+          </a:p>
+        </p:txBody>
+      </p:sp>
+      <p:pic>
+        <p:nvPicPr>
+          <p:cNvPr id="13" name="图片 12"/>
+          <p:cNvPicPr>
+            <a:picLocks noChangeAspect="1"/>
+          </p:cNvPicPr>
+          <p:nvPr/>
+        </p:nvPicPr>
+        <p:blipFill>
+          <a:blip r:embed="rId1"/>
+          <a:stretch>
+            <a:fillRect/>
+          </a:stretch>
+        </p:blipFill>
+        <p:spPr>
+          <a:xfrm>
+            <a:off x="8762365" y="4495800"/>
+            <a:ext cx="812800" cy="812800"/>
+          </a:xfrm>
+          <a:prstGeom prst="rect">
+            <a:avLst/>
+          </a:prstGeom>
+        </p:spPr>
+      </p:pic>
+      <p:pic>
+        <p:nvPicPr>
+          <p:cNvPr id="31" name="图片 30"/>
+          <p:cNvPicPr>
+            <a:picLocks noChangeAspect="1"/>
+          </p:cNvPicPr>
+          <p:nvPr/>
+        </p:nvPicPr>
+        <p:blipFill>
+          <a:blip r:embed="rId2"/>
+          <a:stretch>
+            <a:fillRect/>
+          </a:stretch>
+        </p:blipFill>
+        <p:spPr>
+          <a:xfrm>
+            <a:off x="9814560" y="4848860"/>
+            <a:ext cx="406400" cy="406400"/>
+          </a:xfrm>
+          <a:prstGeom prst="rect">
+            <a:avLst/>
+          </a:prstGeom>
+        </p:spPr>
+      </p:pic>
+      <p:sp>
+        <p:nvSpPr>
+          <p:cNvPr id="34" name="文本框 33"/>
+          <p:cNvSpPr txBox="1"/>
+          <p:nvPr/>
+        </p:nvSpPr>
+        <p:spPr>
+          <a:xfrm>
+            <a:off x="9771380" y="5408295"/>
+            <a:ext cx="542925" cy="245110"/>
+          </a:xfrm>
+          <a:prstGeom prst="rect">
+            <a:avLst/>
+          </a:prstGeom>
+          <a:noFill/>
+        </p:spPr>
+        <p:txBody>
+          <a:bodyPr wrap="square" rtlCol="0">
+            <a:spAutoFit/>
+          </a:bodyPr>
+          <a:p>
+            <a:r>
+              <a:rPr lang="en-US" sz="1000"/>
+              <a:t>level1</a:t>
+            </a:r>
+            <a:endParaRPr lang="en-US" sz="1000"/>
+          </a:p>
+        </p:txBody>
+      </p:sp>
+      <p:sp>
+        <p:nvSpPr>
+          <p:cNvPr id="43" name="文本框 42"/>
+          <p:cNvSpPr txBox="1"/>
+          <p:nvPr/>
+        </p:nvSpPr>
+        <p:spPr>
+          <a:xfrm>
+            <a:off x="10426700" y="5408295"/>
+            <a:ext cx="635635" cy="245110"/>
+          </a:xfrm>
+          <a:prstGeom prst="rect">
+            <a:avLst/>
+          </a:prstGeom>
+          <a:noFill/>
+        </p:spPr>
+        <p:txBody>
+          <a:bodyPr wrap="square" rtlCol="0">
+            <a:spAutoFit/>
+          </a:bodyPr>
+          <a:p>
+            <a:r>
+              <a:rPr lang="en-US" sz="1000"/>
+              <a:t>level0</a:t>
+            </a:r>
+            <a:endParaRPr lang="en-US" sz="1000"/>
+          </a:p>
+        </p:txBody>
+      </p:sp>
+      <p:pic>
+        <p:nvPicPr>
+          <p:cNvPr id="6" name="图片 5"/>
+          <p:cNvPicPr>
+            <a:picLocks noChangeAspect="1"/>
+          </p:cNvPicPr>
+          <p:nvPr/>
+        </p:nvPicPr>
+        <p:blipFill>
+          <a:blip r:embed="rId3"/>
+          <a:stretch>
+            <a:fillRect/>
+          </a:stretch>
+        </p:blipFill>
+        <p:spPr>
+          <a:xfrm>
+            <a:off x="10619740" y="5080000"/>
+            <a:ext cx="203200" cy="203200"/>
+          </a:xfrm>
+          <a:prstGeom prst="rect">
+            <a:avLst/>
+          </a:prstGeom>
+        </p:spPr>
+      </p:pic>
+      <p:pic>
+        <p:nvPicPr>
+          <p:cNvPr id="33" name="图片 32"/>
+          <p:cNvPicPr>
+            <a:picLocks noChangeAspect="1"/>
+          </p:cNvPicPr>
+          <p:nvPr/>
+        </p:nvPicPr>
+        <p:blipFill>
+          <a:blip r:embed="rId4"/>
+          <a:stretch>
+            <a:fillRect/>
+          </a:stretch>
+        </p:blipFill>
+        <p:spPr>
+          <a:xfrm>
+            <a:off x="7395210" y="4378960"/>
+            <a:ext cx="998855" cy="1346200"/>
+          </a:xfrm>
+          <a:prstGeom prst="rect">
+            <a:avLst/>
+          </a:prstGeom>
+        </p:spPr>
+      </p:pic>
+      <p:sp>
+        <p:nvSpPr>
+          <p:cNvPr id="27" name="右箭头 26"/>
+          <p:cNvSpPr/>
+          <p:nvPr/>
+        </p:nvSpPr>
+        <p:spPr>
+          <a:xfrm>
+            <a:off x="2000250" y="4530725"/>
+            <a:ext cx="1351280" cy="878205"/>
+          </a:xfrm>
+          <a:prstGeom prst="rightArrow">
+            <a:avLst/>
+          </a:prstGeom>
+        </p:spPr>
+        <p:style>
+          <a:lnRef idx="2">
+            <a:schemeClr val="accent1">
+              <a:shade val="50000"/>
+            </a:schemeClr>
+          </a:lnRef>
+          <a:fillRef idx="1">
+            <a:schemeClr val="accent1"/>
+          </a:fillRef>
+          <a:effectRef idx="0">
+            <a:schemeClr val="accent1"/>
+          </a:effectRef>
+          <a:fontRef idx="minor">
+            <a:schemeClr val="lt1"/>
+          </a:fontRef>
+        </p:style>
+        <p:txBody>
+          <a:bodyPr rtlCol="0" anchor="ctr"/>
+          <a:p>
+            <a:pPr algn="ctr">
+              <a:lnSpc>
+                <a:spcPct val="70000"/>
+              </a:lnSpc>
+              <a:buClrTx/>
+              <a:buSzTx/>
+              <a:buFontTx/>
+            </a:pPr>
+            <a:r>
+              <a:rPr lang="zh-CN" altLang="en-US" dirty="0">
+                <a:sym typeface="+mn-ea"/>
+              </a:rPr>
               <a:t>skeleton  extraction</a:t>
             </a:r>
             <a:endParaRPr lang="zh-CN" altLang="en-US"/>
+          </a:p>
+        </p:txBody>
+      </p:sp>
+      <p:pic>
+        <p:nvPicPr>
+          <p:cNvPr id="25" name="图片 24"/>
+          <p:cNvPicPr>
+            <a:picLocks noChangeAspect="1"/>
+          </p:cNvPicPr>
+          <p:nvPr/>
+        </p:nvPicPr>
+        <p:blipFill>
+          <a:blip r:embed="rId5"/>
+          <a:stretch>
+            <a:fillRect/>
+          </a:stretch>
+        </p:blipFill>
+        <p:spPr>
+          <a:xfrm>
+            <a:off x="1549400" y="1626235"/>
+            <a:ext cx="831850" cy="1461135"/>
+          </a:xfrm>
+          <a:prstGeom prst="rect">
+            <a:avLst/>
+          </a:prstGeom>
+        </p:spPr>
+      </p:pic>
+      <p:sp>
+        <p:nvSpPr>
+          <p:cNvPr id="35" name="五边形 34"/>
+          <p:cNvSpPr/>
+          <p:nvPr/>
+        </p:nvSpPr>
+        <p:spPr>
+          <a:xfrm>
+            <a:off x="857885" y="815975"/>
+            <a:ext cx="2040255" cy="336550"/>
+          </a:xfrm>
+          <a:prstGeom prst="homePlate">
+            <a:avLst/>
+          </a:prstGeom>
+          <a:effectLst>
+            <a:outerShdw blurRad="88900" dir="19140000" algn="bl" rotWithShape="0">
+              <a:prstClr val="black">
+                <a:alpha val="40000"/>
+              </a:prstClr>
+            </a:outerShdw>
+          </a:effectLst>
+        </p:spPr>
+        <p:style>
+          <a:lnRef idx="3">
+            <a:schemeClr val="lt1"/>
+          </a:lnRef>
+          <a:fillRef idx="1">
+            <a:schemeClr val="accent6"/>
+          </a:fillRef>
+          <a:effectRef idx="1">
+            <a:schemeClr val="accent6"/>
+          </a:effectRef>
+          <a:fontRef idx="minor">
+            <a:schemeClr val="lt1"/>
+          </a:fontRef>
+        </p:style>
+        <p:txBody>
+          <a:bodyPr rtlCol="0" anchor="ctr"/>
+          <a:p>
+            <a:pPr algn="ctr"/>
+            <a:r>
+              <a:rPr lang="zh-CN" altLang="en-US" b="1"/>
+              <a:t>制作</a:t>
+            </a:r>
+            <a:r>
+              <a:rPr lang="zh-CN" altLang="en-US" b="1"/>
+              <a:t>起始帧</a:t>
+            </a:r>
+            <a:endParaRPr lang="zh-CN" altLang="en-US" b="1"/>
+          </a:p>
+        </p:txBody>
+      </p:sp>
+      <p:sp>
+        <p:nvSpPr>
+          <p:cNvPr id="47" name="五边形 46"/>
+          <p:cNvSpPr/>
+          <p:nvPr/>
+        </p:nvSpPr>
+        <p:spPr>
+          <a:xfrm>
+            <a:off x="3351530" y="799465"/>
+            <a:ext cx="2040255" cy="336550"/>
+          </a:xfrm>
+          <a:prstGeom prst="homePlate">
+            <a:avLst/>
+          </a:prstGeom>
+          <a:effectLst>
+            <a:outerShdw blurRad="88900" dir="19140000" algn="bl" rotWithShape="0">
+              <a:prstClr val="black">
+                <a:alpha val="40000"/>
+              </a:prstClr>
+            </a:outerShdw>
+          </a:effectLst>
+        </p:spPr>
+        <p:style>
+          <a:lnRef idx="3">
+            <a:schemeClr val="lt1"/>
+          </a:lnRef>
+          <a:fillRef idx="1">
+            <a:schemeClr val="accent6"/>
+          </a:fillRef>
+          <a:effectRef idx="1">
+            <a:schemeClr val="accent6"/>
+          </a:effectRef>
+          <a:fontRef idx="minor">
+            <a:schemeClr val="lt1"/>
+          </a:fontRef>
+        </p:style>
+        <p:txBody>
+          <a:bodyPr rtlCol="0" anchor="ctr"/>
+          <a:p>
+            <a:pPr algn="ctr"/>
+            <a:r>
+              <a:rPr lang="zh-CN" altLang="en-US" b="1"/>
+              <a:t>制作末尾</a:t>
+            </a:r>
+            <a:r>
+              <a:rPr lang="zh-CN" altLang="en-US" b="1"/>
+              <a:t>帧</a:t>
+            </a:r>
+            <a:endParaRPr lang="zh-CN" altLang="en-US" b="1"/>
+          </a:p>
+        </p:txBody>
+      </p:sp>
+      <p:pic>
+        <p:nvPicPr>
+          <p:cNvPr id="48" name="图片 47"/>
+          <p:cNvPicPr>
+            <a:picLocks noChangeAspect="1"/>
+          </p:cNvPicPr>
+          <p:nvPr/>
+        </p:nvPicPr>
+        <p:blipFill>
+          <a:blip r:embed="rId6"/>
+          <a:stretch>
+            <a:fillRect/>
+          </a:stretch>
+        </p:blipFill>
+        <p:spPr>
+          <a:xfrm>
+            <a:off x="3834130" y="1626235"/>
+            <a:ext cx="899160" cy="1490980"/>
+          </a:xfrm>
+          <a:prstGeom prst="rect">
+            <a:avLst/>
+          </a:prstGeom>
+        </p:spPr>
+      </p:pic>
+      <p:sp>
+        <p:nvSpPr>
+          <p:cNvPr id="54" name="五边形 53"/>
+          <p:cNvSpPr/>
+          <p:nvPr/>
+        </p:nvSpPr>
+        <p:spPr>
+          <a:xfrm>
+            <a:off x="7512685" y="739775"/>
+            <a:ext cx="2040255" cy="336550"/>
+          </a:xfrm>
+          <a:prstGeom prst="homePlate">
+            <a:avLst/>
+          </a:prstGeom>
+          <a:effectLst>
+            <a:outerShdw blurRad="88900" dir="19140000" algn="bl" rotWithShape="0">
+              <a:prstClr val="black">
+                <a:alpha val="40000"/>
+              </a:prstClr>
+            </a:outerShdw>
+          </a:effectLst>
+        </p:spPr>
+        <p:style>
+          <a:lnRef idx="3">
+            <a:schemeClr val="lt1"/>
+          </a:lnRef>
+          <a:fillRef idx="1">
+            <a:schemeClr val="accent6"/>
+          </a:fillRef>
+          <a:effectRef idx="1">
+            <a:schemeClr val="accent6"/>
+          </a:effectRef>
+          <a:fontRef idx="minor">
+            <a:schemeClr val="lt1"/>
+          </a:fontRef>
+        </p:style>
+        <p:txBody>
+          <a:bodyPr rtlCol="0" anchor="ctr"/>
+          <a:p>
+            <a:pPr algn="ctr"/>
+            <a:r>
+              <a:rPr lang="zh-CN" altLang="en-US" b="1"/>
+              <a:t>计算过渡帧</a:t>
+            </a:r>
+            <a:endParaRPr lang="zh-CN" altLang="en-US" b="1"/>
+          </a:p>
+        </p:txBody>
+      </p:sp>
+      <p:pic>
+        <p:nvPicPr>
+          <p:cNvPr id="55" name="图片 54"/>
+          <p:cNvPicPr>
+            <a:picLocks noChangeAspect="1"/>
+          </p:cNvPicPr>
+          <p:nvPr/>
+        </p:nvPicPr>
+        <p:blipFill>
+          <a:blip r:embed="rId7"/>
+          <a:stretch>
+            <a:fillRect/>
+          </a:stretch>
+        </p:blipFill>
+        <p:spPr>
+          <a:xfrm>
+            <a:off x="8432800" y="1626235"/>
+            <a:ext cx="815340" cy="1477645"/>
+          </a:xfrm>
+          <a:prstGeom prst="rect">
+            <a:avLst/>
+          </a:prstGeom>
+        </p:spPr>
+      </p:pic>
+      <p:pic>
+        <p:nvPicPr>
+          <p:cNvPr id="56" name="图片 55"/>
+          <p:cNvPicPr>
+            <a:picLocks noChangeAspect="1"/>
+          </p:cNvPicPr>
+          <p:nvPr/>
+        </p:nvPicPr>
+        <p:blipFill>
+          <a:blip r:embed="rId8"/>
+          <a:stretch>
+            <a:fillRect/>
+          </a:stretch>
+        </p:blipFill>
+        <p:spPr>
+          <a:xfrm>
+            <a:off x="7440295" y="1626235"/>
+            <a:ext cx="834390" cy="1477645"/>
+          </a:xfrm>
+          <a:prstGeom prst="rect">
+            <a:avLst/>
+          </a:prstGeom>
+        </p:spPr>
+      </p:pic>
+      <p:pic>
+        <p:nvPicPr>
+          <p:cNvPr id="57" name="图片 56"/>
+          <p:cNvPicPr>
+            <a:picLocks noChangeAspect="1"/>
+          </p:cNvPicPr>
+          <p:nvPr/>
+        </p:nvPicPr>
+        <p:blipFill>
+          <a:blip r:embed="rId9"/>
+          <a:stretch>
+            <a:fillRect/>
+          </a:stretch>
+        </p:blipFill>
+        <p:spPr>
+          <a:xfrm>
+            <a:off x="9394825" y="1600200"/>
+            <a:ext cx="748665" cy="1486535"/>
+          </a:xfrm>
+          <a:prstGeom prst="rect">
+            <a:avLst/>
+          </a:prstGeom>
+        </p:spPr>
+      </p:pic>
+      <p:pic>
+        <p:nvPicPr>
+          <p:cNvPr id="58" name="图片 57"/>
+          <p:cNvPicPr>
+            <a:picLocks noChangeAspect="1"/>
+          </p:cNvPicPr>
+          <p:nvPr/>
+        </p:nvPicPr>
+        <p:blipFill>
+          <a:blip r:embed="rId6"/>
+          <a:stretch>
+            <a:fillRect/>
+          </a:stretch>
+        </p:blipFill>
+        <p:spPr>
+          <a:xfrm>
+            <a:off x="10248265" y="1626235"/>
+            <a:ext cx="862965" cy="1431290"/>
+          </a:xfrm>
+          <a:prstGeom prst="rect">
+            <a:avLst/>
+          </a:prstGeom>
+        </p:spPr>
+      </p:pic>
+      <p:pic>
+        <p:nvPicPr>
+          <p:cNvPr id="59" name="图片 58"/>
+          <p:cNvPicPr>
+            <a:picLocks noChangeAspect="1"/>
+          </p:cNvPicPr>
+          <p:nvPr/>
+        </p:nvPicPr>
+        <p:blipFill>
+          <a:blip r:embed="rId5"/>
+          <a:stretch>
+            <a:fillRect/>
+          </a:stretch>
+        </p:blipFill>
+        <p:spPr>
+          <a:xfrm>
+            <a:off x="6462395" y="1640840"/>
+            <a:ext cx="831850" cy="1461135"/>
+          </a:xfrm>
+          <a:prstGeom prst="rect">
+            <a:avLst/>
+          </a:prstGeom>
+        </p:spPr>
+      </p:pic>
+      <p:pic>
+        <p:nvPicPr>
+          <p:cNvPr id="60" name="图片 59"/>
+          <p:cNvPicPr>
+            <a:picLocks noChangeAspect="1"/>
+          </p:cNvPicPr>
+          <p:nvPr/>
+        </p:nvPicPr>
+        <p:blipFill>
+          <a:blip r:embed="rId4"/>
+          <a:stretch>
+            <a:fillRect/>
+          </a:stretch>
+        </p:blipFill>
+        <p:spPr>
+          <a:xfrm>
+            <a:off x="857885" y="4131310"/>
+            <a:ext cx="998855" cy="1346200"/>
+          </a:xfrm>
+          <a:prstGeom prst="rect">
+            <a:avLst/>
+          </a:prstGeom>
+        </p:spPr>
+      </p:pic>
+      <p:pic>
+        <p:nvPicPr>
+          <p:cNvPr id="68" name="图片 1" descr="骨骼"/>
+          <p:cNvPicPr>
+            <a:picLocks noChangeAspect="1"/>
+          </p:cNvPicPr>
+          <p:nvPr/>
+        </p:nvPicPr>
+        <p:blipFill>
+          <a:blip r:embed="rId10"/>
+          <a:stretch>
+            <a:fillRect/>
+          </a:stretch>
+        </p:blipFill>
+        <p:spPr>
+          <a:xfrm>
+            <a:off x="3464560" y="3958908"/>
+            <a:ext cx="748030" cy="1689735"/>
+          </a:xfrm>
+          <a:prstGeom prst="rect">
+            <a:avLst/>
+          </a:prstGeom>
+        </p:spPr>
+      </p:pic>
+      <p:pic>
+        <p:nvPicPr>
+          <p:cNvPr id="71" name="图片 70"/>
+          <p:cNvPicPr>
+            <a:picLocks noChangeAspect="1"/>
+          </p:cNvPicPr>
+          <p:nvPr/>
+        </p:nvPicPr>
+        <p:blipFill>
+          <a:blip r:embed="rId11"/>
+          <a:stretch>
+            <a:fillRect/>
+          </a:stretch>
+        </p:blipFill>
+        <p:spPr>
+          <a:xfrm>
+            <a:off x="4909185" y="5308600"/>
+            <a:ext cx="3365500" cy="2148205"/>
+          </a:xfrm>
+          <a:prstGeom prst="rect">
+            <a:avLst/>
+          </a:prstGeom>
+        </p:spPr>
+      </p:pic>
+    </p:spTree>
+  </p:cSld>
+  <p:clrMapOvr>
+    <a:masterClrMapping/>
+  </p:clrMapOvr>
+</p:sld>
+</file>
+
+<file path=ppt/slides/slide4.xml><?xml version="1.0" encoding="utf-8"?>
+<p:sld xmlns:a="http://schemas.openxmlformats.org/drawingml/2006/main" xmlns:r="http://schemas.openxmlformats.org/officeDocument/2006/relationships" xmlns:p="http://schemas.openxmlformats.org/presentationml/2006/main">
+  <p:cSld>
+    <p:spTree>
+      <p:nvGrpSpPr>
+        <p:cNvPr id="1" name=""/>
+        <p:cNvGrpSpPr/>
+        <p:nvPr/>
+      </p:nvGrpSpPr>
+      <p:grpSpPr>
+        <a:xfrm>
+          <a:off x="0" y="0"/>
+          <a:ext cx="0" cy="0"/>
+          <a:chOff x="0" y="0"/>
+          <a:chExt cx="0" cy="0"/>
+        </a:xfrm>
+      </p:grpSpPr>
+      <p:sp>
+        <p:nvSpPr>
+          <p:cNvPr id="8" name="矩形 7"/>
+          <p:cNvSpPr/>
+          <p:nvPr/>
+        </p:nvSpPr>
+        <p:spPr>
+          <a:xfrm>
+            <a:off x="402590" y="3368040"/>
+            <a:ext cx="11276965" cy="2968625"/>
+          </a:xfrm>
+          <a:prstGeom prst="rect">
+            <a:avLst/>
+          </a:prstGeom>
+          <a:solidFill>
+            <a:schemeClr val="accent1">
+              <a:lumMod val="20000"/>
+              <a:lumOff val="80000"/>
+            </a:schemeClr>
+          </a:solidFill>
+        </p:spPr>
+        <p:style>
+          <a:lnRef idx="1">
+            <a:schemeClr val="accent3"/>
+          </a:lnRef>
+          <a:fillRef idx="2">
+            <a:schemeClr val="accent3"/>
+          </a:fillRef>
+          <a:effectRef idx="1">
+            <a:schemeClr val="accent3"/>
+          </a:effectRef>
+          <a:fontRef idx="minor">
+            <a:schemeClr val="dk1"/>
+          </a:fontRef>
+        </p:style>
+        <p:txBody>
+          <a:bodyPr rtlCol="0" anchor="ctr"/>
+          <a:p>
+            <a:pPr algn="ctr"/>
+            <a:endParaRPr lang="zh-CN" altLang="en-US"/>
+          </a:p>
+        </p:txBody>
+      </p:sp>
+      <p:sp>
+        <p:nvSpPr>
+          <p:cNvPr id="70" name="矩形 69"/>
+          <p:cNvSpPr/>
+          <p:nvPr/>
+        </p:nvSpPr>
+        <p:spPr>
+          <a:xfrm>
+            <a:off x="299085" y="94615"/>
+            <a:ext cx="11783695" cy="6321425"/>
+          </a:xfrm>
+          <a:prstGeom prst="rect">
+            <a:avLst/>
+          </a:prstGeom>
+          <a:noFill/>
+          <a:ln w="28575">
+            <a:solidFill>
+              <a:schemeClr val="accent1">
+                <a:lumMod val="40000"/>
+                <a:lumOff val="60000"/>
+              </a:schemeClr>
+            </a:solidFill>
+            <a:prstDash val="sysDash"/>
+          </a:ln>
+        </p:spPr>
+        <p:style>
+          <a:lnRef idx="2">
+            <a:schemeClr val="accent1">
+              <a:shade val="50000"/>
+            </a:schemeClr>
+          </a:lnRef>
+          <a:fillRef idx="1">
+            <a:schemeClr val="accent1"/>
+          </a:fillRef>
+          <a:effectRef idx="0">
+            <a:schemeClr val="accent1"/>
+          </a:effectRef>
+          <a:fontRef idx="minor">
+            <a:schemeClr val="lt1"/>
+          </a:fontRef>
+        </p:style>
+        <p:txBody>
+          <a:bodyPr rtlCol="0" anchor="ctr"/>
+          <a:lstStyle/>
+          <a:p>
+            <a:pPr algn="ctr"/>
+            <a:endParaRPr lang="zh-CN" altLang="en-US"/>
+          </a:p>
+        </p:txBody>
+      </p:sp>
+      <p:pic>
+        <p:nvPicPr>
+          <p:cNvPr id="25" name="图片 24"/>
+          <p:cNvPicPr>
+            <a:picLocks noChangeAspect="1"/>
+          </p:cNvPicPr>
+          <p:nvPr/>
+        </p:nvPicPr>
+        <p:blipFill>
+          <a:blip r:embed="rId1"/>
+          <a:stretch>
+            <a:fillRect/>
+          </a:stretch>
+        </p:blipFill>
+        <p:spPr>
+          <a:xfrm>
+            <a:off x="1549400" y="4521835"/>
+            <a:ext cx="831850" cy="1461135"/>
+          </a:xfrm>
+          <a:prstGeom prst="rect">
+            <a:avLst/>
+          </a:prstGeom>
+        </p:spPr>
+      </p:pic>
+      <p:sp>
+        <p:nvSpPr>
+          <p:cNvPr id="35" name="五边形 34"/>
+          <p:cNvSpPr/>
+          <p:nvPr/>
+        </p:nvSpPr>
+        <p:spPr>
+          <a:xfrm>
+            <a:off x="857885" y="3711575"/>
+            <a:ext cx="2040255" cy="336550"/>
+          </a:xfrm>
+          <a:prstGeom prst="homePlate">
+            <a:avLst/>
+          </a:prstGeom>
+          <a:effectLst>
+            <a:outerShdw blurRad="88900" dir="19140000" algn="bl" rotWithShape="0">
+              <a:prstClr val="black">
+                <a:alpha val="40000"/>
+              </a:prstClr>
+            </a:outerShdw>
+          </a:effectLst>
+        </p:spPr>
+        <p:style>
+          <a:lnRef idx="3">
+            <a:schemeClr val="lt1"/>
+          </a:lnRef>
+          <a:fillRef idx="1">
+            <a:schemeClr val="accent6"/>
+          </a:fillRef>
+          <a:effectRef idx="1">
+            <a:schemeClr val="accent6"/>
+          </a:effectRef>
+          <a:fontRef idx="minor">
+            <a:schemeClr val="lt1"/>
+          </a:fontRef>
+        </p:style>
+        <p:txBody>
+          <a:bodyPr rtlCol="0" anchor="ctr"/>
+          <a:p>
+            <a:pPr algn="ctr"/>
+            <a:r>
+              <a:rPr lang="zh-CN" altLang="en-US" b="1"/>
+              <a:t>制作</a:t>
+            </a:r>
+            <a:r>
+              <a:rPr lang="zh-CN" altLang="en-US" b="1"/>
+              <a:t>起始帧</a:t>
+            </a:r>
+            <a:endParaRPr lang="zh-CN" altLang="en-US" b="1"/>
+          </a:p>
+        </p:txBody>
+      </p:sp>
+      <p:sp>
+        <p:nvSpPr>
+          <p:cNvPr id="47" name="五边形 46"/>
+          <p:cNvSpPr/>
+          <p:nvPr/>
+        </p:nvSpPr>
+        <p:spPr>
+          <a:xfrm>
+            <a:off x="3351530" y="3695065"/>
+            <a:ext cx="2040255" cy="336550"/>
+          </a:xfrm>
+          <a:prstGeom prst="homePlate">
+            <a:avLst/>
+          </a:prstGeom>
+          <a:effectLst>
+            <a:outerShdw blurRad="88900" dir="19140000" algn="bl" rotWithShape="0">
+              <a:prstClr val="black">
+                <a:alpha val="40000"/>
+              </a:prstClr>
+            </a:outerShdw>
+          </a:effectLst>
+        </p:spPr>
+        <p:style>
+          <a:lnRef idx="3">
+            <a:schemeClr val="lt1"/>
+          </a:lnRef>
+          <a:fillRef idx="1">
+            <a:schemeClr val="accent6"/>
+          </a:fillRef>
+          <a:effectRef idx="1">
+            <a:schemeClr val="accent6"/>
+          </a:effectRef>
+          <a:fontRef idx="minor">
+            <a:schemeClr val="lt1"/>
+          </a:fontRef>
+        </p:style>
+        <p:txBody>
+          <a:bodyPr rtlCol="0" anchor="ctr"/>
+          <a:p>
+            <a:pPr algn="ctr"/>
+            <a:r>
+              <a:rPr lang="zh-CN" altLang="en-US" b="1"/>
+              <a:t>制作末尾</a:t>
+            </a:r>
+            <a:r>
+              <a:rPr lang="zh-CN" altLang="en-US" b="1"/>
+              <a:t>帧</a:t>
+            </a:r>
+            <a:endParaRPr lang="zh-CN" altLang="en-US" b="1"/>
+          </a:p>
+        </p:txBody>
+      </p:sp>
+      <p:pic>
+        <p:nvPicPr>
+          <p:cNvPr id="48" name="图片 47"/>
+          <p:cNvPicPr>
+            <a:picLocks noChangeAspect="1"/>
+          </p:cNvPicPr>
+          <p:nvPr/>
+        </p:nvPicPr>
+        <p:blipFill>
+          <a:blip r:embed="rId2"/>
+          <a:stretch>
+            <a:fillRect/>
+          </a:stretch>
+        </p:blipFill>
+        <p:spPr>
+          <a:xfrm>
+            <a:off x="3834130" y="4521835"/>
+            <a:ext cx="899160" cy="1490980"/>
+          </a:xfrm>
+          <a:prstGeom prst="rect">
+            <a:avLst/>
+          </a:prstGeom>
+        </p:spPr>
+      </p:pic>
+      <p:sp>
+        <p:nvSpPr>
+          <p:cNvPr id="54" name="五边形 53"/>
+          <p:cNvSpPr/>
+          <p:nvPr/>
+        </p:nvSpPr>
+        <p:spPr>
+          <a:xfrm>
+            <a:off x="7512685" y="3635375"/>
+            <a:ext cx="2040255" cy="336550"/>
+          </a:xfrm>
+          <a:prstGeom prst="homePlate">
+            <a:avLst/>
+          </a:prstGeom>
+          <a:effectLst>
+            <a:outerShdw blurRad="88900" dir="19140000" algn="bl" rotWithShape="0">
+              <a:prstClr val="black">
+                <a:alpha val="40000"/>
+              </a:prstClr>
+            </a:outerShdw>
+          </a:effectLst>
+        </p:spPr>
+        <p:style>
+          <a:lnRef idx="3">
+            <a:schemeClr val="lt1"/>
+          </a:lnRef>
+          <a:fillRef idx="1">
+            <a:schemeClr val="accent6"/>
+          </a:fillRef>
+          <a:effectRef idx="1">
+            <a:schemeClr val="accent6"/>
+          </a:effectRef>
+          <a:fontRef idx="minor">
+            <a:schemeClr val="lt1"/>
+          </a:fontRef>
+        </p:style>
+        <p:txBody>
+          <a:bodyPr rtlCol="0" anchor="ctr"/>
+          <a:p>
+            <a:pPr algn="ctr"/>
+            <a:r>
+              <a:rPr lang="zh-CN" altLang="en-US" b="1"/>
+              <a:t>计算过渡帧</a:t>
+            </a:r>
+            <a:endParaRPr lang="zh-CN" altLang="en-US" b="1"/>
+          </a:p>
+        </p:txBody>
+      </p:sp>
+      <p:pic>
+        <p:nvPicPr>
+          <p:cNvPr id="55" name="图片 54"/>
+          <p:cNvPicPr>
+            <a:picLocks noChangeAspect="1"/>
+          </p:cNvPicPr>
+          <p:nvPr/>
+        </p:nvPicPr>
+        <p:blipFill>
+          <a:blip r:embed="rId3"/>
+          <a:stretch>
+            <a:fillRect/>
+          </a:stretch>
+        </p:blipFill>
+        <p:spPr>
+          <a:xfrm>
+            <a:off x="8432800" y="4521835"/>
+            <a:ext cx="815340" cy="1477645"/>
+          </a:xfrm>
+          <a:prstGeom prst="rect">
+            <a:avLst/>
+          </a:prstGeom>
+        </p:spPr>
+      </p:pic>
+      <p:pic>
+        <p:nvPicPr>
+          <p:cNvPr id="56" name="图片 55"/>
+          <p:cNvPicPr>
+            <a:picLocks noChangeAspect="1"/>
+          </p:cNvPicPr>
+          <p:nvPr/>
+        </p:nvPicPr>
+        <p:blipFill>
+          <a:blip r:embed="rId4"/>
+          <a:stretch>
+            <a:fillRect/>
+          </a:stretch>
+        </p:blipFill>
+        <p:spPr>
+          <a:xfrm>
+            <a:off x="7440295" y="4521835"/>
+            <a:ext cx="834390" cy="1477645"/>
+          </a:xfrm>
+          <a:prstGeom prst="rect">
+            <a:avLst/>
+          </a:prstGeom>
+        </p:spPr>
+      </p:pic>
+      <p:pic>
+        <p:nvPicPr>
+          <p:cNvPr id="57" name="图片 56"/>
+          <p:cNvPicPr>
+            <a:picLocks noChangeAspect="1"/>
+          </p:cNvPicPr>
+          <p:nvPr/>
+        </p:nvPicPr>
+        <p:blipFill>
+          <a:blip r:embed="rId5"/>
+          <a:stretch>
+            <a:fillRect/>
+          </a:stretch>
+        </p:blipFill>
+        <p:spPr>
+          <a:xfrm>
+            <a:off x="9394825" y="4495800"/>
+            <a:ext cx="748665" cy="1486535"/>
+          </a:xfrm>
+          <a:prstGeom prst="rect">
+            <a:avLst/>
+          </a:prstGeom>
+        </p:spPr>
+      </p:pic>
+      <p:pic>
+        <p:nvPicPr>
+          <p:cNvPr id="58" name="图片 57"/>
+          <p:cNvPicPr>
+            <a:picLocks noChangeAspect="1"/>
+          </p:cNvPicPr>
+          <p:nvPr/>
+        </p:nvPicPr>
+        <p:blipFill>
+          <a:blip r:embed="rId2"/>
+          <a:stretch>
+            <a:fillRect/>
+          </a:stretch>
+        </p:blipFill>
+        <p:spPr>
+          <a:xfrm>
+            <a:off x="10248265" y="4521835"/>
+            <a:ext cx="862965" cy="1431290"/>
+          </a:xfrm>
+          <a:prstGeom prst="rect">
+            <a:avLst/>
+          </a:prstGeom>
+        </p:spPr>
+      </p:pic>
+      <p:pic>
+        <p:nvPicPr>
+          <p:cNvPr id="59" name="图片 58"/>
+          <p:cNvPicPr>
+            <a:picLocks noChangeAspect="1"/>
+          </p:cNvPicPr>
+          <p:nvPr/>
+        </p:nvPicPr>
+        <p:blipFill>
+          <a:blip r:embed="rId1"/>
+          <a:stretch>
+            <a:fillRect/>
+          </a:stretch>
+        </p:blipFill>
+        <p:spPr>
+          <a:xfrm>
+            <a:off x="6462395" y="4536440"/>
+            <a:ext cx="831850" cy="1461135"/>
+          </a:xfrm>
+          <a:prstGeom prst="rect">
+            <a:avLst/>
+          </a:prstGeom>
+        </p:spPr>
+      </p:pic>
+      <p:sp>
+        <p:nvSpPr>
+          <p:cNvPr id="2" name="矩形 1"/>
+          <p:cNvSpPr/>
+          <p:nvPr/>
+        </p:nvSpPr>
+        <p:spPr>
+          <a:xfrm>
+            <a:off x="402590" y="262255"/>
+            <a:ext cx="11276965" cy="2968625"/>
+          </a:xfrm>
+          <a:prstGeom prst="rect">
+            <a:avLst/>
+          </a:prstGeom>
+          <a:solidFill>
+            <a:schemeClr val="accent1">
+              <a:lumMod val="20000"/>
+              <a:lumOff val="80000"/>
+            </a:schemeClr>
+          </a:solidFill>
+        </p:spPr>
+        <p:style>
+          <a:lnRef idx="1">
+            <a:schemeClr val="accent3"/>
+          </a:lnRef>
+          <a:fillRef idx="2">
+            <a:schemeClr val="accent3"/>
+          </a:fillRef>
+          <a:effectRef idx="1">
+            <a:schemeClr val="accent3"/>
+          </a:effectRef>
+          <a:fontRef idx="minor">
+            <a:schemeClr val="dk1"/>
+          </a:fontRef>
+        </p:style>
+        <p:txBody>
+          <a:bodyPr rtlCol="0" anchor="ctr"/>
+          <a:p>
+            <a:pPr algn="ctr"/>
+            <a:endParaRPr lang="zh-CN" altLang="en-US"/>
+          </a:p>
+        </p:txBody>
+      </p:sp>
+      <p:sp>
+        <p:nvSpPr>
+          <p:cNvPr id="3" name="圆角矩形 2"/>
+          <p:cNvSpPr/>
+          <p:nvPr/>
+        </p:nvSpPr>
+        <p:spPr>
+          <a:xfrm>
+            <a:off x="472440" y="3267075"/>
+            <a:ext cx="1327785" cy="336550"/>
+          </a:xfrm>
+          <a:prstGeom prst="roundRect">
+            <a:avLst/>
+          </a:prstGeom>
+        </p:spPr>
+        <p:style>
+          <a:lnRef idx="2">
+            <a:schemeClr val="accent1">
+              <a:shade val="50000"/>
+            </a:schemeClr>
+          </a:lnRef>
+          <a:fillRef idx="1">
+            <a:schemeClr val="accent1"/>
+          </a:fillRef>
+          <a:effectRef idx="0">
+            <a:schemeClr val="accent1"/>
+          </a:effectRef>
+          <a:fontRef idx="minor">
+            <a:schemeClr val="lt1"/>
+          </a:fontRef>
+        </p:style>
+        <p:txBody>
+          <a:bodyPr rtlCol="0" anchor="ctr"/>
+          <a:p>
+            <a:pPr algn="ctr"/>
+            <a:r>
+              <a:rPr lang="zh-CN" altLang="en-US"/>
+              <a:t>动画制作</a:t>
+            </a:r>
+            <a:endParaRPr lang="zh-CN" altLang="en-US"/>
+          </a:p>
+        </p:txBody>
+      </p:sp>
+      <p:sp>
+        <p:nvSpPr>
+          <p:cNvPr id="4" name="圆角矩形 3"/>
+          <p:cNvSpPr/>
+          <p:nvPr/>
+        </p:nvSpPr>
+        <p:spPr>
+          <a:xfrm>
+            <a:off x="472440" y="161290"/>
+            <a:ext cx="1327785" cy="336550"/>
+          </a:xfrm>
+          <a:prstGeom prst="roundRect">
+            <a:avLst/>
+          </a:prstGeom>
+        </p:spPr>
+        <p:style>
+          <a:lnRef idx="2">
+            <a:schemeClr val="accent1">
+              <a:shade val="50000"/>
+            </a:schemeClr>
+          </a:lnRef>
+          <a:fillRef idx="1">
+            <a:schemeClr val="accent1"/>
+          </a:fillRef>
+          <a:effectRef idx="0">
+            <a:schemeClr val="accent1"/>
+          </a:effectRef>
+          <a:fontRef idx="minor">
+            <a:schemeClr val="lt1"/>
+          </a:fontRef>
+        </p:style>
+        <p:txBody>
+          <a:bodyPr rtlCol="0" anchor="ctr"/>
+          <a:p>
+            <a:pPr algn="ctr"/>
+            <a:r>
+              <a:rPr lang="zh-CN" altLang="en-US"/>
+              <a:t>单帧制作</a:t>
+            </a:r>
+            <a:endParaRPr lang="zh-CN" altLang="en-US"/>
+          </a:p>
+        </p:txBody>
+      </p:sp>
+      <p:pic>
+        <p:nvPicPr>
+          <p:cNvPr id="5" name="图片 4"/>
+          <p:cNvPicPr>
+            <a:picLocks noChangeAspect="1"/>
+          </p:cNvPicPr>
+          <p:nvPr/>
+        </p:nvPicPr>
+        <p:blipFill>
+          <a:blip r:embed="rId6"/>
+          <a:stretch>
+            <a:fillRect/>
+          </a:stretch>
+        </p:blipFill>
+        <p:spPr>
+          <a:xfrm>
+            <a:off x="7814310" y="574675"/>
+            <a:ext cx="3365500" cy="2148205"/>
+          </a:xfrm>
+          <a:prstGeom prst="rect">
+            <a:avLst/>
+          </a:prstGeom>
+        </p:spPr>
+      </p:pic>
+      <p:sp>
+        <p:nvSpPr>
+          <p:cNvPr id="7" name="右箭头 6"/>
+          <p:cNvSpPr/>
+          <p:nvPr/>
+        </p:nvSpPr>
+        <p:spPr>
+          <a:xfrm>
+            <a:off x="4177665" y="1412875"/>
+            <a:ext cx="1315085" cy="783590"/>
+          </a:xfrm>
+          <a:prstGeom prst="rightArrow">
+            <a:avLst/>
+          </a:prstGeom>
+        </p:spPr>
+        <p:style>
+          <a:lnRef idx="2">
+            <a:schemeClr val="accent1">
+              <a:shade val="50000"/>
+            </a:schemeClr>
+          </a:lnRef>
+          <a:fillRef idx="1">
+            <a:schemeClr val="accent1"/>
+          </a:fillRef>
+          <a:effectRef idx="0">
+            <a:schemeClr val="accent1"/>
+          </a:effectRef>
+          <a:fontRef idx="minor">
+            <a:schemeClr val="lt1"/>
+          </a:fontRef>
+        </p:style>
+        <p:txBody>
+          <a:bodyPr rtlCol="0" anchor="ctr"/>
+          <a:p>
+            <a:pPr algn="ctr">
+              <a:lnSpc>
+                <a:spcPct val="70000"/>
+              </a:lnSpc>
+              <a:buClrTx/>
+              <a:buSzTx/>
+              <a:buFontTx/>
+            </a:pPr>
+            <a:r>
+              <a:rPr lang="zh-CN" altLang="en-US" dirty="0">
+                <a:sym typeface="+mn-ea"/>
+              </a:rPr>
+              <a:t>骨骼分析</a:t>
+            </a:r>
+            <a:endParaRPr lang="zh-CN" altLang="en-US" dirty="0">
+              <a:sym typeface="+mn-ea"/>
+            </a:endParaRPr>
+          </a:p>
+        </p:txBody>
+      </p:sp>
+      <p:pic>
+        <p:nvPicPr>
+          <p:cNvPr id="9" name="图片 8"/>
+          <p:cNvPicPr>
+            <a:picLocks noChangeAspect="1"/>
+          </p:cNvPicPr>
+          <p:nvPr/>
+        </p:nvPicPr>
+        <p:blipFill>
+          <a:blip r:embed="rId7"/>
+          <a:stretch>
+            <a:fillRect/>
+          </a:stretch>
+        </p:blipFill>
+        <p:spPr>
+          <a:xfrm>
+            <a:off x="857885" y="1066800"/>
+            <a:ext cx="998855" cy="1346200"/>
+          </a:xfrm>
+          <a:prstGeom prst="rect">
+            <a:avLst/>
+          </a:prstGeom>
+        </p:spPr>
+      </p:pic>
+      <p:pic>
+        <p:nvPicPr>
+          <p:cNvPr id="10" name="图片 1" descr="骨骼"/>
+          <p:cNvPicPr>
+            <a:picLocks noChangeAspect="1"/>
+          </p:cNvPicPr>
+          <p:nvPr/>
+        </p:nvPicPr>
+        <p:blipFill>
+          <a:blip r:embed="rId8"/>
+          <a:stretch>
+            <a:fillRect/>
+          </a:stretch>
+        </p:blipFill>
+        <p:spPr>
+          <a:xfrm>
+            <a:off x="5576570" y="998538"/>
+            <a:ext cx="748030" cy="1689735"/>
+          </a:xfrm>
+          <a:prstGeom prst="rect">
+            <a:avLst/>
+          </a:prstGeom>
+        </p:spPr>
+      </p:pic>
+      <p:pic>
+        <p:nvPicPr>
+          <p:cNvPr id="12" name="图片 11"/>
+          <p:cNvPicPr>
+            <a:picLocks noChangeAspect="1"/>
+          </p:cNvPicPr>
+          <p:nvPr/>
+        </p:nvPicPr>
+        <p:blipFill>
+          <a:blip r:embed="rId9">
+            <a:clrChange>
+              <a:clrFrom>
+                <a:srgbClr val="3C3C3C">
+                  <a:alpha val="100000"/>
+                </a:srgbClr>
+              </a:clrFrom>
+              <a:clrTo>
+                <a:srgbClr val="3C3C3C">
+                  <a:alpha val="100000"/>
+                  <a:alpha val="0"/>
+                </a:srgbClr>
+              </a:clrTo>
+            </a:clrChange>
+          </a:blip>
+          <a:stretch>
+            <a:fillRect/>
+          </a:stretch>
+        </p:blipFill>
+        <p:spPr>
+          <a:xfrm>
+            <a:off x="3298190" y="1066800"/>
+            <a:ext cx="788035" cy="1621790"/>
+          </a:xfrm>
+          <a:prstGeom prst="rect">
+            <a:avLst/>
+          </a:prstGeom>
+          <a:noFill/>
+          <a:ln w="9525">
+            <a:noFill/>
+          </a:ln>
+        </p:spPr>
+      </p:pic>
+      <p:sp>
+        <p:nvSpPr>
+          <p:cNvPr id="14" name="右箭头 13"/>
+          <p:cNvSpPr/>
+          <p:nvPr/>
+        </p:nvSpPr>
+        <p:spPr>
+          <a:xfrm>
+            <a:off x="1931670" y="1438275"/>
+            <a:ext cx="1337310" cy="758190"/>
+          </a:xfrm>
+          <a:prstGeom prst="rightArrow">
+            <a:avLst/>
+          </a:prstGeom>
+        </p:spPr>
+        <p:style>
+          <a:lnRef idx="2">
+            <a:schemeClr val="accent1">
+              <a:shade val="50000"/>
+            </a:schemeClr>
+          </a:lnRef>
+          <a:fillRef idx="1">
+            <a:schemeClr val="accent1"/>
+          </a:fillRef>
+          <a:effectRef idx="0">
+            <a:schemeClr val="accent1"/>
+          </a:effectRef>
+          <a:fontRef idx="minor">
+            <a:schemeClr val="lt1"/>
+          </a:fontRef>
+        </p:style>
+        <p:txBody>
+          <a:bodyPr rtlCol="0" anchor="ctr"/>
+          <a:p>
+            <a:pPr algn="ctr">
+              <a:lnSpc>
+                <a:spcPct val="70000"/>
+              </a:lnSpc>
+              <a:buClrTx/>
+              <a:buSzTx/>
+              <a:buFontTx/>
+            </a:pPr>
+            <a:r>
+              <a:rPr lang="zh-CN" altLang="en-US" dirty="0">
+                <a:sym typeface="+mn-ea"/>
+              </a:rPr>
+              <a:t>骨骼抽取</a:t>
+            </a:r>
+            <a:endParaRPr lang="zh-CN" altLang="en-US" dirty="0">
+              <a:sym typeface="+mn-ea"/>
+            </a:endParaRPr>
+          </a:p>
+        </p:txBody>
+      </p:sp>
+      <p:sp>
+        <p:nvSpPr>
+          <p:cNvPr id="15" name="右箭头 14"/>
+          <p:cNvSpPr/>
+          <p:nvPr/>
+        </p:nvSpPr>
+        <p:spPr>
+          <a:xfrm>
+            <a:off x="6462395" y="1485900"/>
+            <a:ext cx="1315085" cy="783590"/>
+          </a:xfrm>
+          <a:prstGeom prst="rightArrow">
+            <a:avLst/>
+          </a:prstGeom>
+        </p:spPr>
+        <p:style>
+          <a:lnRef idx="2">
+            <a:schemeClr val="accent1">
+              <a:shade val="50000"/>
+            </a:schemeClr>
+          </a:lnRef>
+          <a:fillRef idx="1">
+            <a:schemeClr val="accent1"/>
+          </a:fillRef>
+          <a:effectRef idx="0">
+            <a:schemeClr val="accent1"/>
+          </a:effectRef>
+          <a:fontRef idx="minor">
+            <a:schemeClr val="lt1"/>
+          </a:fontRef>
+        </p:style>
+        <p:txBody>
+          <a:bodyPr rtlCol="0" anchor="ctr"/>
+          <a:p>
+            <a:pPr algn="ctr">
+              <a:lnSpc>
+                <a:spcPct val="70000"/>
+              </a:lnSpc>
+              <a:buClrTx/>
+              <a:buSzTx/>
+              <a:buFontTx/>
+            </a:pPr>
+            <a:r>
+              <a:rPr lang="zh-CN" altLang="en-US" dirty="0">
+                <a:sym typeface="+mn-ea"/>
+              </a:rPr>
+              <a:t>动作制作</a:t>
+            </a:r>
+            <a:endParaRPr lang="zh-CN" altLang="en-US" dirty="0">
+              <a:sym typeface="+mn-ea"/>
+            </a:endParaRPr>
           </a:p>
         </p:txBody>
       </p:sp>
